--- a/Ročníková práce - prezentace.pptx
+++ b/Ročníková práce - prezentace.pptx
@@ -1136,31 +1136,31 @@
     </dgm:pt>
   </dgm:ptLst>
   <dgm:cxnLst>
-    <dgm:cxn modelId="{3165F226-6F57-43F9-B2E8-2017A548972D}" type="presOf" srcId="{6ABFE987-24B6-4C69-BFCE-9646AAD82619}" destId="{3CE8B446-E0DE-4AFB-BA38-3CA053BE87B0}" srcOrd="0" destOrd="0" presId="urn:microsoft.com/office/officeart/2008/layout/LinedList"/>
-    <dgm:cxn modelId="{B503E660-09E0-4F9C-A669-CC8E658329ED}" type="presOf" srcId="{B3177819-D011-4D34-83DE-494CA049021C}" destId="{1E67E8E1-9897-40DF-A022-2DA1BEB45D07}" srcOrd="0" destOrd="0" presId="urn:microsoft.com/office/officeart/2008/layout/LinedList"/>
-    <dgm:cxn modelId="{38079A43-48C2-4FE3-84EB-2305B078DB5E}" type="presOf" srcId="{97B6B4C9-C18B-4AF4-B1C2-320FB2AD034E}" destId="{D8C31AEC-9F3E-43C2-ADF8-484868BE5632}" srcOrd="0" destOrd="0" presId="urn:microsoft.com/office/officeart/2008/layout/LinedList"/>
+    <dgm:cxn modelId="{0995A115-0075-4C89-B938-454DE8C047FE}" type="presOf" srcId="{97B6B4C9-C18B-4AF4-B1C2-320FB2AD034E}" destId="{D8C31AEC-9F3E-43C2-ADF8-484868BE5632}" srcOrd="0" destOrd="0" presId="urn:microsoft.com/office/officeart/2008/layout/LinedList"/>
+    <dgm:cxn modelId="{AD7FAF1C-F587-44B7-B83C-7FAAD1618737}" type="presOf" srcId="{E5526ED4-1B9E-4F60-85E6-AEEBD69A17EC}" destId="{20C458B1-6F3B-4597-B1DA-3E32060E82E6}" srcOrd="0" destOrd="0" presId="urn:microsoft.com/office/officeart/2008/layout/LinedList"/>
+    <dgm:cxn modelId="{F6F8EA24-36B2-41FF-B313-B3BBED791FA1}" type="presOf" srcId="{B3177819-D011-4D34-83DE-494CA049021C}" destId="{1E67E8E1-9897-40DF-A022-2DA1BEB45D07}" srcOrd="0" destOrd="0" presId="urn:microsoft.com/office/officeart/2008/layout/LinedList"/>
+    <dgm:cxn modelId="{99B7AF2D-7323-4946-84C4-3C13C548D35F}" type="presOf" srcId="{925B54B9-FC95-4FA3-9BF6-91FB8C56DE50}" destId="{A5F2F1EF-0808-410F-AB2C-81E1EECF121E}" srcOrd="0" destOrd="0" presId="urn:microsoft.com/office/officeart/2008/layout/LinedList"/>
     <dgm:cxn modelId="{4989AD64-F94C-472C-859B-4991B926C23D}" srcId="{6ABFE987-24B6-4C69-BFCE-9646AAD82619}" destId="{97B6B4C9-C18B-4AF4-B1C2-320FB2AD034E}" srcOrd="0" destOrd="0" parTransId="{EF42FFC8-66CF-4878-8797-1D13BDE336AB}" sibTransId="{AFFCDABF-1851-4269-9C95-9846A937DA03}"/>
     <dgm:cxn modelId="{4E67656E-78C9-431E-BA8C-840F269BDE82}" srcId="{6ABFE987-24B6-4C69-BFCE-9646AAD82619}" destId="{925B54B9-FC95-4FA3-9BF6-91FB8C56DE50}" srcOrd="2" destOrd="0" parTransId="{C1368170-2436-4761-9286-E3A9B4F4AAE8}" sibTransId="{D55816E5-84EE-4E33-A06C-6AA3C4A440C4}"/>
-    <dgm:cxn modelId="{43EA9F56-A919-452D-9FA8-0ADDEBEA7AF0}" type="presOf" srcId="{E5526ED4-1B9E-4F60-85E6-AEEBD69A17EC}" destId="{20C458B1-6F3B-4597-B1DA-3E32060E82E6}" srcOrd="0" destOrd="0" presId="urn:microsoft.com/office/officeart/2008/layout/LinedList"/>
+    <dgm:cxn modelId="{ED0A7FA0-C699-4FA4-B88E-8551712795FD}" type="presOf" srcId="{6ABFE987-24B6-4C69-BFCE-9646AAD82619}" destId="{3CE8B446-E0DE-4AFB-BA38-3CA053BE87B0}" srcOrd="0" destOrd="0" presId="urn:microsoft.com/office/officeart/2008/layout/LinedList"/>
     <dgm:cxn modelId="{794A5CA6-E0E3-49A8-AA8F-E03E1636538E}" srcId="{6ABFE987-24B6-4C69-BFCE-9646AAD82619}" destId="{E5526ED4-1B9E-4F60-85E6-AEEBD69A17EC}" srcOrd="3" destOrd="0" parTransId="{1C0327E0-D4D4-4091-B181-22411CFF2ACC}" sibTransId="{EBDA98C3-5B7F-41C0-B6FB-132E36BB1756}"/>
-    <dgm:cxn modelId="{B58405A9-8CEA-495C-96DE-C83C197058FD}" type="presOf" srcId="{925B54B9-FC95-4FA3-9BF6-91FB8C56DE50}" destId="{A5F2F1EF-0808-410F-AB2C-81E1EECF121E}" srcOrd="0" destOrd="0" presId="urn:microsoft.com/office/officeart/2008/layout/LinedList"/>
     <dgm:cxn modelId="{AFD927AE-F0A5-4E06-9BC7-9E960991691D}" srcId="{6ABFE987-24B6-4C69-BFCE-9646AAD82619}" destId="{B3177819-D011-4D34-83DE-494CA049021C}" srcOrd="1" destOrd="0" parTransId="{0EB67BCA-48B4-40B2-9E88-90632B98016A}" sibTransId="{BE12A0FB-781A-41C1-B4A8-7CB45B905389}"/>
-    <dgm:cxn modelId="{82EDA616-9B3A-431A-814A-EA264E1FC257}" type="presParOf" srcId="{3CE8B446-E0DE-4AFB-BA38-3CA053BE87B0}" destId="{BEA8B19F-1199-4AB5-9C89-F8DD109D5751}" srcOrd="0" destOrd="0" presId="urn:microsoft.com/office/officeart/2008/layout/LinedList"/>
-    <dgm:cxn modelId="{B956E47D-F451-44D5-8BEB-3B37B8998536}" type="presParOf" srcId="{3CE8B446-E0DE-4AFB-BA38-3CA053BE87B0}" destId="{B6479842-AF23-4933-9B04-9D8B57FF3947}" srcOrd="1" destOrd="0" presId="urn:microsoft.com/office/officeart/2008/layout/LinedList"/>
-    <dgm:cxn modelId="{A3B08715-0D22-4300-AC07-E6650B82A70C}" type="presParOf" srcId="{B6479842-AF23-4933-9B04-9D8B57FF3947}" destId="{D8C31AEC-9F3E-43C2-ADF8-484868BE5632}" srcOrd="0" destOrd="0" presId="urn:microsoft.com/office/officeart/2008/layout/LinedList"/>
-    <dgm:cxn modelId="{4D8DDE86-73E5-41C7-9D0D-6464EFEF49B0}" type="presParOf" srcId="{B6479842-AF23-4933-9B04-9D8B57FF3947}" destId="{5C442A31-CF60-40A5-8347-8F54A23FB277}" srcOrd="1" destOrd="0" presId="urn:microsoft.com/office/officeart/2008/layout/LinedList"/>
-    <dgm:cxn modelId="{924505F8-D2D6-42A4-80ED-399C647B7E55}" type="presParOf" srcId="{3CE8B446-E0DE-4AFB-BA38-3CA053BE87B0}" destId="{2BBBAD43-5AE4-4B0E-8429-23ED48ADB1CF}" srcOrd="2" destOrd="0" presId="urn:microsoft.com/office/officeart/2008/layout/LinedList"/>
-    <dgm:cxn modelId="{4912B595-B834-433B-B374-9222B5573DB8}" type="presParOf" srcId="{3CE8B446-E0DE-4AFB-BA38-3CA053BE87B0}" destId="{FF72C51B-5256-4A1B-8CC9-46E4D8BD2F11}" srcOrd="3" destOrd="0" presId="urn:microsoft.com/office/officeart/2008/layout/LinedList"/>
-    <dgm:cxn modelId="{1043B793-DAE8-4E81-A85E-641EC8EDA42E}" type="presParOf" srcId="{FF72C51B-5256-4A1B-8CC9-46E4D8BD2F11}" destId="{1E67E8E1-9897-40DF-A022-2DA1BEB45D07}" srcOrd="0" destOrd="0" presId="urn:microsoft.com/office/officeart/2008/layout/LinedList"/>
-    <dgm:cxn modelId="{A302C07B-C374-4208-B831-42AA38D40FC1}" type="presParOf" srcId="{FF72C51B-5256-4A1B-8CC9-46E4D8BD2F11}" destId="{FBB3BA9E-7271-42A8-8895-00A8237C3F2A}" srcOrd="1" destOrd="0" presId="urn:microsoft.com/office/officeart/2008/layout/LinedList"/>
-    <dgm:cxn modelId="{9A92BA9B-16F0-403A-AF2E-A699382D089E}" type="presParOf" srcId="{3CE8B446-E0DE-4AFB-BA38-3CA053BE87B0}" destId="{F4B19E92-1945-4D00-B3DA-7887D2CEEDF8}" srcOrd="4" destOrd="0" presId="urn:microsoft.com/office/officeart/2008/layout/LinedList"/>
-    <dgm:cxn modelId="{97951AA7-1EA4-41C0-ADB1-13B0502B3CF6}" type="presParOf" srcId="{3CE8B446-E0DE-4AFB-BA38-3CA053BE87B0}" destId="{0248DFDB-28F3-464D-86EE-6B8CE6AD80AF}" srcOrd="5" destOrd="0" presId="urn:microsoft.com/office/officeart/2008/layout/LinedList"/>
-    <dgm:cxn modelId="{7B63B252-7480-4B22-8841-A62CFEDA0064}" type="presParOf" srcId="{0248DFDB-28F3-464D-86EE-6B8CE6AD80AF}" destId="{A5F2F1EF-0808-410F-AB2C-81E1EECF121E}" srcOrd="0" destOrd="0" presId="urn:microsoft.com/office/officeart/2008/layout/LinedList"/>
-    <dgm:cxn modelId="{99E3237E-A999-4EB9-B73E-F65FA84DF71C}" type="presParOf" srcId="{0248DFDB-28F3-464D-86EE-6B8CE6AD80AF}" destId="{2E9D337E-BD3F-4144-BE5B-9C3CAF19EDC0}" srcOrd="1" destOrd="0" presId="urn:microsoft.com/office/officeart/2008/layout/LinedList"/>
-    <dgm:cxn modelId="{186068C2-5FC6-4419-8F9F-AC583D02FB87}" type="presParOf" srcId="{3CE8B446-E0DE-4AFB-BA38-3CA053BE87B0}" destId="{507A8C01-7BAF-42B8-B3E8-0CA337BDFE1E}" srcOrd="6" destOrd="0" presId="urn:microsoft.com/office/officeart/2008/layout/LinedList"/>
-    <dgm:cxn modelId="{676A3E06-AEB1-4C7D-92A3-A08D5C18FB97}" type="presParOf" srcId="{3CE8B446-E0DE-4AFB-BA38-3CA053BE87B0}" destId="{5703011F-FD76-42D5-825A-6684093CB256}" srcOrd="7" destOrd="0" presId="urn:microsoft.com/office/officeart/2008/layout/LinedList"/>
-    <dgm:cxn modelId="{9528C822-CD82-4658-9EE6-722BD9F668B3}" type="presParOf" srcId="{5703011F-FD76-42D5-825A-6684093CB256}" destId="{20C458B1-6F3B-4597-B1DA-3E32060E82E6}" srcOrd="0" destOrd="0" presId="urn:microsoft.com/office/officeart/2008/layout/LinedList"/>
-    <dgm:cxn modelId="{6BE7B7BA-8CBF-40F3-83EB-E530136E4F92}" type="presParOf" srcId="{5703011F-FD76-42D5-825A-6684093CB256}" destId="{CA8DCFB6-25B8-4FAB-AA10-16E021E34766}" srcOrd="1" destOrd="0" presId="urn:microsoft.com/office/officeart/2008/layout/LinedList"/>
+    <dgm:cxn modelId="{3A50D859-4A48-4576-915F-8F71B7E6464C}" type="presParOf" srcId="{3CE8B446-E0DE-4AFB-BA38-3CA053BE87B0}" destId="{BEA8B19F-1199-4AB5-9C89-F8DD109D5751}" srcOrd="0" destOrd="0" presId="urn:microsoft.com/office/officeart/2008/layout/LinedList"/>
+    <dgm:cxn modelId="{19F0E76A-CA25-4BC7-9536-19EC2B75D46D}" type="presParOf" srcId="{3CE8B446-E0DE-4AFB-BA38-3CA053BE87B0}" destId="{B6479842-AF23-4933-9B04-9D8B57FF3947}" srcOrd="1" destOrd="0" presId="urn:microsoft.com/office/officeart/2008/layout/LinedList"/>
+    <dgm:cxn modelId="{2BC3A9E5-66E2-4E48-8D95-6F0EE1486E48}" type="presParOf" srcId="{B6479842-AF23-4933-9B04-9D8B57FF3947}" destId="{D8C31AEC-9F3E-43C2-ADF8-484868BE5632}" srcOrd="0" destOrd="0" presId="urn:microsoft.com/office/officeart/2008/layout/LinedList"/>
+    <dgm:cxn modelId="{AC82DE33-7EEF-495A-9A32-D36E44396D12}" type="presParOf" srcId="{B6479842-AF23-4933-9B04-9D8B57FF3947}" destId="{5C442A31-CF60-40A5-8347-8F54A23FB277}" srcOrd="1" destOrd="0" presId="urn:microsoft.com/office/officeart/2008/layout/LinedList"/>
+    <dgm:cxn modelId="{32914EE8-89CE-441C-8075-AED05038A8E2}" type="presParOf" srcId="{3CE8B446-E0DE-4AFB-BA38-3CA053BE87B0}" destId="{2BBBAD43-5AE4-4B0E-8429-23ED48ADB1CF}" srcOrd="2" destOrd="0" presId="urn:microsoft.com/office/officeart/2008/layout/LinedList"/>
+    <dgm:cxn modelId="{12431B7F-38AD-4B0D-A725-A16CF7472C4C}" type="presParOf" srcId="{3CE8B446-E0DE-4AFB-BA38-3CA053BE87B0}" destId="{FF72C51B-5256-4A1B-8CC9-46E4D8BD2F11}" srcOrd="3" destOrd="0" presId="urn:microsoft.com/office/officeart/2008/layout/LinedList"/>
+    <dgm:cxn modelId="{9BFFD123-3E0D-475C-9DD0-5ED3517F82EB}" type="presParOf" srcId="{FF72C51B-5256-4A1B-8CC9-46E4D8BD2F11}" destId="{1E67E8E1-9897-40DF-A022-2DA1BEB45D07}" srcOrd="0" destOrd="0" presId="urn:microsoft.com/office/officeart/2008/layout/LinedList"/>
+    <dgm:cxn modelId="{B117FF3E-A263-4434-AA2E-FFDF76BBC3C2}" type="presParOf" srcId="{FF72C51B-5256-4A1B-8CC9-46E4D8BD2F11}" destId="{FBB3BA9E-7271-42A8-8895-00A8237C3F2A}" srcOrd="1" destOrd="0" presId="urn:microsoft.com/office/officeart/2008/layout/LinedList"/>
+    <dgm:cxn modelId="{45619369-5E35-4C43-AD37-305C96BB157D}" type="presParOf" srcId="{3CE8B446-E0DE-4AFB-BA38-3CA053BE87B0}" destId="{F4B19E92-1945-4D00-B3DA-7887D2CEEDF8}" srcOrd="4" destOrd="0" presId="urn:microsoft.com/office/officeart/2008/layout/LinedList"/>
+    <dgm:cxn modelId="{7D2F4569-E607-4B46-A21B-A6CDDC5EDEC3}" type="presParOf" srcId="{3CE8B446-E0DE-4AFB-BA38-3CA053BE87B0}" destId="{0248DFDB-28F3-464D-86EE-6B8CE6AD80AF}" srcOrd="5" destOrd="0" presId="urn:microsoft.com/office/officeart/2008/layout/LinedList"/>
+    <dgm:cxn modelId="{E4E8F0D6-F67B-43A8-9EB7-9A65F42809AE}" type="presParOf" srcId="{0248DFDB-28F3-464D-86EE-6B8CE6AD80AF}" destId="{A5F2F1EF-0808-410F-AB2C-81E1EECF121E}" srcOrd="0" destOrd="0" presId="urn:microsoft.com/office/officeart/2008/layout/LinedList"/>
+    <dgm:cxn modelId="{E4D9FE47-AF02-4488-B5C9-99F9BF685F8C}" type="presParOf" srcId="{0248DFDB-28F3-464D-86EE-6B8CE6AD80AF}" destId="{2E9D337E-BD3F-4144-BE5B-9C3CAF19EDC0}" srcOrd="1" destOrd="0" presId="urn:microsoft.com/office/officeart/2008/layout/LinedList"/>
+    <dgm:cxn modelId="{C2B5250C-2B5D-4AB2-B903-95D18CAE6136}" type="presParOf" srcId="{3CE8B446-E0DE-4AFB-BA38-3CA053BE87B0}" destId="{507A8C01-7BAF-42B8-B3E8-0CA337BDFE1E}" srcOrd="6" destOrd="0" presId="urn:microsoft.com/office/officeart/2008/layout/LinedList"/>
+    <dgm:cxn modelId="{E8AB8F12-F16F-4873-A238-9C23FD60B1B5}" type="presParOf" srcId="{3CE8B446-E0DE-4AFB-BA38-3CA053BE87B0}" destId="{5703011F-FD76-42D5-825A-6684093CB256}" srcOrd="7" destOrd="0" presId="urn:microsoft.com/office/officeart/2008/layout/LinedList"/>
+    <dgm:cxn modelId="{3A0CAAEB-3875-468B-92BB-0C804EDA0FA5}" type="presParOf" srcId="{5703011F-FD76-42D5-825A-6684093CB256}" destId="{20C458B1-6F3B-4597-B1DA-3E32060E82E6}" srcOrd="0" destOrd="0" presId="urn:microsoft.com/office/officeart/2008/layout/LinedList"/>
+    <dgm:cxn modelId="{FD73370A-27B1-4F42-A1DD-03F5D46A629A}" type="presParOf" srcId="{5703011F-FD76-42D5-825A-6684093CB256}" destId="{CA8DCFB6-25B8-4FAB-AA10-16E021E34766}" srcOrd="1" destOrd="0" presId="urn:microsoft.com/office/officeart/2008/layout/LinedList"/>
   </dgm:cxnLst>
   <dgm:bg/>
   <dgm:whole/>
@@ -3481,7 +3481,7 @@
           <a:noFill/>
           <a:extLst>
             <a:ext uri="{909E8E84-426E-40dd-AFC4-6F175D3DCCD1}">
-              <a14:hiddenFill xmlns="" xmlns:a14="http://schemas.microsoft.com/office/drawing/2010/main">
+              <a14:hiddenFill xmlns:a14="http://schemas.microsoft.com/office/drawing/2010/main" xmlns="">
                 <a:solidFill>
                   <a:srgbClr val="FFFFFF"/>
                 </a:solidFill>
@@ -3541,7 +3541,7 @@
             </a:ln>
             <a:extLst>
               <a:ext uri="{91240B29-F687-4f45-9708-019B960494DF}">
-                <a14:hiddenLine xmlns="" xmlns:a14="http://schemas.microsoft.com/office/drawing/2010/main" w="9525">
+                <a14:hiddenLine xmlns:a14="http://schemas.microsoft.com/office/drawing/2010/main" xmlns="" w="9525">
                   <a:solidFill>
                     <a:srgbClr val="000000"/>
                   </a:solidFill>
@@ -3631,7 +3631,7 @@
             </a:ln>
             <a:extLst>
               <a:ext uri="{91240B29-F687-4f45-9708-019B960494DF}">
-                <a14:hiddenLine xmlns="" xmlns:a14="http://schemas.microsoft.com/office/drawing/2010/main" w="9525">
+                <a14:hiddenLine xmlns:a14="http://schemas.microsoft.com/office/drawing/2010/main" xmlns="" w="9525">
                   <a:solidFill>
                     <a:srgbClr val="000000"/>
                   </a:solidFill>
@@ -3721,7 +3721,7 @@
             </a:ln>
             <a:extLst>
               <a:ext uri="{91240B29-F687-4f45-9708-019B960494DF}">
-                <a14:hiddenLine xmlns="" xmlns:a14="http://schemas.microsoft.com/office/drawing/2010/main" w="9525">
+                <a14:hiddenLine xmlns:a14="http://schemas.microsoft.com/office/drawing/2010/main" xmlns="" w="9525">
                   <a:solidFill>
                     <a:srgbClr val="000000"/>
                   </a:solidFill>
@@ -3755,7 +3755,7 @@
             </a:ln>
             <a:extLst>
               <a:ext uri="{91240B29-F687-4f45-9708-019B960494DF}">
-                <a14:hiddenLine xmlns="" xmlns:a14="http://schemas.microsoft.com/office/drawing/2010/main" w="9525">
+                <a14:hiddenLine xmlns:a14="http://schemas.microsoft.com/office/drawing/2010/main" xmlns="" w="9525">
                   <a:solidFill>
                     <a:srgbClr val="000000"/>
                   </a:solidFill>
@@ -3845,7 +3845,7 @@
             </a:ln>
             <a:extLst>
               <a:ext uri="{91240B29-F687-4f45-9708-019B960494DF}">
-                <a14:hiddenLine xmlns="" xmlns:a14="http://schemas.microsoft.com/office/drawing/2010/main" w="9525">
+                <a14:hiddenLine xmlns:a14="http://schemas.microsoft.com/office/drawing/2010/main" xmlns="" w="9525">
                   <a:solidFill>
                     <a:srgbClr val="000000"/>
                   </a:solidFill>
@@ -3907,7 +3907,7 @@
             </a:ln>
             <a:extLst>
               <a:ext uri="{91240B29-F687-4f45-9708-019B960494DF}">
-                <a14:hiddenLine xmlns="" xmlns:a14="http://schemas.microsoft.com/office/drawing/2010/main" w="9525">
+                <a14:hiddenLine xmlns:a14="http://schemas.microsoft.com/office/drawing/2010/main" xmlns="" w="9525">
                   <a:solidFill>
                     <a:srgbClr val="000000"/>
                   </a:solidFill>
@@ -3969,7 +3969,7 @@
             </a:ln>
             <a:extLst>
               <a:ext uri="{91240B29-F687-4f45-9708-019B960494DF}">
-                <a14:hiddenLine xmlns="" xmlns:a14="http://schemas.microsoft.com/office/drawing/2010/main" w="9525">
+                <a14:hiddenLine xmlns:a14="http://schemas.microsoft.com/office/drawing/2010/main" xmlns="" w="9525">
                   <a:solidFill>
                     <a:srgbClr val="000000"/>
                   </a:solidFill>
@@ -4059,7 +4059,7 @@
             </a:ln>
             <a:extLst>
               <a:ext uri="{91240B29-F687-4f45-9708-019B960494DF}">
-                <a14:hiddenLine xmlns="" xmlns:a14="http://schemas.microsoft.com/office/drawing/2010/main" w="9525">
+                <a14:hiddenLine xmlns:a14="http://schemas.microsoft.com/office/drawing/2010/main" xmlns="" w="9525">
                   <a:solidFill>
                     <a:srgbClr val="000000"/>
                   </a:solidFill>
@@ -4121,7 +4121,7 @@
             </a:ln>
             <a:extLst>
               <a:ext uri="{91240B29-F687-4f45-9708-019B960494DF}">
-                <a14:hiddenLine xmlns="" xmlns:a14="http://schemas.microsoft.com/office/drawing/2010/main" w="9525">
+                <a14:hiddenLine xmlns:a14="http://schemas.microsoft.com/office/drawing/2010/main" xmlns="" w="9525">
                   <a:solidFill>
                     <a:srgbClr val="000000"/>
                   </a:solidFill>
@@ -4183,7 +4183,7 @@
             </a:ln>
             <a:extLst>
               <a:ext uri="{91240B29-F687-4f45-9708-019B960494DF}">
-                <a14:hiddenLine xmlns="" xmlns:a14="http://schemas.microsoft.com/office/drawing/2010/main" w="9525">
+                <a14:hiddenLine xmlns:a14="http://schemas.microsoft.com/office/drawing/2010/main" xmlns="" w="9525">
                   <a:solidFill>
                     <a:srgbClr val="000000"/>
                   </a:solidFill>
@@ -4273,7 +4273,7 @@
             </a:ln>
             <a:extLst>
               <a:ext uri="{91240B29-F687-4f45-9708-019B960494DF}">
-                <a14:hiddenLine xmlns="" xmlns:a14="http://schemas.microsoft.com/office/drawing/2010/main" w="9525">
+                <a14:hiddenLine xmlns:a14="http://schemas.microsoft.com/office/drawing/2010/main" xmlns="" w="9525">
                   <a:solidFill>
                     <a:srgbClr val="000000"/>
                   </a:solidFill>
@@ -4363,7 +4363,7 @@
             </a:ln>
             <a:extLst>
               <a:ext uri="{91240B29-F687-4f45-9708-019B960494DF}">
-                <a14:hiddenLine xmlns="" xmlns:a14="http://schemas.microsoft.com/office/drawing/2010/main" w="9525">
+                <a14:hiddenLine xmlns:a14="http://schemas.microsoft.com/office/drawing/2010/main" xmlns="" w="9525">
                   <a:solidFill>
                     <a:srgbClr val="000000"/>
                   </a:solidFill>
@@ -4425,7 +4425,7 @@
             </a:ln>
             <a:extLst>
               <a:ext uri="{91240B29-F687-4f45-9708-019B960494DF}">
-                <a14:hiddenLine xmlns="" xmlns:a14="http://schemas.microsoft.com/office/drawing/2010/main" w="9525">
+                <a14:hiddenLine xmlns:a14="http://schemas.microsoft.com/office/drawing/2010/main" xmlns="" w="9525">
                   <a:solidFill>
                     <a:srgbClr val="000000"/>
                   </a:solidFill>
@@ -4535,7 +4535,7 @@
             </a:ln>
             <a:extLst>
               <a:ext uri="{91240B29-F687-4f45-9708-019B960494DF}">
-                <a14:hiddenLine xmlns="" xmlns:a14="http://schemas.microsoft.com/office/drawing/2010/main" w="9525">
+                <a14:hiddenLine xmlns:a14="http://schemas.microsoft.com/office/drawing/2010/main" xmlns="" w="9525">
                   <a:solidFill>
                     <a:srgbClr val="000000"/>
                   </a:solidFill>
@@ -4597,7 +4597,7 @@
             </a:ln>
             <a:extLst>
               <a:ext uri="{91240B29-F687-4f45-9708-019B960494DF}">
-                <a14:hiddenLine xmlns="" xmlns:a14="http://schemas.microsoft.com/office/drawing/2010/main" w="9525">
+                <a14:hiddenLine xmlns:a14="http://schemas.microsoft.com/office/drawing/2010/main" xmlns="" w="9525">
                   <a:solidFill>
                     <a:srgbClr val="000000"/>
                   </a:solidFill>
@@ -4687,7 +4687,7 @@
             </a:ln>
             <a:extLst>
               <a:ext uri="{91240B29-F687-4f45-9708-019B960494DF}">
-                <a14:hiddenLine xmlns="" xmlns:a14="http://schemas.microsoft.com/office/drawing/2010/main" w="9525">
+                <a14:hiddenLine xmlns:a14="http://schemas.microsoft.com/office/drawing/2010/main" xmlns="" w="9525">
                   <a:solidFill>
                     <a:srgbClr val="000000"/>
                   </a:solidFill>
@@ -4777,7 +4777,7 @@
             </a:ln>
             <a:extLst>
               <a:ext uri="{91240B29-F687-4f45-9708-019B960494DF}">
-                <a14:hiddenLine xmlns="" xmlns:a14="http://schemas.microsoft.com/office/drawing/2010/main" w="9525">
+                <a14:hiddenLine xmlns:a14="http://schemas.microsoft.com/office/drawing/2010/main" xmlns="" w="9525">
                   <a:solidFill>
                     <a:srgbClr val="000000"/>
                   </a:solidFill>
@@ -4839,7 +4839,7 @@
             </a:ln>
             <a:extLst>
               <a:ext uri="{91240B29-F687-4f45-9708-019B960494DF}">
-                <a14:hiddenLine xmlns="" xmlns:a14="http://schemas.microsoft.com/office/drawing/2010/main" w="9525">
+                <a14:hiddenLine xmlns:a14="http://schemas.microsoft.com/office/drawing/2010/main" xmlns="" w="9525">
                   <a:solidFill>
                     <a:srgbClr val="000000"/>
                   </a:solidFill>
@@ -4929,7 +4929,7 @@
             </a:ln>
             <a:extLst>
               <a:ext uri="{91240B29-F687-4f45-9708-019B960494DF}">
-                <a14:hiddenLine xmlns="" xmlns:a14="http://schemas.microsoft.com/office/drawing/2010/main" w="9525">
+                <a14:hiddenLine xmlns:a14="http://schemas.microsoft.com/office/drawing/2010/main" xmlns="" w="9525">
                   <a:solidFill>
                     <a:srgbClr val="000000"/>
                   </a:solidFill>
@@ -5019,7 +5019,7 @@
             </a:ln>
             <a:extLst>
               <a:ext uri="{91240B29-F687-4f45-9708-019B960494DF}">
-                <a14:hiddenLine xmlns="" xmlns:a14="http://schemas.microsoft.com/office/drawing/2010/main" w="9525">
+                <a14:hiddenLine xmlns:a14="http://schemas.microsoft.com/office/drawing/2010/main" xmlns="" w="9525">
                   <a:solidFill>
                     <a:srgbClr val="000000"/>
                   </a:solidFill>
@@ -5075,7 +5075,7 @@
             </a:ln>
             <a:extLst>
               <a:ext uri="{91240B29-F687-4f45-9708-019B960494DF}">
-                <a14:hiddenLine xmlns="" xmlns:a14="http://schemas.microsoft.com/office/drawing/2010/main" w="9525">
+                <a14:hiddenLine xmlns:a14="http://schemas.microsoft.com/office/drawing/2010/main" xmlns="" w="9525">
                   <a:solidFill>
                     <a:srgbClr val="000000"/>
                   </a:solidFill>
@@ -5165,7 +5165,7 @@
             </a:ln>
             <a:extLst>
               <a:ext uri="{91240B29-F687-4f45-9708-019B960494DF}">
-                <a14:hiddenLine xmlns="" xmlns:a14="http://schemas.microsoft.com/office/drawing/2010/main" w="9525">
+                <a14:hiddenLine xmlns:a14="http://schemas.microsoft.com/office/drawing/2010/main" xmlns="" w="9525">
                   <a:solidFill>
                     <a:srgbClr val="000000"/>
                   </a:solidFill>
@@ -5221,7 +5221,7 @@
             </a:ln>
             <a:extLst>
               <a:ext uri="{91240B29-F687-4f45-9708-019B960494DF}">
-                <a14:hiddenLine xmlns="" xmlns:a14="http://schemas.microsoft.com/office/drawing/2010/main" w="9525">
+                <a14:hiddenLine xmlns:a14="http://schemas.microsoft.com/office/drawing/2010/main" xmlns="" w="9525">
                   <a:solidFill>
                     <a:srgbClr val="000000"/>
                   </a:solidFill>
@@ -5311,7 +5311,7 @@
             </a:ln>
             <a:extLst>
               <a:ext uri="{91240B29-F687-4f45-9708-019B960494DF}">
-                <a14:hiddenLine xmlns="" xmlns:a14="http://schemas.microsoft.com/office/drawing/2010/main" w="9525">
+                <a14:hiddenLine xmlns:a14="http://schemas.microsoft.com/office/drawing/2010/main" xmlns="" w="9525">
                   <a:solidFill>
                     <a:srgbClr val="000000"/>
                   </a:solidFill>
@@ -5379,7 +5379,7 @@
             </a:ln>
             <a:extLst>
               <a:ext uri="{91240B29-F687-4f45-9708-019B960494DF}">
-                <a14:hiddenLine xmlns="" xmlns:a14="http://schemas.microsoft.com/office/drawing/2010/main" w="9525">
+                <a14:hiddenLine xmlns:a14="http://schemas.microsoft.com/office/drawing/2010/main" xmlns="" w="9525">
                   <a:solidFill>
                     <a:srgbClr val="000000"/>
                   </a:solidFill>
@@ -5469,7 +5469,7 @@
             </a:ln>
             <a:extLst>
               <a:ext uri="{91240B29-F687-4f45-9708-019B960494DF}">
-                <a14:hiddenLine xmlns="" xmlns:a14="http://schemas.microsoft.com/office/drawing/2010/main" w="9525">
+                <a14:hiddenLine xmlns:a14="http://schemas.microsoft.com/office/drawing/2010/main" xmlns="" w="9525">
                   <a:solidFill>
                     <a:srgbClr val="000000"/>
                   </a:solidFill>
@@ -5537,7 +5537,7 @@
             </a:ln>
             <a:extLst>
               <a:ext uri="{91240B29-F687-4f45-9708-019B960494DF}">
-                <a14:hiddenLine xmlns="" xmlns:a14="http://schemas.microsoft.com/office/drawing/2010/main" w="9525">
+                <a14:hiddenLine xmlns:a14="http://schemas.microsoft.com/office/drawing/2010/main" xmlns="" w="9525">
                   <a:solidFill>
                     <a:srgbClr val="000000"/>
                   </a:solidFill>
@@ -5627,7 +5627,7 @@
             </a:ln>
             <a:extLst>
               <a:ext uri="{91240B29-F687-4f45-9708-019B960494DF}">
-                <a14:hiddenLine xmlns="" xmlns:a14="http://schemas.microsoft.com/office/drawing/2010/main" w="9525">
+                <a14:hiddenLine xmlns:a14="http://schemas.microsoft.com/office/drawing/2010/main" xmlns="" w="9525">
                   <a:solidFill>
                     <a:srgbClr val="000000"/>
                   </a:solidFill>
@@ -5661,7 +5661,7 @@
             </a:ln>
             <a:extLst>
               <a:ext uri="{91240B29-F687-4f45-9708-019B960494DF}">
-                <a14:hiddenLine xmlns="" xmlns:a14="http://schemas.microsoft.com/office/drawing/2010/main" w="9525">
+                <a14:hiddenLine xmlns:a14="http://schemas.microsoft.com/office/drawing/2010/main" xmlns="" w="9525">
                   <a:solidFill>
                     <a:srgbClr val="000000"/>
                   </a:solidFill>
@@ -5751,7 +5751,7 @@
             </a:ln>
             <a:extLst>
               <a:ext uri="{91240B29-F687-4f45-9708-019B960494DF}">
-                <a14:hiddenLine xmlns="" xmlns:a14="http://schemas.microsoft.com/office/drawing/2010/main" w="9525">
+                <a14:hiddenLine xmlns:a14="http://schemas.microsoft.com/office/drawing/2010/main" xmlns="" w="9525">
                   <a:solidFill>
                     <a:srgbClr val="000000"/>
                   </a:solidFill>
@@ -5813,7 +5813,7 @@
             </a:ln>
             <a:extLst>
               <a:ext uri="{91240B29-F687-4f45-9708-019B960494DF}">
-                <a14:hiddenLine xmlns="" xmlns:a14="http://schemas.microsoft.com/office/drawing/2010/main" w="9525">
+                <a14:hiddenLine xmlns:a14="http://schemas.microsoft.com/office/drawing/2010/main" xmlns="" w="9525">
                   <a:solidFill>
                     <a:srgbClr val="000000"/>
                   </a:solidFill>
@@ -5875,7 +5875,7 @@
             </a:ln>
             <a:extLst>
               <a:ext uri="{91240B29-F687-4f45-9708-019B960494DF}">
-                <a14:hiddenLine xmlns="" xmlns:a14="http://schemas.microsoft.com/office/drawing/2010/main" w="9525">
+                <a14:hiddenLine xmlns:a14="http://schemas.microsoft.com/office/drawing/2010/main" xmlns="" w="9525">
                   <a:solidFill>
                     <a:srgbClr val="000000"/>
                   </a:solidFill>
@@ -5965,7 +5965,7 @@
             </a:ln>
             <a:extLst>
               <a:ext uri="{91240B29-F687-4f45-9708-019B960494DF}">
-                <a14:hiddenLine xmlns="" xmlns:a14="http://schemas.microsoft.com/office/drawing/2010/main" w="9525">
+                <a14:hiddenLine xmlns:a14="http://schemas.microsoft.com/office/drawing/2010/main" xmlns="" w="9525">
                   <a:solidFill>
                     <a:srgbClr val="000000"/>
                   </a:solidFill>
@@ -6033,7 +6033,7 @@
             </a:ln>
             <a:extLst>
               <a:ext uri="{91240B29-F687-4f45-9708-019B960494DF}">
-                <a14:hiddenLine xmlns="" xmlns:a14="http://schemas.microsoft.com/office/drawing/2010/main" w="9525">
+                <a14:hiddenLine xmlns:a14="http://schemas.microsoft.com/office/drawing/2010/main" xmlns="" w="9525">
                   <a:solidFill>
                     <a:srgbClr val="000000"/>
                   </a:solidFill>
@@ -6095,7 +6095,7 @@
             </a:ln>
             <a:extLst>
               <a:ext uri="{91240B29-F687-4f45-9708-019B960494DF}">
-                <a14:hiddenLine xmlns="" xmlns:a14="http://schemas.microsoft.com/office/drawing/2010/main" w="9525">
+                <a14:hiddenLine xmlns:a14="http://schemas.microsoft.com/office/drawing/2010/main" xmlns="" w="9525">
                   <a:solidFill>
                     <a:srgbClr val="000000"/>
                   </a:solidFill>
@@ -6185,7 +6185,7 @@
             </a:ln>
             <a:extLst>
               <a:ext uri="{91240B29-F687-4f45-9708-019B960494DF}">
-                <a14:hiddenLine xmlns="" xmlns:a14="http://schemas.microsoft.com/office/drawing/2010/main" w="9525">
+                <a14:hiddenLine xmlns:a14="http://schemas.microsoft.com/office/drawing/2010/main" xmlns="" w="9525">
                   <a:solidFill>
                     <a:srgbClr val="000000"/>
                   </a:solidFill>
@@ -6247,7 +6247,7 @@
             </a:ln>
             <a:extLst>
               <a:ext uri="{91240B29-F687-4f45-9708-019B960494DF}">
-                <a14:hiddenLine xmlns="" xmlns:a14="http://schemas.microsoft.com/office/drawing/2010/main" w="9525">
+                <a14:hiddenLine xmlns:a14="http://schemas.microsoft.com/office/drawing/2010/main" xmlns="" w="9525">
                   <a:solidFill>
                     <a:srgbClr val="000000"/>
                   </a:solidFill>
@@ -6337,7 +6337,7 @@
             </a:ln>
             <a:extLst>
               <a:ext uri="{91240B29-F687-4f45-9708-019B960494DF}">
-                <a14:hiddenLine xmlns="" xmlns:a14="http://schemas.microsoft.com/office/drawing/2010/main" w="9525">
+                <a14:hiddenLine xmlns:a14="http://schemas.microsoft.com/office/drawing/2010/main" xmlns="" w="9525">
                   <a:solidFill>
                     <a:srgbClr val="000000"/>
                   </a:solidFill>
@@ -6399,7 +6399,7 @@
             </a:ln>
             <a:extLst>
               <a:ext uri="{91240B29-F687-4f45-9708-019B960494DF}">
-                <a14:hiddenLine xmlns="" xmlns:a14="http://schemas.microsoft.com/office/drawing/2010/main" w="9525">
+                <a14:hiddenLine xmlns:a14="http://schemas.microsoft.com/office/drawing/2010/main" xmlns="" w="9525">
                   <a:solidFill>
                     <a:srgbClr val="000000"/>
                   </a:solidFill>
@@ -6489,7 +6489,7 @@
             </a:ln>
             <a:extLst>
               <a:ext uri="{91240B29-F687-4f45-9708-019B960494DF}">
-                <a14:hiddenLine xmlns="" xmlns:a14="http://schemas.microsoft.com/office/drawing/2010/main" w="9525">
+                <a14:hiddenLine xmlns:a14="http://schemas.microsoft.com/office/drawing/2010/main" xmlns="" w="9525">
                   <a:solidFill>
                     <a:srgbClr val="000000"/>
                   </a:solidFill>
@@ -6523,7 +6523,7 @@
             </a:ln>
             <a:extLst>
               <a:ext uri="{91240B29-F687-4f45-9708-019B960494DF}">
-                <a14:hiddenLine xmlns="" xmlns:a14="http://schemas.microsoft.com/office/drawing/2010/main" w="9525">
+                <a14:hiddenLine xmlns:a14="http://schemas.microsoft.com/office/drawing/2010/main" xmlns="" w="9525">
                   <a:solidFill>
                     <a:srgbClr val="000000"/>
                   </a:solidFill>
@@ -6588,7 +6588,7 @@
             </a:ln>
             <a:extLst>
               <a:ext uri="{91240B29-F687-4f45-9708-019B960494DF}">
-                <a14:hiddenLine xmlns="" xmlns:a14="http://schemas.microsoft.com/office/drawing/2010/main" w="9525">
+                <a14:hiddenLine xmlns:a14="http://schemas.microsoft.com/office/drawing/2010/main" xmlns="" w="9525">
                   <a:solidFill>
                     <a:srgbClr val="000000"/>
                   </a:solidFill>
@@ -6678,7 +6678,7 @@
             </a:ln>
             <a:extLst>
               <a:ext uri="{91240B29-F687-4f45-9708-019B960494DF}">
-                <a14:hiddenLine xmlns="" xmlns:a14="http://schemas.microsoft.com/office/drawing/2010/main" w="9525">
+                <a14:hiddenLine xmlns:a14="http://schemas.microsoft.com/office/drawing/2010/main" xmlns="" w="9525">
                   <a:solidFill>
                     <a:srgbClr val="000000"/>
                   </a:solidFill>
@@ -6740,7 +6740,7 @@
             </a:ln>
             <a:extLst>
               <a:ext uri="{91240B29-F687-4f45-9708-019B960494DF}">
-                <a14:hiddenLine xmlns="" xmlns:a14="http://schemas.microsoft.com/office/drawing/2010/main" w="9525">
+                <a14:hiddenLine xmlns:a14="http://schemas.microsoft.com/office/drawing/2010/main" xmlns="" w="9525">
                   <a:solidFill>
                     <a:srgbClr val="000000"/>
                   </a:solidFill>
@@ -6830,7 +6830,7 @@
             </a:ln>
             <a:extLst>
               <a:ext uri="{91240B29-F687-4f45-9708-019B960494DF}">
-                <a14:hiddenLine xmlns="" xmlns:a14="http://schemas.microsoft.com/office/drawing/2010/main" w="9525">
+                <a14:hiddenLine xmlns:a14="http://schemas.microsoft.com/office/drawing/2010/main" xmlns="" w="9525">
                   <a:solidFill>
                     <a:srgbClr val="000000"/>
                   </a:solidFill>
@@ -6920,7 +6920,7 @@
             </a:ln>
             <a:extLst>
               <a:ext uri="{91240B29-F687-4f45-9708-019B960494DF}">
-                <a14:hiddenLine xmlns="" xmlns:a14="http://schemas.microsoft.com/office/drawing/2010/main" w="9525">
+                <a14:hiddenLine xmlns:a14="http://schemas.microsoft.com/office/drawing/2010/main" xmlns="" w="9525">
                   <a:solidFill>
                     <a:srgbClr val="000000"/>
                   </a:solidFill>
@@ -6985,7 +6985,7 @@
             </a:ln>
             <a:extLst>
               <a:ext uri="{91240B29-F687-4f45-9708-019B960494DF}">
-                <a14:hiddenLine xmlns="" xmlns:a14="http://schemas.microsoft.com/office/drawing/2010/main" w="9525">
+                <a14:hiddenLine xmlns:a14="http://schemas.microsoft.com/office/drawing/2010/main" xmlns="" w="9525">
                   <a:solidFill>
                     <a:srgbClr val="000000"/>
                   </a:solidFill>
@@ -7047,7 +7047,7 @@
             </a:ln>
             <a:extLst>
               <a:ext uri="{91240B29-F687-4f45-9708-019B960494DF}">
-                <a14:hiddenLine xmlns="" xmlns:a14="http://schemas.microsoft.com/office/drawing/2010/main" w="9525">
+                <a14:hiddenLine xmlns:a14="http://schemas.microsoft.com/office/drawing/2010/main" xmlns="" w="9525">
                   <a:solidFill>
                     <a:srgbClr val="000000"/>
                   </a:solidFill>
@@ -7137,7 +7137,7 @@
             </a:ln>
             <a:extLst>
               <a:ext uri="{91240B29-F687-4f45-9708-019B960494DF}">
-                <a14:hiddenLine xmlns="" xmlns:a14="http://schemas.microsoft.com/office/drawing/2010/main" w="9525">
+                <a14:hiddenLine xmlns:a14="http://schemas.microsoft.com/office/drawing/2010/main" xmlns="" w="9525">
                   <a:solidFill>
                     <a:srgbClr val="000000"/>
                   </a:solidFill>
@@ -7227,7 +7227,7 @@
             </a:ln>
             <a:extLst>
               <a:ext uri="{91240B29-F687-4f45-9708-019B960494DF}">
-                <a14:hiddenLine xmlns="" xmlns:a14="http://schemas.microsoft.com/office/drawing/2010/main" w="9525">
+                <a14:hiddenLine xmlns:a14="http://schemas.microsoft.com/office/drawing/2010/main" xmlns="" w="9525">
                   <a:solidFill>
                     <a:srgbClr val="000000"/>
                   </a:solidFill>
@@ -7289,7 +7289,7 @@
             </a:ln>
             <a:extLst>
               <a:ext uri="{91240B29-F687-4f45-9708-019B960494DF}">
-                <a14:hiddenLine xmlns="" xmlns:a14="http://schemas.microsoft.com/office/drawing/2010/main" w="9525">
+                <a14:hiddenLine xmlns:a14="http://schemas.microsoft.com/office/drawing/2010/main" xmlns="" w="9525">
                   <a:solidFill>
                     <a:srgbClr val="000000"/>
                   </a:solidFill>
@@ -7409,7 +7409,7 @@
             </a:ln>
             <a:extLst>
               <a:ext uri="{91240B29-F687-4f45-9708-019B960494DF}">
-                <a14:hiddenLine xmlns="" xmlns:a14="http://schemas.microsoft.com/office/drawing/2010/main" w="9525">
+                <a14:hiddenLine xmlns:a14="http://schemas.microsoft.com/office/drawing/2010/main" xmlns="" w="9525">
                   <a:solidFill>
                     <a:srgbClr val="000000"/>
                   </a:solidFill>
@@ -7477,7 +7477,7 @@
             </a:ln>
             <a:extLst>
               <a:ext uri="{91240B29-F687-4f45-9708-019B960494DF}">
-                <a14:hiddenLine xmlns="" xmlns:a14="http://schemas.microsoft.com/office/drawing/2010/main" w="9525">
+                <a14:hiddenLine xmlns:a14="http://schemas.microsoft.com/office/drawing/2010/main" xmlns="" w="9525">
                   <a:solidFill>
                     <a:srgbClr val="000000"/>
                   </a:solidFill>
@@ -7567,7 +7567,7 @@
             </a:ln>
             <a:extLst>
               <a:ext uri="{91240B29-F687-4f45-9708-019B960494DF}">
-                <a14:hiddenLine xmlns="" xmlns:a14="http://schemas.microsoft.com/office/drawing/2010/main" w="9525">
+                <a14:hiddenLine xmlns:a14="http://schemas.microsoft.com/office/drawing/2010/main" xmlns="" w="9525">
                   <a:solidFill>
                     <a:srgbClr val="000000"/>
                   </a:solidFill>
@@ -12289,7 +12289,7 @@
           <a:noFill/>
           <a:extLst>
             <a:ext uri="{909E8E84-426E-40dd-AFC4-6F175D3DCCD1}">
-              <a14:hiddenFill xmlns="" xmlns:a14="http://schemas.microsoft.com/office/drawing/2010/main">
+              <a14:hiddenFill xmlns:a14="http://schemas.microsoft.com/office/drawing/2010/main" xmlns="">
                 <a:solidFill>
                   <a:srgbClr val="FFFFFF"/>
                 </a:solidFill>
@@ -12363,7 +12363,7 @@
               </a:ln>
               <a:extLst>
                 <a:ext uri="{91240B29-F687-4f45-9708-019B960494DF}">
-                  <a14:hiddenLine xmlns="" xmlns:a14="http://schemas.microsoft.com/office/drawing/2010/main" w="9525">
+                  <a14:hiddenLine xmlns:a14="http://schemas.microsoft.com/office/drawing/2010/main" xmlns="" w="9525">
                     <a:solidFill>
                       <a:srgbClr val="000000"/>
                     </a:solidFill>
@@ -12453,7 +12453,7 @@
               </a:ln>
               <a:extLst>
                 <a:ext uri="{91240B29-F687-4f45-9708-019B960494DF}">
-                  <a14:hiddenLine xmlns="" xmlns:a14="http://schemas.microsoft.com/office/drawing/2010/main" w="9525">
+                  <a14:hiddenLine xmlns:a14="http://schemas.microsoft.com/office/drawing/2010/main" xmlns="" w="9525">
                     <a:solidFill>
                       <a:srgbClr val="000000"/>
                     </a:solidFill>
@@ -12543,7 +12543,7 @@
               </a:ln>
               <a:extLst>
                 <a:ext uri="{91240B29-F687-4f45-9708-019B960494DF}">
-                  <a14:hiddenLine xmlns="" xmlns:a14="http://schemas.microsoft.com/office/drawing/2010/main" w="9525">
+                  <a14:hiddenLine xmlns:a14="http://schemas.microsoft.com/office/drawing/2010/main" xmlns="" w="9525">
                     <a:solidFill>
                       <a:srgbClr val="000000"/>
                     </a:solidFill>
@@ -12605,7 +12605,7 @@
               </a:ln>
               <a:extLst>
                 <a:ext uri="{91240B29-F687-4f45-9708-019B960494DF}">
-                  <a14:hiddenLine xmlns="" xmlns:a14="http://schemas.microsoft.com/office/drawing/2010/main" w="9525">
+                  <a14:hiddenLine xmlns:a14="http://schemas.microsoft.com/office/drawing/2010/main" xmlns="" w="9525">
                     <a:solidFill>
                       <a:srgbClr val="000000"/>
                     </a:solidFill>
@@ -12695,7 +12695,7 @@
               </a:ln>
               <a:extLst>
                 <a:ext uri="{91240B29-F687-4f45-9708-019B960494DF}">
-                  <a14:hiddenLine xmlns="" xmlns:a14="http://schemas.microsoft.com/office/drawing/2010/main" w="9525">
+                  <a14:hiddenLine xmlns:a14="http://schemas.microsoft.com/office/drawing/2010/main" xmlns="" w="9525">
                     <a:solidFill>
                       <a:srgbClr val="000000"/>
                     </a:solidFill>
@@ -12757,7 +12757,7 @@
               </a:ln>
               <a:extLst>
                 <a:ext uri="{91240B29-F687-4f45-9708-019B960494DF}">
-                  <a14:hiddenLine xmlns="" xmlns:a14="http://schemas.microsoft.com/office/drawing/2010/main" w="9525">
+                  <a14:hiddenLine xmlns:a14="http://schemas.microsoft.com/office/drawing/2010/main" xmlns="" w="9525">
                     <a:solidFill>
                       <a:srgbClr val="000000"/>
                     </a:solidFill>
@@ -12819,7 +12819,7 @@
               </a:ln>
               <a:extLst>
                 <a:ext uri="{91240B29-F687-4f45-9708-019B960494DF}">
-                  <a14:hiddenLine xmlns="" xmlns:a14="http://schemas.microsoft.com/office/drawing/2010/main" w="9525">
+                  <a14:hiddenLine xmlns:a14="http://schemas.microsoft.com/office/drawing/2010/main" xmlns="" w="9525">
                     <a:solidFill>
                       <a:srgbClr val="000000"/>
                     </a:solidFill>
@@ -12909,7 +12909,7 @@
               </a:ln>
               <a:extLst>
                 <a:ext uri="{91240B29-F687-4f45-9708-019B960494DF}">
-                  <a14:hiddenLine xmlns="" xmlns:a14="http://schemas.microsoft.com/office/drawing/2010/main" w="9525">
+                  <a14:hiddenLine xmlns:a14="http://schemas.microsoft.com/office/drawing/2010/main" xmlns="" w="9525">
                     <a:solidFill>
                       <a:srgbClr val="000000"/>
                     </a:solidFill>
@@ -12999,7 +12999,7 @@
               </a:ln>
               <a:extLst>
                 <a:ext uri="{91240B29-F687-4f45-9708-019B960494DF}">
-                  <a14:hiddenLine xmlns="" xmlns:a14="http://schemas.microsoft.com/office/drawing/2010/main" w="9525">
+                  <a14:hiddenLine xmlns:a14="http://schemas.microsoft.com/office/drawing/2010/main" xmlns="" w="9525">
                     <a:solidFill>
                       <a:srgbClr val="000000"/>
                     </a:solidFill>
@@ -13061,7 +13061,7 @@
               </a:ln>
               <a:extLst>
                 <a:ext uri="{91240B29-F687-4f45-9708-019B960494DF}">
-                  <a14:hiddenLine xmlns="" xmlns:a14="http://schemas.microsoft.com/office/drawing/2010/main" w="9525">
+                  <a14:hiddenLine xmlns:a14="http://schemas.microsoft.com/office/drawing/2010/main" xmlns="" w="9525">
                     <a:solidFill>
                       <a:srgbClr val="000000"/>
                     </a:solidFill>
@@ -13171,7 +13171,7 @@
               </a:ln>
               <a:extLst>
                 <a:ext uri="{91240B29-F687-4f45-9708-019B960494DF}">
-                  <a14:hiddenLine xmlns="" xmlns:a14="http://schemas.microsoft.com/office/drawing/2010/main" w="9525">
+                  <a14:hiddenLine xmlns:a14="http://schemas.microsoft.com/office/drawing/2010/main" xmlns="" w="9525">
                     <a:solidFill>
                       <a:srgbClr val="000000"/>
                     </a:solidFill>
@@ -13255,7 +13255,7 @@
               </a:ln>
               <a:extLst>
                 <a:ext uri="{91240B29-F687-4f45-9708-019B960494DF}">
-                  <a14:hiddenLine xmlns="" xmlns:a14="http://schemas.microsoft.com/office/drawing/2010/main" w="9525">
+                  <a14:hiddenLine xmlns:a14="http://schemas.microsoft.com/office/drawing/2010/main" xmlns="" w="9525">
                     <a:solidFill>
                       <a:srgbClr val="000000"/>
                     </a:solidFill>
@@ -13317,7 +13317,7 @@
               </a:ln>
               <a:extLst>
                 <a:ext uri="{91240B29-F687-4f45-9708-019B960494DF}">
-                  <a14:hiddenLine xmlns="" xmlns:a14="http://schemas.microsoft.com/office/drawing/2010/main" w="9525">
+                  <a14:hiddenLine xmlns:a14="http://schemas.microsoft.com/office/drawing/2010/main" xmlns="" w="9525">
                     <a:solidFill>
                       <a:srgbClr val="000000"/>
                     </a:solidFill>
@@ -13379,7 +13379,7 @@
               </a:ln>
               <a:extLst>
                 <a:ext uri="{91240B29-F687-4f45-9708-019B960494DF}">
-                  <a14:hiddenLine xmlns="" xmlns:a14="http://schemas.microsoft.com/office/drawing/2010/main" w="9525">
+                  <a14:hiddenLine xmlns:a14="http://schemas.microsoft.com/office/drawing/2010/main" xmlns="" w="9525">
                     <a:solidFill>
                       <a:srgbClr val="000000"/>
                     </a:solidFill>
@@ -13469,7 +13469,7 @@
               </a:ln>
               <a:extLst>
                 <a:ext uri="{91240B29-F687-4f45-9708-019B960494DF}">
-                  <a14:hiddenLine xmlns="" xmlns:a14="http://schemas.microsoft.com/office/drawing/2010/main" w="9525">
+                  <a14:hiddenLine xmlns:a14="http://schemas.microsoft.com/office/drawing/2010/main" xmlns="" w="9525">
                     <a:solidFill>
                       <a:srgbClr val="000000"/>
                     </a:solidFill>
@@ -13503,7 +13503,7 @@
               </a:ln>
               <a:extLst>
                 <a:ext uri="{91240B29-F687-4f45-9708-019B960494DF}">
-                  <a14:hiddenLine xmlns="" xmlns:a14="http://schemas.microsoft.com/office/drawing/2010/main" w="9525">
+                  <a14:hiddenLine xmlns:a14="http://schemas.microsoft.com/office/drawing/2010/main" xmlns="" w="9525">
                     <a:solidFill>
                       <a:srgbClr val="000000"/>
                     </a:solidFill>
@@ -13568,7 +13568,7 @@
               </a:ln>
               <a:extLst>
                 <a:ext uri="{91240B29-F687-4f45-9708-019B960494DF}">
-                  <a14:hiddenLine xmlns="" xmlns:a14="http://schemas.microsoft.com/office/drawing/2010/main" w="9525">
+                  <a14:hiddenLine xmlns:a14="http://schemas.microsoft.com/office/drawing/2010/main" xmlns="" w="9525">
                     <a:solidFill>
                       <a:srgbClr val="000000"/>
                     </a:solidFill>
@@ -13658,7 +13658,7 @@
               </a:ln>
               <a:extLst>
                 <a:ext uri="{91240B29-F687-4f45-9708-019B960494DF}">
-                  <a14:hiddenLine xmlns="" xmlns:a14="http://schemas.microsoft.com/office/drawing/2010/main" w="9525">
+                  <a14:hiddenLine xmlns:a14="http://schemas.microsoft.com/office/drawing/2010/main" xmlns="" w="9525">
                     <a:solidFill>
                       <a:srgbClr val="000000"/>
                     </a:solidFill>
@@ -13720,7 +13720,7 @@
               </a:ln>
               <a:extLst>
                 <a:ext uri="{91240B29-F687-4f45-9708-019B960494DF}">
-                  <a14:hiddenLine xmlns="" xmlns:a14="http://schemas.microsoft.com/office/drawing/2010/main" w="9525">
+                  <a14:hiddenLine xmlns:a14="http://schemas.microsoft.com/office/drawing/2010/main" xmlns="" w="9525">
                     <a:solidFill>
                       <a:srgbClr val="000000"/>
                     </a:solidFill>
@@ -13810,7 +13810,7 @@
               </a:ln>
               <a:extLst>
                 <a:ext uri="{91240B29-F687-4f45-9708-019B960494DF}">
-                  <a14:hiddenLine xmlns="" xmlns:a14="http://schemas.microsoft.com/office/drawing/2010/main" w="9525">
+                  <a14:hiddenLine xmlns:a14="http://schemas.microsoft.com/office/drawing/2010/main" xmlns="" w="9525">
                     <a:solidFill>
                       <a:srgbClr val="000000"/>
                     </a:solidFill>
@@ -13875,7 +13875,7 @@
               </a:ln>
               <a:extLst>
                 <a:ext uri="{91240B29-F687-4f45-9708-019B960494DF}">
-                  <a14:hiddenLine xmlns="" xmlns:a14="http://schemas.microsoft.com/office/drawing/2010/main" w="9525">
+                  <a14:hiddenLine xmlns:a14="http://schemas.microsoft.com/office/drawing/2010/main" xmlns="" w="9525">
                     <a:solidFill>
                       <a:srgbClr val="000000"/>
                     </a:solidFill>
@@ -13937,7 +13937,7 @@
               </a:ln>
               <a:extLst>
                 <a:ext uri="{91240B29-F687-4f45-9708-019B960494DF}">
-                  <a14:hiddenLine xmlns="" xmlns:a14="http://schemas.microsoft.com/office/drawing/2010/main" w="9525">
+                  <a14:hiddenLine xmlns:a14="http://schemas.microsoft.com/office/drawing/2010/main" xmlns="" w="9525">
                     <a:solidFill>
                       <a:srgbClr val="000000"/>
                     </a:solidFill>
@@ -14027,7 +14027,7 @@
               </a:ln>
               <a:extLst>
                 <a:ext uri="{91240B29-F687-4f45-9708-019B960494DF}">
-                  <a14:hiddenLine xmlns="" xmlns:a14="http://schemas.microsoft.com/office/drawing/2010/main" w="9525">
+                  <a14:hiddenLine xmlns:a14="http://schemas.microsoft.com/office/drawing/2010/main" xmlns="" w="9525">
                     <a:solidFill>
                       <a:srgbClr val="000000"/>
                     </a:solidFill>
@@ -14117,7 +14117,7 @@
               </a:ln>
               <a:extLst>
                 <a:ext uri="{91240B29-F687-4f45-9708-019B960494DF}">
-                  <a14:hiddenLine xmlns="" xmlns:a14="http://schemas.microsoft.com/office/drawing/2010/main" w="9525">
+                  <a14:hiddenLine xmlns:a14="http://schemas.microsoft.com/office/drawing/2010/main" xmlns="" w="9525">
                     <a:solidFill>
                       <a:srgbClr val="000000"/>
                     </a:solidFill>
@@ -14182,7 +14182,7 @@
               </a:ln>
               <a:extLst>
                 <a:ext uri="{91240B29-F687-4f45-9708-019B960494DF}">
-                  <a14:hiddenLine xmlns="" xmlns:a14="http://schemas.microsoft.com/office/drawing/2010/main" w="9525">
+                  <a14:hiddenLine xmlns:a14="http://schemas.microsoft.com/office/drawing/2010/main" xmlns="" w="9525">
                     <a:solidFill>
                       <a:srgbClr val="000000"/>
                     </a:solidFill>
@@ -14302,7 +14302,7 @@
               </a:ln>
               <a:extLst>
                 <a:ext uri="{91240B29-F687-4f45-9708-019B960494DF}">
-                  <a14:hiddenLine xmlns="" xmlns:a14="http://schemas.microsoft.com/office/drawing/2010/main" w="9525">
+                  <a14:hiddenLine xmlns:a14="http://schemas.microsoft.com/office/drawing/2010/main" xmlns="" w="9525">
                     <a:solidFill>
                       <a:srgbClr val="000000"/>
                     </a:solidFill>
@@ -14400,7 +14400,7 @@
               </a:ln>
               <a:extLst>
                 <a:ext uri="{91240B29-F687-4f45-9708-019B960494DF}">
-                  <a14:hiddenLine xmlns="" xmlns:a14="http://schemas.microsoft.com/office/drawing/2010/main" w="9525">
+                  <a14:hiddenLine xmlns:a14="http://schemas.microsoft.com/office/drawing/2010/main" xmlns="" w="9525">
                     <a:solidFill>
                       <a:srgbClr val="000000"/>
                     </a:solidFill>
@@ -14515,7 +14515,7 @@
               </a:ln>
               <a:extLst>
                 <a:ext uri="{91240B29-F687-4f45-9708-019B960494DF}">
-                  <a14:hiddenLine xmlns="" xmlns:a14="http://schemas.microsoft.com/office/drawing/2010/main" w="9525">
+                  <a14:hiddenLine xmlns:a14="http://schemas.microsoft.com/office/drawing/2010/main" xmlns="" w="9525">
                     <a:solidFill>
                       <a:srgbClr val="000000"/>
                     </a:solidFill>
@@ -14605,7 +14605,7 @@
               </a:ln>
               <a:extLst>
                 <a:ext uri="{91240B29-F687-4f45-9708-019B960494DF}">
-                  <a14:hiddenLine xmlns="" xmlns:a14="http://schemas.microsoft.com/office/drawing/2010/main" w="9525">
+                  <a14:hiddenLine xmlns:a14="http://schemas.microsoft.com/office/drawing/2010/main" xmlns="" w="9525">
                     <a:solidFill>
                       <a:srgbClr val="000000"/>
                     </a:solidFill>
@@ -14670,7 +14670,7 @@
               </a:ln>
               <a:extLst>
                 <a:ext uri="{91240B29-F687-4f45-9708-019B960494DF}">
-                  <a14:hiddenLine xmlns="" xmlns:a14="http://schemas.microsoft.com/office/drawing/2010/main" w="9525">
+                  <a14:hiddenLine xmlns:a14="http://schemas.microsoft.com/office/drawing/2010/main" xmlns="" w="9525">
                     <a:solidFill>
                       <a:srgbClr val="000000"/>
                     </a:solidFill>
@@ -14760,7 +14760,7 @@
               </a:ln>
               <a:extLst>
                 <a:ext uri="{91240B29-F687-4f45-9708-019B960494DF}">
-                  <a14:hiddenLine xmlns="" xmlns:a14="http://schemas.microsoft.com/office/drawing/2010/main" w="9525">
+                  <a14:hiddenLine xmlns:a14="http://schemas.microsoft.com/office/drawing/2010/main" xmlns="" w="9525">
                     <a:solidFill>
                       <a:srgbClr val="000000"/>
                     </a:solidFill>
@@ -14828,7 +14828,7 @@
               </a:ln>
               <a:extLst>
                 <a:ext uri="{91240B29-F687-4f45-9708-019B960494DF}">
-                  <a14:hiddenLine xmlns="" xmlns:a14="http://schemas.microsoft.com/office/drawing/2010/main" w="9525">
+                  <a14:hiddenLine xmlns:a14="http://schemas.microsoft.com/office/drawing/2010/main" xmlns="" w="9525">
                     <a:solidFill>
                       <a:srgbClr val="000000"/>
                     </a:solidFill>
@@ -14918,7 +14918,7 @@
               </a:ln>
               <a:extLst>
                 <a:ext uri="{91240B29-F687-4f45-9708-019B960494DF}">
-                  <a14:hiddenLine xmlns="" xmlns:a14="http://schemas.microsoft.com/office/drawing/2010/main" w="9525">
+                  <a14:hiddenLine xmlns:a14="http://schemas.microsoft.com/office/drawing/2010/main" xmlns="" w="9525">
                     <a:solidFill>
                       <a:srgbClr val="000000"/>
                     </a:solidFill>
@@ -14986,7 +14986,7 @@
               </a:ln>
               <a:extLst>
                 <a:ext uri="{91240B29-F687-4f45-9708-019B960494DF}">
-                  <a14:hiddenLine xmlns="" xmlns:a14="http://schemas.microsoft.com/office/drawing/2010/main" w="9525">
+                  <a14:hiddenLine xmlns:a14="http://schemas.microsoft.com/office/drawing/2010/main" xmlns="" w="9525">
                     <a:solidFill>
                       <a:srgbClr val="000000"/>
                     </a:solidFill>
@@ -15076,7 +15076,7 @@
               </a:ln>
               <a:extLst>
                 <a:ext uri="{91240B29-F687-4f45-9708-019B960494DF}">
-                  <a14:hiddenLine xmlns="" xmlns:a14="http://schemas.microsoft.com/office/drawing/2010/main" w="9525">
+                  <a14:hiddenLine xmlns:a14="http://schemas.microsoft.com/office/drawing/2010/main" xmlns="" w="9525">
                     <a:solidFill>
                       <a:srgbClr val="000000"/>
                     </a:solidFill>
@@ -15110,7 +15110,7 @@
               </a:ln>
               <a:extLst>
                 <a:ext uri="{91240B29-F687-4f45-9708-019B960494DF}">
-                  <a14:hiddenLine xmlns="" xmlns:a14="http://schemas.microsoft.com/office/drawing/2010/main" w="9525">
+                  <a14:hiddenLine xmlns:a14="http://schemas.microsoft.com/office/drawing/2010/main" xmlns="" w="9525">
                     <a:solidFill>
                       <a:srgbClr val="000000"/>
                     </a:solidFill>
@@ -15835,7 +15835,7 @@
             <a:noFill/>
             <a:extLst>
               <a:ext uri="{909E8E84-426E-40dd-AFC4-6F175D3DCCD1}">
-                <a14:hiddenFill xmlns="" xmlns:a16="http://schemas.microsoft.com/office/drawing/2014/main" xmlns:p14="http://schemas.microsoft.com/office/powerpoint/2010/main" xmlns:a14="http://schemas.microsoft.com/office/drawing/2010/main">
+                <a14:hiddenFill xmlns:a14="http://schemas.microsoft.com/office/drawing/2010/main" xmlns:p14="http://schemas.microsoft.com/office/powerpoint/2010/main" xmlns:a16="http://schemas.microsoft.com/office/drawing/2014/main" xmlns="">
                   <a:solidFill>
                     <a:srgbClr val="FFFFFF"/>
                   </a:solidFill>
@@ -18234,7 +18234,7 @@
           <a:noFill/>
           <a:extLst>
             <a:ext uri="{909E8E84-426E-40dd-AFC4-6F175D3DCCD1}">
-              <a14:hiddenFill xmlns="" xmlns:a16="http://schemas.microsoft.com/office/drawing/2014/main" xmlns:p14="http://schemas.microsoft.com/office/powerpoint/2010/main" xmlns:a14="http://schemas.microsoft.com/office/drawing/2010/main">
+              <a14:hiddenFill xmlns:a14="http://schemas.microsoft.com/office/drawing/2010/main" xmlns:p14="http://schemas.microsoft.com/office/powerpoint/2010/main" xmlns:a16="http://schemas.microsoft.com/office/drawing/2014/main" xmlns="">
                 <a:solidFill>
                   <a:srgbClr val="FFFFFF"/>
                 </a:solidFill>
@@ -18272,12 +18272,16 @@
           <a:lstStyle/>
           <a:p>
             <a:r>
-              <a:rPr lang="cs-CZ" sz="3200" dirty="0">
+              <a:rPr lang="cs-CZ" sz="3200">
                 <a:latin typeface="Calibri" panose="020F0502020204030204" pitchFamily="34" charset="0"/>
                 <a:cs typeface="Calibri" panose="020F0502020204030204" pitchFamily="34" charset="0"/>
               </a:rPr>
               <a:t>ÚVOD</a:t>
             </a:r>
+            <a:endParaRPr lang="cs-CZ" sz="3200" dirty="0">
+              <a:latin typeface="Calibri" panose="020F0502020204030204" pitchFamily="34" charset="0"/>
+              <a:cs typeface="Calibri" panose="020F0502020204030204" pitchFamily="34" charset="0"/>
+            </a:endParaRPr>
           </a:p>
         </p:txBody>
       </p:sp>
@@ -18477,7 +18481,7 @@
             </a:ln>
             <a:extLst>
               <a:ext uri="{91240B29-F687-4f45-9708-019B960494DF}">
-                <a14:hiddenLine xmlns="" xmlns:a16="http://schemas.microsoft.com/office/drawing/2014/main" xmlns:p14="http://schemas.microsoft.com/office/powerpoint/2010/main" xmlns:a14="http://schemas.microsoft.com/office/drawing/2010/main" w="9525">
+                <a14:hiddenLine xmlns:a14="http://schemas.microsoft.com/office/drawing/2010/main" xmlns:p14="http://schemas.microsoft.com/office/powerpoint/2010/main" xmlns:a16="http://schemas.microsoft.com/office/drawing/2014/main" xmlns="" w="9525">
                   <a:solidFill>
                     <a:srgbClr val="000000"/>
                   </a:solidFill>
@@ -18582,7 +18586,7 @@
             </a:ln>
             <a:extLst>
               <a:ext uri="{91240B29-F687-4f45-9708-019B960494DF}">
-                <a14:hiddenLine xmlns="" xmlns:a16="http://schemas.microsoft.com/office/drawing/2014/main" xmlns:p14="http://schemas.microsoft.com/office/powerpoint/2010/main" xmlns:a14="http://schemas.microsoft.com/office/drawing/2010/main" w="9525">
+                <a14:hiddenLine xmlns:a14="http://schemas.microsoft.com/office/drawing/2010/main" xmlns:p14="http://schemas.microsoft.com/office/powerpoint/2010/main" xmlns:a16="http://schemas.microsoft.com/office/drawing/2014/main" xmlns="" w="9525">
                   <a:solidFill>
                     <a:srgbClr val="000000"/>
                   </a:solidFill>
@@ -18687,7 +18691,7 @@
             </a:ln>
             <a:extLst>
               <a:ext uri="{91240B29-F687-4f45-9708-019B960494DF}">
-                <a14:hiddenLine xmlns="" xmlns:a16="http://schemas.microsoft.com/office/drawing/2014/main" xmlns:p14="http://schemas.microsoft.com/office/powerpoint/2010/main" xmlns:a14="http://schemas.microsoft.com/office/drawing/2010/main" w="9525">
+                <a14:hiddenLine xmlns:a14="http://schemas.microsoft.com/office/drawing/2010/main" xmlns:p14="http://schemas.microsoft.com/office/powerpoint/2010/main" xmlns:a16="http://schemas.microsoft.com/office/drawing/2014/main" xmlns="" w="9525">
                   <a:solidFill>
                     <a:srgbClr val="000000"/>
                   </a:solidFill>
@@ -18764,7 +18768,7 @@
             </a:ln>
             <a:extLst>
               <a:ext uri="{91240B29-F687-4f45-9708-019B960494DF}">
-                <a14:hiddenLine xmlns="" xmlns:a16="http://schemas.microsoft.com/office/drawing/2014/main" xmlns:p14="http://schemas.microsoft.com/office/powerpoint/2010/main" xmlns:a14="http://schemas.microsoft.com/office/drawing/2010/main" w="9525">
+                <a14:hiddenLine xmlns:a14="http://schemas.microsoft.com/office/drawing/2010/main" xmlns:p14="http://schemas.microsoft.com/office/powerpoint/2010/main" xmlns:a16="http://schemas.microsoft.com/office/drawing/2014/main" xmlns="" w="9525">
                   <a:solidFill>
                     <a:srgbClr val="000000"/>
                   </a:solidFill>
@@ -18869,7 +18873,7 @@
             </a:ln>
             <a:extLst>
               <a:ext uri="{91240B29-F687-4f45-9708-019B960494DF}">
-                <a14:hiddenLine xmlns="" xmlns:a16="http://schemas.microsoft.com/office/drawing/2014/main" xmlns:p14="http://schemas.microsoft.com/office/powerpoint/2010/main" xmlns:a14="http://schemas.microsoft.com/office/drawing/2010/main" w="9525">
+                <a14:hiddenLine xmlns:a14="http://schemas.microsoft.com/office/drawing/2010/main" xmlns:p14="http://schemas.microsoft.com/office/powerpoint/2010/main" xmlns:a16="http://schemas.microsoft.com/office/drawing/2014/main" xmlns="" w="9525">
                   <a:solidFill>
                     <a:srgbClr val="000000"/>
                   </a:solidFill>
@@ -18946,7 +18950,7 @@
             </a:ln>
             <a:extLst>
               <a:ext uri="{91240B29-F687-4f45-9708-019B960494DF}">
-                <a14:hiddenLine xmlns="" xmlns:a16="http://schemas.microsoft.com/office/drawing/2014/main" xmlns:p14="http://schemas.microsoft.com/office/powerpoint/2010/main" xmlns:a14="http://schemas.microsoft.com/office/drawing/2010/main" w="9525">
+                <a14:hiddenLine xmlns:a14="http://schemas.microsoft.com/office/drawing/2010/main" xmlns:p14="http://schemas.microsoft.com/office/powerpoint/2010/main" xmlns:a16="http://schemas.microsoft.com/office/drawing/2014/main" xmlns="" w="9525">
                   <a:solidFill>
                     <a:srgbClr val="000000"/>
                   </a:solidFill>
@@ -19023,7 +19027,7 @@
             </a:ln>
             <a:extLst>
               <a:ext uri="{91240B29-F687-4f45-9708-019B960494DF}">
-                <a14:hiddenLine xmlns="" xmlns:a16="http://schemas.microsoft.com/office/drawing/2014/main" xmlns:p14="http://schemas.microsoft.com/office/powerpoint/2010/main" xmlns:a14="http://schemas.microsoft.com/office/drawing/2010/main" w="9525">
+                <a14:hiddenLine xmlns:a14="http://schemas.microsoft.com/office/drawing/2010/main" xmlns:p14="http://schemas.microsoft.com/office/powerpoint/2010/main" xmlns:a16="http://schemas.microsoft.com/office/drawing/2014/main" xmlns="" w="9525">
                   <a:solidFill>
                     <a:srgbClr val="000000"/>
                   </a:solidFill>
@@ -19128,7 +19132,7 @@
             </a:ln>
             <a:extLst>
               <a:ext uri="{91240B29-F687-4f45-9708-019B960494DF}">
-                <a14:hiddenLine xmlns="" xmlns:a16="http://schemas.microsoft.com/office/drawing/2014/main" xmlns:p14="http://schemas.microsoft.com/office/powerpoint/2010/main" xmlns:a14="http://schemas.microsoft.com/office/drawing/2010/main" w="9525">
+                <a14:hiddenLine xmlns:a14="http://schemas.microsoft.com/office/drawing/2010/main" xmlns:p14="http://schemas.microsoft.com/office/powerpoint/2010/main" xmlns:a16="http://schemas.microsoft.com/office/drawing/2014/main" xmlns="" w="9525">
                   <a:solidFill>
                     <a:srgbClr val="000000"/>
                   </a:solidFill>
@@ -19233,7 +19237,7 @@
             </a:ln>
             <a:extLst>
               <a:ext uri="{91240B29-F687-4f45-9708-019B960494DF}">
-                <a14:hiddenLine xmlns="" xmlns:a16="http://schemas.microsoft.com/office/drawing/2014/main" xmlns:p14="http://schemas.microsoft.com/office/powerpoint/2010/main" xmlns:a14="http://schemas.microsoft.com/office/drawing/2010/main" w="9525">
+                <a14:hiddenLine xmlns:a14="http://schemas.microsoft.com/office/drawing/2010/main" xmlns:p14="http://schemas.microsoft.com/office/powerpoint/2010/main" xmlns:a16="http://schemas.microsoft.com/office/drawing/2014/main" xmlns="" w="9525">
                   <a:solidFill>
                     <a:srgbClr val="000000"/>
                   </a:solidFill>
@@ -19310,7 +19314,7 @@
             </a:ln>
             <a:extLst>
               <a:ext uri="{91240B29-F687-4f45-9708-019B960494DF}">
-                <a14:hiddenLine xmlns="" xmlns:a16="http://schemas.microsoft.com/office/drawing/2014/main" xmlns:p14="http://schemas.microsoft.com/office/powerpoint/2010/main" xmlns:a14="http://schemas.microsoft.com/office/drawing/2010/main" w="9525">
+                <a14:hiddenLine xmlns:a14="http://schemas.microsoft.com/office/drawing/2010/main" xmlns:p14="http://schemas.microsoft.com/office/powerpoint/2010/main" xmlns:a16="http://schemas.microsoft.com/office/drawing/2014/main" xmlns="" w="9525">
                   <a:solidFill>
                     <a:srgbClr val="000000"/>
                   </a:solidFill>
@@ -19435,7 +19439,7 @@
             </a:ln>
             <a:extLst>
               <a:ext uri="{91240B29-F687-4f45-9708-019B960494DF}">
-                <a14:hiddenLine xmlns="" xmlns:a16="http://schemas.microsoft.com/office/drawing/2014/main" xmlns:p14="http://schemas.microsoft.com/office/powerpoint/2010/main" xmlns:a14="http://schemas.microsoft.com/office/drawing/2010/main" w="9525">
+                <a14:hiddenLine xmlns:a14="http://schemas.microsoft.com/office/drawing/2010/main" xmlns:p14="http://schemas.microsoft.com/office/powerpoint/2010/main" xmlns:a16="http://schemas.microsoft.com/office/drawing/2014/main" xmlns="" w="9525">
                   <a:solidFill>
                     <a:srgbClr val="000000"/>
                   </a:solidFill>
@@ -19549,7 +19553,7 @@
             </a:ln>
             <a:extLst>
               <a:ext uri="{91240B29-F687-4f45-9708-019B960494DF}">
-                <a14:hiddenLine xmlns="" xmlns:a16="http://schemas.microsoft.com/office/drawing/2014/main" xmlns:p14="http://schemas.microsoft.com/office/powerpoint/2010/main" xmlns:a14="http://schemas.microsoft.com/office/drawing/2010/main" w="9525">
+                <a14:hiddenLine xmlns:a14="http://schemas.microsoft.com/office/drawing/2010/main" xmlns:p14="http://schemas.microsoft.com/office/powerpoint/2010/main" xmlns:a16="http://schemas.microsoft.com/office/drawing/2014/main" xmlns="" w="9525">
                   <a:solidFill>
                     <a:srgbClr val="000000"/>
                   </a:solidFill>
@@ -19626,7 +19630,7 @@
             </a:ln>
             <a:extLst>
               <a:ext uri="{91240B29-F687-4f45-9708-019B960494DF}">
-                <a14:hiddenLine xmlns="" xmlns:a16="http://schemas.microsoft.com/office/drawing/2014/main" xmlns:p14="http://schemas.microsoft.com/office/powerpoint/2010/main" xmlns:a14="http://schemas.microsoft.com/office/drawing/2010/main" w="9525">
+                <a14:hiddenLine xmlns:a14="http://schemas.microsoft.com/office/drawing/2010/main" xmlns:p14="http://schemas.microsoft.com/office/powerpoint/2010/main" xmlns:a16="http://schemas.microsoft.com/office/drawing/2014/main" xmlns="" w="9525">
                   <a:solidFill>
                     <a:srgbClr val="000000"/>
                   </a:solidFill>
@@ -19703,7 +19707,7 @@
             </a:ln>
             <a:extLst>
               <a:ext uri="{91240B29-F687-4f45-9708-019B960494DF}">
-                <a14:hiddenLine xmlns="" xmlns:a16="http://schemas.microsoft.com/office/drawing/2014/main" xmlns:p14="http://schemas.microsoft.com/office/powerpoint/2010/main" xmlns:a14="http://schemas.microsoft.com/office/drawing/2010/main" w="9525">
+                <a14:hiddenLine xmlns:a14="http://schemas.microsoft.com/office/drawing/2010/main" xmlns:p14="http://schemas.microsoft.com/office/powerpoint/2010/main" xmlns:a16="http://schemas.microsoft.com/office/drawing/2014/main" xmlns="" w="9525">
                   <a:solidFill>
                     <a:srgbClr val="000000"/>
                   </a:solidFill>
@@ -19808,7 +19812,7 @@
             </a:ln>
             <a:extLst>
               <a:ext uri="{91240B29-F687-4f45-9708-019B960494DF}">
-                <a14:hiddenLine xmlns="" xmlns:a16="http://schemas.microsoft.com/office/drawing/2014/main" xmlns:p14="http://schemas.microsoft.com/office/powerpoint/2010/main" xmlns:a14="http://schemas.microsoft.com/office/drawing/2010/main" w="9525">
+                <a14:hiddenLine xmlns:a14="http://schemas.microsoft.com/office/drawing/2010/main" xmlns:p14="http://schemas.microsoft.com/office/powerpoint/2010/main" xmlns:a16="http://schemas.microsoft.com/office/drawing/2014/main" xmlns="" w="9525">
                   <a:solidFill>
                     <a:srgbClr val="000000"/>
                   </a:solidFill>
@@ -19857,7 +19861,7 @@
             </a:ln>
             <a:extLst>
               <a:ext uri="{91240B29-F687-4f45-9708-019B960494DF}">
-                <a14:hiddenLine xmlns="" xmlns:a16="http://schemas.microsoft.com/office/drawing/2014/main" xmlns:p14="http://schemas.microsoft.com/office/powerpoint/2010/main" xmlns:a14="http://schemas.microsoft.com/office/drawing/2010/main" w="9525">
+                <a14:hiddenLine xmlns:a14="http://schemas.microsoft.com/office/drawing/2010/main" xmlns:p14="http://schemas.microsoft.com/office/powerpoint/2010/main" xmlns:a16="http://schemas.microsoft.com/office/drawing/2014/main" xmlns="" w="9525">
                   <a:solidFill>
                     <a:srgbClr val="000000"/>
                   </a:solidFill>
@@ -19937,7 +19941,7 @@
             </a:ln>
             <a:extLst>
               <a:ext uri="{91240B29-F687-4f45-9708-019B960494DF}">
-                <a14:hiddenLine xmlns="" xmlns:a16="http://schemas.microsoft.com/office/drawing/2014/main" xmlns:p14="http://schemas.microsoft.com/office/powerpoint/2010/main" xmlns:a14="http://schemas.microsoft.com/office/drawing/2010/main" w="9525">
+                <a14:hiddenLine xmlns:a14="http://schemas.microsoft.com/office/drawing/2010/main" xmlns:p14="http://schemas.microsoft.com/office/powerpoint/2010/main" xmlns:a16="http://schemas.microsoft.com/office/drawing/2014/main" xmlns="" w="9525">
                   <a:solidFill>
                     <a:srgbClr val="000000"/>
                   </a:solidFill>
@@ -20042,7 +20046,7 @@
             </a:ln>
             <a:extLst>
               <a:ext uri="{91240B29-F687-4f45-9708-019B960494DF}">
-                <a14:hiddenLine xmlns="" xmlns:a16="http://schemas.microsoft.com/office/drawing/2014/main" xmlns:p14="http://schemas.microsoft.com/office/powerpoint/2010/main" xmlns:a14="http://schemas.microsoft.com/office/drawing/2010/main" w="9525">
+                <a14:hiddenLine xmlns:a14="http://schemas.microsoft.com/office/drawing/2010/main" xmlns:p14="http://schemas.microsoft.com/office/powerpoint/2010/main" xmlns:a16="http://schemas.microsoft.com/office/drawing/2014/main" xmlns="" w="9525">
                   <a:solidFill>
                     <a:srgbClr val="000000"/>
                   </a:solidFill>
@@ -20119,7 +20123,7 @@
             </a:ln>
             <a:extLst>
               <a:ext uri="{91240B29-F687-4f45-9708-019B960494DF}">
-                <a14:hiddenLine xmlns="" xmlns:a16="http://schemas.microsoft.com/office/drawing/2014/main" xmlns:p14="http://schemas.microsoft.com/office/powerpoint/2010/main" xmlns:a14="http://schemas.microsoft.com/office/drawing/2010/main" w="9525">
+                <a14:hiddenLine xmlns:a14="http://schemas.microsoft.com/office/drawing/2010/main" xmlns:p14="http://schemas.microsoft.com/office/powerpoint/2010/main" xmlns:a16="http://schemas.microsoft.com/office/drawing/2014/main" xmlns="" w="9525">
                   <a:solidFill>
                     <a:srgbClr val="000000"/>
                   </a:solidFill>
@@ -20224,7 +20228,7 @@
             </a:ln>
             <a:extLst>
               <a:ext uri="{91240B29-F687-4f45-9708-019B960494DF}">
-                <a14:hiddenLine xmlns="" xmlns:a16="http://schemas.microsoft.com/office/drawing/2014/main" xmlns:p14="http://schemas.microsoft.com/office/powerpoint/2010/main" xmlns:a14="http://schemas.microsoft.com/office/drawing/2010/main" w="9525">
+                <a14:hiddenLine xmlns:a14="http://schemas.microsoft.com/office/drawing/2010/main" xmlns:p14="http://schemas.microsoft.com/office/powerpoint/2010/main" xmlns:a16="http://schemas.microsoft.com/office/drawing/2014/main" xmlns="" w="9525">
                   <a:solidFill>
                     <a:srgbClr val="000000"/>
                   </a:solidFill>
@@ -20304,7 +20308,7 @@
             </a:ln>
             <a:extLst>
               <a:ext uri="{91240B29-F687-4f45-9708-019B960494DF}">
-                <a14:hiddenLine xmlns="" xmlns:a16="http://schemas.microsoft.com/office/drawing/2014/main" xmlns:p14="http://schemas.microsoft.com/office/powerpoint/2010/main" xmlns:a14="http://schemas.microsoft.com/office/drawing/2010/main" w="9525">
+                <a14:hiddenLine xmlns:a14="http://schemas.microsoft.com/office/drawing/2010/main" xmlns:p14="http://schemas.microsoft.com/office/powerpoint/2010/main" xmlns:a16="http://schemas.microsoft.com/office/drawing/2014/main" xmlns="" w="9525">
                   <a:solidFill>
                     <a:srgbClr val="000000"/>
                   </a:solidFill>
@@ -20381,7 +20385,7 @@
             </a:ln>
             <a:extLst>
               <a:ext uri="{91240B29-F687-4f45-9708-019B960494DF}">
-                <a14:hiddenLine xmlns="" xmlns:a16="http://schemas.microsoft.com/office/drawing/2014/main" xmlns:p14="http://schemas.microsoft.com/office/powerpoint/2010/main" xmlns:a14="http://schemas.microsoft.com/office/drawing/2010/main" w="9525">
+                <a14:hiddenLine xmlns:a14="http://schemas.microsoft.com/office/drawing/2010/main" xmlns:p14="http://schemas.microsoft.com/office/powerpoint/2010/main" xmlns:a16="http://schemas.microsoft.com/office/drawing/2014/main" xmlns="" w="9525">
                   <a:solidFill>
                     <a:srgbClr val="000000"/>
                   </a:solidFill>
@@ -20486,7 +20490,7 @@
             </a:ln>
             <a:extLst>
               <a:ext uri="{91240B29-F687-4f45-9708-019B960494DF}">
-                <a14:hiddenLine xmlns="" xmlns:a16="http://schemas.microsoft.com/office/drawing/2014/main" xmlns:p14="http://schemas.microsoft.com/office/powerpoint/2010/main" xmlns:a14="http://schemas.microsoft.com/office/drawing/2010/main" w="9525">
+                <a14:hiddenLine xmlns:a14="http://schemas.microsoft.com/office/drawing/2010/main" xmlns:p14="http://schemas.microsoft.com/office/powerpoint/2010/main" xmlns:a16="http://schemas.microsoft.com/office/drawing/2014/main" xmlns="" w="9525">
                   <a:solidFill>
                     <a:srgbClr val="000000"/>
                   </a:solidFill>
@@ -20591,7 +20595,7 @@
             </a:ln>
             <a:extLst>
               <a:ext uri="{91240B29-F687-4f45-9708-019B960494DF}">
-                <a14:hiddenLine xmlns="" xmlns:a16="http://schemas.microsoft.com/office/drawing/2014/main" xmlns:p14="http://schemas.microsoft.com/office/powerpoint/2010/main" xmlns:a14="http://schemas.microsoft.com/office/drawing/2010/main" w="9525">
+                <a14:hiddenLine xmlns:a14="http://schemas.microsoft.com/office/drawing/2010/main" xmlns:p14="http://schemas.microsoft.com/office/powerpoint/2010/main" xmlns:a16="http://schemas.microsoft.com/office/drawing/2014/main" xmlns="" w="9525">
                   <a:solidFill>
                     <a:srgbClr val="000000"/>
                   </a:solidFill>
@@ -20671,7 +20675,7 @@
             </a:ln>
             <a:extLst>
               <a:ext uri="{91240B29-F687-4f45-9708-019B960494DF}">
-                <a14:hiddenLine xmlns="" xmlns:a16="http://schemas.microsoft.com/office/drawing/2014/main" xmlns:p14="http://schemas.microsoft.com/office/powerpoint/2010/main" xmlns:a14="http://schemas.microsoft.com/office/drawing/2010/main" w="9525">
+                <a14:hiddenLine xmlns:a14="http://schemas.microsoft.com/office/drawing/2010/main" xmlns:p14="http://schemas.microsoft.com/office/powerpoint/2010/main" xmlns:a16="http://schemas.microsoft.com/office/drawing/2014/main" xmlns="" w="9525">
                   <a:solidFill>
                     <a:srgbClr val="000000"/>
                   </a:solidFill>
@@ -20806,7 +20810,7 @@
             </a:ln>
             <a:extLst>
               <a:ext uri="{91240B29-F687-4f45-9708-019B960494DF}">
-                <a14:hiddenLine xmlns="" xmlns:a16="http://schemas.microsoft.com/office/drawing/2014/main" xmlns:p14="http://schemas.microsoft.com/office/powerpoint/2010/main" xmlns:a14="http://schemas.microsoft.com/office/drawing/2010/main" w="9525">
+                <a14:hiddenLine xmlns:a14="http://schemas.microsoft.com/office/drawing/2010/main" xmlns:p14="http://schemas.microsoft.com/office/powerpoint/2010/main" xmlns:a16="http://schemas.microsoft.com/office/drawing/2014/main" xmlns="" w="9525">
                   <a:solidFill>
                     <a:srgbClr val="000000"/>
                   </a:solidFill>
@@ -20988,7 +20992,7 @@
             <p:ph idx="1"/>
             <p:extLst>
               <p:ext uri="{D42A27DB-BD31-4B8C-83A1-F6EECF244321}">
-                <p14:modId xmlns:p14="http://schemas.microsoft.com/office/powerpoint/2010/main" val="2231905340"/>
+                <p14:modId xmlns:p14="http://schemas.microsoft.com/office/powerpoint/2010/main" val="1012961898"/>
               </p:ext>
             </p:extLst>
           </p:nvPr>
@@ -21304,10 +21308,9 @@
           <a:lstStyle/>
           <a:p>
             <a:r>
-              <a:rPr lang="cs-CZ"/>
+              <a:rPr lang="cs-CZ" dirty="0"/>
               <a:t>technologie</a:t>
             </a:r>
-            <a:endParaRPr lang="cs-CZ" dirty="0"/>
           </a:p>
         </p:txBody>
       </p:sp>
@@ -21461,7 +21464,7 @@
               </a:lnSpc>
             </a:pPr>
             <a:r>
-              <a:rPr lang="cs-CZ" sz="1500"/>
+              <a:rPr lang="cs-CZ" sz="1800" dirty="0"/>
               <a:t>Vývojové prostředí</a:t>
             </a:r>
           </a:p>
@@ -21472,7 +21475,7 @@
               </a:lnSpc>
             </a:pPr>
             <a:r>
-              <a:rPr lang="cs-CZ" sz="1500"/>
+              <a:rPr lang="cs-CZ" sz="1800" dirty="0"/>
               <a:t>Android Studio</a:t>
             </a:r>
           </a:p>
@@ -21483,7 +21486,7 @@
               </a:lnSpc>
             </a:pPr>
             <a:r>
-              <a:rPr lang="cs-CZ" sz="1500"/>
+              <a:rPr lang="cs-CZ" sz="1800" dirty="0"/>
               <a:t>Android SDK</a:t>
             </a:r>
           </a:p>
@@ -21494,9 +21497,10 @@
               </a:lnSpc>
             </a:pPr>
             <a:r>
-              <a:rPr lang="cs-CZ" sz="1500"/>
+              <a:rPr lang="cs-CZ" sz="1800" dirty="0" err="1"/>
               <a:t>DisplayMetrics</a:t>
             </a:r>
+            <a:endParaRPr lang="cs-CZ" sz="1800" dirty="0"/>
           </a:p>
           <a:p>
             <a:pPr lvl="1">
@@ -21505,7 +21509,7 @@
               </a:lnSpc>
             </a:pPr>
             <a:r>
-              <a:rPr lang="cs-CZ" sz="1500"/>
+              <a:rPr lang="cs-CZ" sz="1800" dirty="0"/>
               <a:t>Bitmap</a:t>
             </a:r>
           </a:p>
@@ -21516,9 +21520,10 @@
               </a:lnSpc>
             </a:pPr>
             <a:r>
-              <a:rPr lang="cs-CZ" sz="1500"/>
+              <a:rPr lang="cs-CZ" sz="1800" dirty="0" err="1"/>
               <a:t>SharedPreferencies</a:t>
             </a:r>
+            <a:endParaRPr lang="cs-CZ" sz="1800" dirty="0"/>
           </a:p>
           <a:p>
             <a:pPr lvl="1">
@@ -21527,9 +21532,10 @@
               </a:lnSpc>
             </a:pPr>
             <a:r>
-              <a:rPr lang="cs-CZ" sz="1500"/>
+              <a:rPr lang="cs-CZ" sz="1800" dirty="0" err="1"/>
               <a:t>Handler</a:t>
             </a:r>
+            <a:endParaRPr lang="cs-CZ" sz="1800" dirty="0"/>
           </a:p>
           <a:p>
             <a:pPr lvl="1">
@@ -21538,9 +21544,10 @@
               </a:lnSpc>
             </a:pPr>
             <a:r>
-              <a:rPr lang="cs-CZ" sz="1500"/>
+              <a:rPr lang="cs-CZ" sz="1800" dirty="0" err="1"/>
               <a:t>Canvas</a:t>
             </a:r>
+            <a:endParaRPr lang="cs-CZ" sz="1800" dirty="0"/>
           </a:p>
           <a:p>
             <a:pPr lvl="1">
@@ -21549,9 +21556,10 @@
               </a:lnSpc>
             </a:pPr>
             <a:r>
-              <a:rPr lang="cs-CZ" sz="1500"/>
+              <a:rPr lang="cs-CZ" sz="1800" dirty="0" err="1"/>
               <a:t>Logger</a:t>
             </a:r>
+            <a:endParaRPr lang="cs-CZ" sz="1800" dirty="0"/>
           </a:p>
           <a:p>
             <a:pPr lvl="1">
@@ -21752,7 +21760,7 @@
             </a:ln>
             <a:extLst>
               <a:ext uri="{91240B29-F687-4f45-9708-019B960494DF}">
-                <a14:hiddenLine xmlns:a14="http://schemas.microsoft.com/office/drawing/2010/main" xmlns:p14="http://schemas.microsoft.com/office/powerpoint/2010/main" xmlns:a16="http://schemas.microsoft.com/office/drawing/2014/main" xmlns="" w="9525">
+                <a14:hiddenLine xmlns="" xmlns:a16="http://schemas.microsoft.com/office/drawing/2014/main" xmlns:p14="http://schemas.microsoft.com/office/powerpoint/2010/main" xmlns:a14="http://schemas.microsoft.com/office/drawing/2010/main" w="9525">
                   <a:solidFill>
                     <a:srgbClr val="000000"/>
                   </a:solidFill>
@@ -21857,7 +21865,7 @@
             </a:ln>
             <a:extLst>
               <a:ext uri="{91240B29-F687-4f45-9708-019B960494DF}">
-                <a14:hiddenLine xmlns:a14="http://schemas.microsoft.com/office/drawing/2010/main" xmlns:p14="http://schemas.microsoft.com/office/powerpoint/2010/main" xmlns:a16="http://schemas.microsoft.com/office/drawing/2014/main" xmlns="" w="9525">
+                <a14:hiddenLine xmlns="" xmlns:a16="http://schemas.microsoft.com/office/drawing/2014/main" xmlns:p14="http://schemas.microsoft.com/office/powerpoint/2010/main" xmlns:a14="http://schemas.microsoft.com/office/drawing/2010/main" w="9525">
                   <a:solidFill>
                     <a:srgbClr val="000000"/>
                   </a:solidFill>
@@ -21962,7 +21970,7 @@
             </a:ln>
             <a:extLst>
               <a:ext uri="{91240B29-F687-4f45-9708-019B960494DF}">
-                <a14:hiddenLine xmlns:a14="http://schemas.microsoft.com/office/drawing/2010/main" xmlns:p14="http://schemas.microsoft.com/office/powerpoint/2010/main" xmlns:a16="http://schemas.microsoft.com/office/drawing/2014/main" xmlns="" w="9525">
+                <a14:hiddenLine xmlns="" xmlns:a16="http://schemas.microsoft.com/office/drawing/2014/main" xmlns:p14="http://schemas.microsoft.com/office/powerpoint/2010/main" xmlns:a14="http://schemas.microsoft.com/office/drawing/2010/main" w="9525">
                   <a:solidFill>
                     <a:srgbClr val="000000"/>
                   </a:solidFill>
@@ -22039,7 +22047,7 @@
             </a:ln>
             <a:extLst>
               <a:ext uri="{91240B29-F687-4f45-9708-019B960494DF}">
-                <a14:hiddenLine xmlns:a14="http://schemas.microsoft.com/office/drawing/2010/main" xmlns:p14="http://schemas.microsoft.com/office/powerpoint/2010/main" xmlns:a16="http://schemas.microsoft.com/office/drawing/2014/main" xmlns="" w="9525">
+                <a14:hiddenLine xmlns="" xmlns:a16="http://schemas.microsoft.com/office/drawing/2014/main" xmlns:p14="http://schemas.microsoft.com/office/powerpoint/2010/main" xmlns:a14="http://schemas.microsoft.com/office/drawing/2010/main" w="9525">
                   <a:solidFill>
                     <a:srgbClr val="000000"/>
                   </a:solidFill>
@@ -22144,7 +22152,7 @@
             </a:ln>
             <a:extLst>
               <a:ext uri="{91240B29-F687-4f45-9708-019B960494DF}">
-                <a14:hiddenLine xmlns:a14="http://schemas.microsoft.com/office/drawing/2010/main" xmlns:p14="http://schemas.microsoft.com/office/powerpoint/2010/main" xmlns:a16="http://schemas.microsoft.com/office/drawing/2014/main" xmlns="" w="9525">
+                <a14:hiddenLine xmlns="" xmlns:a16="http://schemas.microsoft.com/office/drawing/2014/main" xmlns:p14="http://schemas.microsoft.com/office/powerpoint/2010/main" xmlns:a14="http://schemas.microsoft.com/office/drawing/2010/main" w="9525">
                   <a:solidFill>
                     <a:srgbClr val="000000"/>
                   </a:solidFill>
@@ -22221,7 +22229,7 @@
             </a:ln>
             <a:extLst>
               <a:ext uri="{91240B29-F687-4f45-9708-019B960494DF}">
-                <a14:hiddenLine xmlns:a14="http://schemas.microsoft.com/office/drawing/2010/main" xmlns:p14="http://schemas.microsoft.com/office/powerpoint/2010/main" xmlns:a16="http://schemas.microsoft.com/office/drawing/2014/main" xmlns="" w="9525">
+                <a14:hiddenLine xmlns="" xmlns:a16="http://schemas.microsoft.com/office/drawing/2014/main" xmlns:p14="http://schemas.microsoft.com/office/powerpoint/2010/main" xmlns:a14="http://schemas.microsoft.com/office/drawing/2010/main" w="9525">
                   <a:solidFill>
                     <a:srgbClr val="000000"/>
                   </a:solidFill>
@@ -22298,7 +22306,7 @@
             </a:ln>
             <a:extLst>
               <a:ext uri="{91240B29-F687-4f45-9708-019B960494DF}">
-                <a14:hiddenLine xmlns:a14="http://schemas.microsoft.com/office/drawing/2010/main" xmlns:p14="http://schemas.microsoft.com/office/powerpoint/2010/main" xmlns:a16="http://schemas.microsoft.com/office/drawing/2014/main" xmlns="" w="9525">
+                <a14:hiddenLine xmlns="" xmlns:a16="http://schemas.microsoft.com/office/drawing/2014/main" xmlns:p14="http://schemas.microsoft.com/office/powerpoint/2010/main" xmlns:a14="http://schemas.microsoft.com/office/drawing/2010/main" w="9525">
                   <a:solidFill>
                     <a:srgbClr val="000000"/>
                   </a:solidFill>
@@ -22403,7 +22411,7 @@
             </a:ln>
             <a:extLst>
               <a:ext uri="{91240B29-F687-4f45-9708-019B960494DF}">
-                <a14:hiddenLine xmlns:a14="http://schemas.microsoft.com/office/drawing/2010/main" xmlns:p14="http://schemas.microsoft.com/office/powerpoint/2010/main" xmlns:a16="http://schemas.microsoft.com/office/drawing/2014/main" xmlns="" w="9525">
+                <a14:hiddenLine xmlns="" xmlns:a16="http://schemas.microsoft.com/office/drawing/2014/main" xmlns:p14="http://schemas.microsoft.com/office/powerpoint/2010/main" xmlns:a14="http://schemas.microsoft.com/office/drawing/2010/main" w="9525">
                   <a:solidFill>
                     <a:srgbClr val="000000"/>
                   </a:solidFill>
@@ -22508,7 +22516,7 @@
             </a:ln>
             <a:extLst>
               <a:ext uri="{91240B29-F687-4f45-9708-019B960494DF}">
-                <a14:hiddenLine xmlns:a14="http://schemas.microsoft.com/office/drawing/2010/main" xmlns:p14="http://schemas.microsoft.com/office/powerpoint/2010/main" xmlns:a16="http://schemas.microsoft.com/office/drawing/2014/main" xmlns="" w="9525">
+                <a14:hiddenLine xmlns="" xmlns:a16="http://schemas.microsoft.com/office/drawing/2014/main" xmlns:p14="http://schemas.microsoft.com/office/powerpoint/2010/main" xmlns:a14="http://schemas.microsoft.com/office/drawing/2010/main" w="9525">
                   <a:solidFill>
                     <a:srgbClr val="000000"/>
                   </a:solidFill>
@@ -22585,7 +22593,7 @@
             </a:ln>
             <a:extLst>
               <a:ext uri="{91240B29-F687-4f45-9708-019B960494DF}">
-                <a14:hiddenLine xmlns:a14="http://schemas.microsoft.com/office/drawing/2010/main" xmlns:p14="http://schemas.microsoft.com/office/powerpoint/2010/main" xmlns:a16="http://schemas.microsoft.com/office/drawing/2014/main" xmlns="" w="9525">
+                <a14:hiddenLine xmlns="" xmlns:a16="http://schemas.microsoft.com/office/drawing/2014/main" xmlns:p14="http://schemas.microsoft.com/office/powerpoint/2010/main" xmlns:a14="http://schemas.microsoft.com/office/drawing/2010/main" w="9525">
                   <a:solidFill>
                     <a:srgbClr val="000000"/>
                   </a:solidFill>
@@ -22710,7 +22718,7 @@
             </a:ln>
             <a:extLst>
               <a:ext uri="{91240B29-F687-4f45-9708-019B960494DF}">
-                <a14:hiddenLine xmlns:a14="http://schemas.microsoft.com/office/drawing/2010/main" xmlns:p14="http://schemas.microsoft.com/office/powerpoint/2010/main" xmlns:a16="http://schemas.microsoft.com/office/drawing/2014/main" xmlns="" w="9525">
+                <a14:hiddenLine xmlns="" xmlns:a16="http://schemas.microsoft.com/office/drawing/2014/main" xmlns:p14="http://schemas.microsoft.com/office/powerpoint/2010/main" xmlns:a14="http://schemas.microsoft.com/office/drawing/2010/main" w="9525">
                   <a:solidFill>
                     <a:srgbClr val="000000"/>
                   </a:solidFill>
@@ -22824,7 +22832,7 @@
             </a:ln>
             <a:extLst>
               <a:ext uri="{91240B29-F687-4f45-9708-019B960494DF}">
-                <a14:hiddenLine xmlns:a14="http://schemas.microsoft.com/office/drawing/2010/main" xmlns:p14="http://schemas.microsoft.com/office/powerpoint/2010/main" xmlns:a16="http://schemas.microsoft.com/office/drawing/2014/main" xmlns="" w="9525">
+                <a14:hiddenLine xmlns="" xmlns:a16="http://schemas.microsoft.com/office/drawing/2014/main" xmlns:p14="http://schemas.microsoft.com/office/powerpoint/2010/main" xmlns:a14="http://schemas.microsoft.com/office/drawing/2010/main" w="9525">
                   <a:solidFill>
                     <a:srgbClr val="000000"/>
                   </a:solidFill>
@@ -22901,7 +22909,7 @@
             </a:ln>
             <a:extLst>
               <a:ext uri="{91240B29-F687-4f45-9708-019B960494DF}">
-                <a14:hiddenLine xmlns:a14="http://schemas.microsoft.com/office/drawing/2010/main" xmlns:p14="http://schemas.microsoft.com/office/powerpoint/2010/main" xmlns:a16="http://schemas.microsoft.com/office/drawing/2014/main" xmlns="" w="9525">
+                <a14:hiddenLine xmlns="" xmlns:a16="http://schemas.microsoft.com/office/drawing/2014/main" xmlns:p14="http://schemas.microsoft.com/office/powerpoint/2010/main" xmlns:a14="http://schemas.microsoft.com/office/drawing/2010/main" w="9525">
                   <a:solidFill>
                     <a:srgbClr val="000000"/>
                   </a:solidFill>
@@ -22978,7 +22986,7 @@
             </a:ln>
             <a:extLst>
               <a:ext uri="{91240B29-F687-4f45-9708-019B960494DF}">
-                <a14:hiddenLine xmlns:a14="http://schemas.microsoft.com/office/drawing/2010/main" xmlns:p14="http://schemas.microsoft.com/office/powerpoint/2010/main" xmlns:a16="http://schemas.microsoft.com/office/drawing/2014/main" xmlns="" w="9525">
+                <a14:hiddenLine xmlns="" xmlns:a16="http://schemas.microsoft.com/office/drawing/2014/main" xmlns:p14="http://schemas.microsoft.com/office/powerpoint/2010/main" xmlns:a14="http://schemas.microsoft.com/office/drawing/2010/main" w="9525">
                   <a:solidFill>
                     <a:srgbClr val="000000"/>
                   </a:solidFill>
@@ -23083,7 +23091,7 @@
             </a:ln>
             <a:extLst>
               <a:ext uri="{91240B29-F687-4f45-9708-019B960494DF}">
-                <a14:hiddenLine xmlns:a14="http://schemas.microsoft.com/office/drawing/2010/main" xmlns:p14="http://schemas.microsoft.com/office/powerpoint/2010/main" xmlns:a16="http://schemas.microsoft.com/office/drawing/2014/main" xmlns="" w="9525">
+                <a14:hiddenLine xmlns="" xmlns:a16="http://schemas.microsoft.com/office/drawing/2014/main" xmlns:p14="http://schemas.microsoft.com/office/powerpoint/2010/main" xmlns:a14="http://schemas.microsoft.com/office/drawing/2010/main" w="9525">
                   <a:solidFill>
                     <a:srgbClr val="000000"/>
                   </a:solidFill>
@@ -23132,7 +23140,7 @@
             </a:ln>
             <a:extLst>
               <a:ext uri="{91240B29-F687-4f45-9708-019B960494DF}">
-                <a14:hiddenLine xmlns:a14="http://schemas.microsoft.com/office/drawing/2010/main" xmlns:p14="http://schemas.microsoft.com/office/powerpoint/2010/main" xmlns:a16="http://schemas.microsoft.com/office/drawing/2014/main" xmlns="" w="9525">
+                <a14:hiddenLine xmlns="" xmlns:a16="http://schemas.microsoft.com/office/drawing/2014/main" xmlns:p14="http://schemas.microsoft.com/office/powerpoint/2010/main" xmlns:a14="http://schemas.microsoft.com/office/drawing/2010/main" w="9525">
                   <a:solidFill>
                     <a:srgbClr val="000000"/>
                   </a:solidFill>
@@ -23212,7 +23220,7 @@
             </a:ln>
             <a:extLst>
               <a:ext uri="{91240B29-F687-4f45-9708-019B960494DF}">
-                <a14:hiddenLine xmlns:a14="http://schemas.microsoft.com/office/drawing/2010/main" xmlns:p14="http://schemas.microsoft.com/office/powerpoint/2010/main" xmlns:a16="http://schemas.microsoft.com/office/drawing/2014/main" xmlns="" w="9525">
+                <a14:hiddenLine xmlns="" xmlns:a16="http://schemas.microsoft.com/office/drawing/2014/main" xmlns:p14="http://schemas.microsoft.com/office/powerpoint/2010/main" xmlns:a14="http://schemas.microsoft.com/office/drawing/2010/main" w="9525">
                   <a:solidFill>
                     <a:srgbClr val="000000"/>
                   </a:solidFill>
@@ -23317,7 +23325,7 @@
             </a:ln>
             <a:extLst>
               <a:ext uri="{91240B29-F687-4f45-9708-019B960494DF}">
-                <a14:hiddenLine xmlns:a14="http://schemas.microsoft.com/office/drawing/2010/main" xmlns:p14="http://schemas.microsoft.com/office/powerpoint/2010/main" xmlns:a16="http://schemas.microsoft.com/office/drawing/2014/main" xmlns="" w="9525">
+                <a14:hiddenLine xmlns="" xmlns:a16="http://schemas.microsoft.com/office/drawing/2014/main" xmlns:p14="http://schemas.microsoft.com/office/powerpoint/2010/main" xmlns:a14="http://schemas.microsoft.com/office/drawing/2010/main" w="9525">
                   <a:solidFill>
                     <a:srgbClr val="000000"/>
                   </a:solidFill>
@@ -23394,7 +23402,7 @@
             </a:ln>
             <a:extLst>
               <a:ext uri="{91240B29-F687-4f45-9708-019B960494DF}">
-                <a14:hiddenLine xmlns:a14="http://schemas.microsoft.com/office/drawing/2010/main" xmlns:p14="http://schemas.microsoft.com/office/powerpoint/2010/main" xmlns:a16="http://schemas.microsoft.com/office/drawing/2014/main" xmlns="" w="9525">
+                <a14:hiddenLine xmlns="" xmlns:a16="http://schemas.microsoft.com/office/drawing/2014/main" xmlns:p14="http://schemas.microsoft.com/office/powerpoint/2010/main" xmlns:a14="http://schemas.microsoft.com/office/drawing/2010/main" w="9525">
                   <a:solidFill>
                     <a:srgbClr val="000000"/>
                   </a:solidFill>
@@ -23499,7 +23507,7 @@
             </a:ln>
             <a:extLst>
               <a:ext uri="{91240B29-F687-4f45-9708-019B960494DF}">
-                <a14:hiddenLine xmlns:a14="http://schemas.microsoft.com/office/drawing/2010/main" xmlns:p14="http://schemas.microsoft.com/office/powerpoint/2010/main" xmlns:a16="http://schemas.microsoft.com/office/drawing/2014/main" xmlns="" w="9525">
+                <a14:hiddenLine xmlns="" xmlns:a16="http://schemas.microsoft.com/office/drawing/2014/main" xmlns:p14="http://schemas.microsoft.com/office/powerpoint/2010/main" xmlns:a14="http://schemas.microsoft.com/office/drawing/2010/main" w="9525">
                   <a:solidFill>
                     <a:srgbClr val="000000"/>
                   </a:solidFill>
@@ -23579,7 +23587,7 @@
             </a:ln>
             <a:extLst>
               <a:ext uri="{91240B29-F687-4f45-9708-019B960494DF}">
-                <a14:hiddenLine xmlns:a14="http://schemas.microsoft.com/office/drawing/2010/main" xmlns:p14="http://schemas.microsoft.com/office/powerpoint/2010/main" xmlns:a16="http://schemas.microsoft.com/office/drawing/2014/main" xmlns="" w="9525">
+                <a14:hiddenLine xmlns="" xmlns:a16="http://schemas.microsoft.com/office/drawing/2014/main" xmlns:p14="http://schemas.microsoft.com/office/powerpoint/2010/main" xmlns:a14="http://schemas.microsoft.com/office/drawing/2010/main" w="9525">
                   <a:solidFill>
                     <a:srgbClr val="000000"/>
                   </a:solidFill>
@@ -23656,7 +23664,7 @@
             </a:ln>
             <a:extLst>
               <a:ext uri="{91240B29-F687-4f45-9708-019B960494DF}">
-                <a14:hiddenLine xmlns:a14="http://schemas.microsoft.com/office/drawing/2010/main" xmlns:p14="http://schemas.microsoft.com/office/powerpoint/2010/main" xmlns:a16="http://schemas.microsoft.com/office/drawing/2014/main" xmlns="" w="9525">
+                <a14:hiddenLine xmlns="" xmlns:a16="http://schemas.microsoft.com/office/drawing/2014/main" xmlns:p14="http://schemas.microsoft.com/office/powerpoint/2010/main" xmlns:a14="http://schemas.microsoft.com/office/drawing/2010/main" w="9525">
                   <a:solidFill>
                     <a:srgbClr val="000000"/>
                   </a:solidFill>
@@ -23761,7 +23769,7 @@
             </a:ln>
             <a:extLst>
               <a:ext uri="{91240B29-F687-4f45-9708-019B960494DF}">
-                <a14:hiddenLine xmlns:a14="http://schemas.microsoft.com/office/drawing/2010/main" xmlns:p14="http://schemas.microsoft.com/office/powerpoint/2010/main" xmlns:a16="http://schemas.microsoft.com/office/drawing/2014/main" xmlns="" w="9525">
+                <a14:hiddenLine xmlns="" xmlns:a16="http://schemas.microsoft.com/office/drawing/2014/main" xmlns:p14="http://schemas.microsoft.com/office/powerpoint/2010/main" xmlns:a14="http://schemas.microsoft.com/office/drawing/2010/main" w="9525">
                   <a:solidFill>
                     <a:srgbClr val="000000"/>
                   </a:solidFill>
@@ -23866,7 +23874,7 @@
             </a:ln>
             <a:extLst>
               <a:ext uri="{91240B29-F687-4f45-9708-019B960494DF}">
-                <a14:hiddenLine xmlns:a14="http://schemas.microsoft.com/office/drawing/2010/main" xmlns:p14="http://schemas.microsoft.com/office/powerpoint/2010/main" xmlns:a16="http://schemas.microsoft.com/office/drawing/2014/main" xmlns="" w="9525">
+                <a14:hiddenLine xmlns="" xmlns:a16="http://schemas.microsoft.com/office/drawing/2014/main" xmlns:p14="http://schemas.microsoft.com/office/powerpoint/2010/main" xmlns:a14="http://schemas.microsoft.com/office/drawing/2010/main" w="9525">
                   <a:solidFill>
                     <a:srgbClr val="000000"/>
                   </a:solidFill>
@@ -23946,7 +23954,7 @@
             </a:ln>
             <a:extLst>
               <a:ext uri="{91240B29-F687-4f45-9708-019B960494DF}">
-                <a14:hiddenLine xmlns:a14="http://schemas.microsoft.com/office/drawing/2010/main" xmlns:p14="http://schemas.microsoft.com/office/powerpoint/2010/main" xmlns:a16="http://schemas.microsoft.com/office/drawing/2014/main" xmlns="" w="9525">
+                <a14:hiddenLine xmlns="" xmlns:a16="http://schemas.microsoft.com/office/drawing/2014/main" xmlns:p14="http://schemas.microsoft.com/office/powerpoint/2010/main" xmlns:a14="http://schemas.microsoft.com/office/drawing/2010/main" w="9525">
                   <a:solidFill>
                     <a:srgbClr val="000000"/>
                   </a:solidFill>
@@ -24081,7 +24089,7 @@
             </a:ln>
             <a:extLst>
               <a:ext uri="{91240B29-F687-4f45-9708-019B960494DF}">
-                <a14:hiddenLine xmlns:a14="http://schemas.microsoft.com/office/drawing/2010/main" xmlns:p14="http://schemas.microsoft.com/office/powerpoint/2010/main" xmlns:a16="http://schemas.microsoft.com/office/drawing/2014/main" xmlns="" w="9525">
+                <a14:hiddenLine xmlns="" xmlns:a16="http://schemas.microsoft.com/office/drawing/2014/main" xmlns:p14="http://schemas.microsoft.com/office/powerpoint/2010/main" xmlns:a14="http://schemas.microsoft.com/office/drawing/2010/main" w="9525">
                   <a:solidFill>
                     <a:srgbClr val="000000"/>
                   </a:solidFill>
@@ -24219,62 +24227,70 @@
           <a:lstStyle/>
           <a:p>
             <a:r>
-              <a:rPr lang="cs-CZ" sz="1800"/>
-              <a:t>Layout, stylování</a:t>
+              <a:rPr lang="cs-CZ" sz="1800" dirty="0"/>
+              <a:t>Layout</a:t>
             </a:r>
           </a:p>
           <a:p>
             <a:r>
-              <a:rPr lang="cs-CZ" sz="1800"/>
+              <a:rPr lang="cs-CZ" sz="1800" dirty="0"/>
               <a:t>Herní objekty</a:t>
             </a:r>
           </a:p>
           <a:p>
             <a:pPr lvl="1"/>
             <a:r>
-              <a:rPr lang="cs-CZ" sz="1800"/>
+              <a:rPr lang="cs-CZ" sz="1800" dirty="0"/>
               <a:t>Pohyb překážek, náhodná generace</a:t>
             </a:r>
           </a:p>
           <a:p>
             <a:r>
-              <a:rPr lang="cs-CZ" sz="1800"/>
+              <a:rPr lang="cs-CZ" sz="1800" dirty="0"/>
               <a:t>Gravitace</a:t>
             </a:r>
           </a:p>
           <a:p>
             <a:pPr lvl="1"/>
             <a:r>
-              <a:rPr lang="cs-CZ" sz="1800"/>
-              <a:t>Vzlet (Flapping)</a:t>
+              <a:rPr lang="cs-CZ" sz="1800" dirty="0"/>
+              <a:t>Vzlet (</a:t>
+            </a:r>
+            <a:r>
+              <a:rPr lang="cs-CZ" sz="1800" dirty="0" err="1"/>
+              <a:t>Flapping</a:t>
+            </a:r>
+            <a:r>
+              <a:rPr lang="cs-CZ" sz="1800" dirty="0"/>
+              <a:t>)</a:t>
             </a:r>
           </a:p>
           <a:p>
             <a:r>
-              <a:rPr lang="cs-CZ" sz="1800"/>
+              <a:rPr lang="cs-CZ" sz="1800" dirty="0"/>
               <a:t>Ukládání</a:t>
             </a:r>
           </a:p>
           <a:p>
             <a:r>
-              <a:rPr lang="cs-CZ" sz="1800"/>
+              <a:rPr lang="cs-CZ" sz="1800" dirty="0"/>
               <a:t>Hudba a zvukové efekty</a:t>
             </a:r>
           </a:p>
           <a:p>
             <a:r>
-              <a:rPr lang="cs-CZ" sz="1800"/>
+              <a:rPr lang="cs-CZ" sz="1800" dirty="0"/>
               <a:t>Skóre</a:t>
             </a:r>
           </a:p>
           <a:p>
             <a:r>
-              <a:rPr lang="cs-CZ" sz="1800"/>
+              <a:rPr lang="cs-CZ" sz="1800" dirty="0"/>
               <a:t>Obtížnosti</a:t>
             </a:r>
           </a:p>
           <a:p>
-            <a:endParaRPr lang="cs-CZ" sz="1800"/>
+            <a:endParaRPr lang="cs-CZ" sz="1800" dirty="0"/>
           </a:p>
         </p:txBody>
       </p:sp>
@@ -24382,7 +24398,7 @@
             </a:ln>
             <a:extLst>
               <a:ext uri="{91240B29-F687-4f45-9708-019B960494DF}">
-                <a14:hiddenLine xmlns:a14="http://schemas.microsoft.com/office/drawing/2010/main" xmlns:p14="http://schemas.microsoft.com/office/powerpoint/2010/main" xmlns:a16="http://schemas.microsoft.com/office/drawing/2014/main" xmlns="" w="9525">
+                <a14:hiddenLine xmlns="" xmlns:a16="http://schemas.microsoft.com/office/drawing/2014/main" xmlns:p14="http://schemas.microsoft.com/office/powerpoint/2010/main" xmlns:a14="http://schemas.microsoft.com/office/drawing/2010/main" w="9525">
                   <a:solidFill>
                     <a:srgbClr val="000000"/>
                   </a:solidFill>
@@ -24512,7 +24528,7 @@
             </a:ln>
             <a:extLst>
               <a:ext uri="{91240B29-F687-4f45-9708-019B960494DF}">
-                <a14:hiddenLine xmlns:a14="http://schemas.microsoft.com/office/drawing/2010/main" xmlns:p14="http://schemas.microsoft.com/office/powerpoint/2010/main" xmlns:a16="http://schemas.microsoft.com/office/drawing/2014/main" xmlns="" w="9525">
+                <a14:hiddenLine xmlns="" xmlns:a16="http://schemas.microsoft.com/office/drawing/2014/main" xmlns:p14="http://schemas.microsoft.com/office/powerpoint/2010/main" xmlns:a14="http://schemas.microsoft.com/office/drawing/2010/main" w="9525">
                   <a:solidFill>
                     <a:srgbClr val="000000"/>
                   </a:solidFill>
@@ -24617,7 +24633,7 @@
             </a:ln>
             <a:extLst>
               <a:ext uri="{91240B29-F687-4f45-9708-019B960494DF}">
-                <a14:hiddenLine xmlns:a14="http://schemas.microsoft.com/office/drawing/2010/main" xmlns:p14="http://schemas.microsoft.com/office/powerpoint/2010/main" xmlns:a16="http://schemas.microsoft.com/office/drawing/2014/main" xmlns="" w="9525">
+                <a14:hiddenLine xmlns="" xmlns:a16="http://schemas.microsoft.com/office/drawing/2014/main" xmlns:p14="http://schemas.microsoft.com/office/powerpoint/2010/main" xmlns:a14="http://schemas.microsoft.com/office/drawing/2010/main" w="9525">
                   <a:solidFill>
                     <a:srgbClr val="000000"/>
                   </a:solidFill>
@@ -24697,7 +24713,7 @@
             </a:ln>
             <a:extLst>
               <a:ext uri="{91240B29-F687-4f45-9708-019B960494DF}">
-                <a14:hiddenLine xmlns:a14="http://schemas.microsoft.com/office/drawing/2010/main" xmlns:p14="http://schemas.microsoft.com/office/powerpoint/2010/main" xmlns:a16="http://schemas.microsoft.com/office/drawing/2014/main" xmlns="" w="9525">
+                <a14:hiddenLine xmlns="" xmlns:a16="http://schemas.microsoft.com/office/drawing/2014/main" xmlns:p14="http://schemas.microsoft.com/office/powerpoint/2010/main" xmlns:a14="http://schemas.microsoft.com/office/drawing/2010/main" w="9525">
                   <a:solidFill>
                     <a:srgbClr val="000000"/>
                   </a:solidFill>
@@ -24802,7 +24818,7 @@
             </a:ln>
             <a:extLst>
               <a:ext uri="{91240B29-F687-4f45-9708-019B960494DF}">
-                <a14:hiddenLine xmlns:a14="http://schemas.microsoft.com/office/drawing/2010/main" xmlns:p14="http://schemas.microsoft.com/office/powerpoint/2010/main" xmlns:a16="http://schemas.microsoft.com/office/drawing/2014/main" xmlns="" w="9525">
+                <a14:hiddenLine xmlns="" xmlns:a16="http://schemas.microsoft.com/office/drawing/2014/main" xmlns:p14="http://schemas.microsoft.com/office/powerpoint/2010/main" xmlns:a14="http://schemas.microsoft.com/office/drawing/2010/main" w="9525">
                   <a:solidFill>
                     <a:srgbClr val="000000"/>
                   </a:solidFill>
@@ -24885,7 +24901,7 @@
             </a:ln>
             <a:extLst>
               <a:ext uri="{91240B29-F687-4f45-9708-019B960494DF}">
-                <a14:hiddenLine xmlns:a14="http://schemas.microsoft.com/office/drawing/2010/main" xmlns:p14="http://schemas.microsoft.com/office/powerpoint/2010/main" xmlns:a16="http://schemas.microsoft.com/office/drawing/2014/main" xmlns="" w="9525">
+                <a14:hiddenLine xmlns="" xmlns:a16="http://schemas.microsoft.com/office/drawing/2014/main" xmlns:p14="http://schemas.microsoft.com/office/powerpoint/2010/main" xmlns:a14="http://schemas.microsoft.com/office/drawing/2010/main" w="9525">
                   <a:solidFill>
                     <a:srgbClr val="000000"/>
                   </a:solidFill>
@@ -24990,7 +25006,7 @@
             </a:ln>
             <a:extLst>
               <a:ext uri="{91240B29-F687-4f45-9708-019B960494DF}">
-                <a14:hiddenLine xmlns:a14="http://schemas.microsoft.com/office/drawing/2010/main" xmlns:p14="http://schemas.microsoft.com/office/powerpoint/2010/main" xmlns:a16="http://schemas.microsoft.com/office/drawing/2014/main" xmlns="" w="9525">
+                <a14:hiddenLine xmlns="" xmlns:a16="http://schemas.microsoft.com/office/drawing/2014/main" xmlns:p14="http://schemas.microsoft.com/office/powerpoint/2010/main" xmlns:a14="http://schemas.microsoft.com/office/drawing/2010/main" w="9525">
                   <a:solidFill>
                     <a:srgbClr val="000000"/>
                   </a:solidFill>
@@ -25073,7 +25089,7 @@
             </a:ln>
             <a:extLst>
               <a:ext uri="{91240B29-F687-4f45-9708-019B960494DF}">
-                <a14:hiddenLine xmlns:a14="http://schemas.microsoft.com/office/drawing/2010/main" xmlns:p14="http://schemas.microsoft.com/office/powerpoint/2010/main" xmlns:a16="http://schemas.microsoft.com/office/drawing/2014/main" xmlns="" w="9525">
+                <a14:hiddenLine xmlns="" xmlns:a16="http://schemas.microsoft.com/office/drawing/2014/main" xmlns:p14="http://schemas.microsoft.com/office/powerpoint/2010/main" xmlns:a14="http://schemas.microsoft.com/office/drawing/2010/main" w="9525">
                   <a:solidFill>
                     <a:srgbClr val="000000"/>
                   </a:solidFill>
@@ -25178,7 +25194,7 @@
             </a:ln>
             <a:extLst>
               <a:ext uri="{91240B29-F687-4f45-9708-019B960494DF}">
-                <a14:hiddenLine xmlns:a14="http://schemas.microsoft.com/office/drawing/2010/main" xmlns:p14="http://schemas.microsoft.com/office/powerpoint/2010/main" xmlns:a16="http://schemas.microsoft.com/office/drawing/2014/main" xmlns="" w="9525">
+                <a14:hiddenLine xmlns="" xmlns:a16="http://schemas.microsoft.com/office/drawing/2014/main" xmlns:p14="http://schemas.microsoft.com/office/powerpoint/2010/main" xmlns:a14="http://schemas.microsoft.com/office/drawing/2010/main" w="9525">
                   <a:solidFill>
                     <a:srgbClr val="000000"/>
                   </a:solidFill>
@@ -25227,7 +25243,7 @@
             </a:ln>
             <a:extLst>
               <a:ext uri="{91240B29-F687-4f45-9708-019B960494DF}">
-                <a14:hiddenLine xmlns:a14="http://schemas.microsoft.com/office/drawing/2010/main" xmlns:p14="http://schemas.microsoft.com/office/powerpoint/2010/main" xmlns:a16="http://schemas.microsoft.com/office/drawing/2014/main" xmlns="" w="9525">
+                <a14:hiddenLine xmlns="" xmlns:a16="http://schemas.microsoft.com/office/drawing/2014/main" xmlns:p14="http://schemas.microsoft.com/office/powerpoint/2010/main" xmlns:a14="http://schemas.microsoft.com/office/drawing/2010/main" w="9525">
                   <a:solidFill>
                     <a:srgbClr val="000000"/>
                   </a:solidFill>
@@ -25438,7 +25454,7 @@
             <a:noFill/>
             <a:extLst>
               <a:ext uri="{909E8E84-426E-40dd-AFC4-6F175D3DCCD1}">
-                <a14:hiddenFill xmlns:p14="http://schemas.microsoft.com/office/powerpoint/2010/main" xmlns:a14="http://schemas.microsoft.com/office/drawing/2010/main" xmlns:a16="http://schemas.microsoft.com/office/drawing/2014/main" xmlns="">
+                <a14:hiddenFill xmlns="" xmlns:a16="http://schemas.microsoft.com/office/drawing/2014/main" xmlns:a14="http://schemas.microsoft.com/office/drawing/2010/main" xmlns:p14="http://schemas.microsoft.com/office/powerpoint/2010/main">
                   <a:solidFill>
                     <a:srgbClr val="FFFFFF"/>
                   </a:solidFill>
@@ -25609,7 +25625,7 @@
             </a:ln>
             <a:extLst>
               <a:ext uri="{91240B29-F687-4f45-9708-019B960494DF}">
-                <a14:hiddenLine xmlns:p14="http://schemas.microsoft.com/office/powerpoint/2010/main" xmlns:a14="http://schemas.microsoft.com/office/drawing/2010/main" xmlns:a16="http://schemas.microsoft.com/office/drawing/2014/main" xmlns="" w="9525">
+                <a14:hiddenLine xmlns="" xmlns:a16="http://schemas.microsoft.com/office/drawing/2014/main" xmlns:a14="http://schemas.microsoft.com/office/drawing/2010/main" xmlns:p14="http://schemas.microsoft.com/office/powerpoint/2010/main" w="9525">
                   <a:solidFill>
                     <a:srgbClr val="000000"/>
                   </a:solidFill>
@@ -25714,7 +25730,7 @@
             </a:ln>
             <a:extLst>
               <a:ext uri="{91240B29-F687-4f45-9708-019B960494DF}">
-                <a14:hiddenLine xmlns:p14="http://schemas.microsoft.com/office/powerpoint/2010/main" xmlns:a14="http://schemas.microsoft.com/office/drawing/2010/main" xmlns:a16="http://schemas.microsoft.com/office/drawing/2014/main" xmlns="" w="9525">
+                <a14:hiddenLine xmlns="" xmlns:a16="http://schemas.microsoft.com/office/drawing/2014/main" xmlns:a14="http://schemas.microsoft.com/office/drawing/2010/main" xmlns:p14="http://schemas.microsoft.com/office/powerpoint/2010/main" w="9525">
                   <a:solidFill>
                     <a:srgbClr val="000000"/>
                   </a:solidFill>
@@ -25819,7 +25835,7 @@
             </a:ln>
             <a:extLst>
               <a:ext uri="{91240B29-F687-4f45-9708-019B960494DF}">
-                <a14:hiddenLine xmlns:p14="http://schemas.microsoft.com/office/powerpoint/2010/main" xmlns:a14="http://schemas.microsoft.com/office/drawing/2010/main" xmlns:a16="http://schemas.microsoft.com/office/drawing/2014/main" xmlns="" w="9525">
+                <a14:hiddenLine xmlns="" xmlns:a16="http://schemas.microsoft.com/office/drawing/2014/main" xmlns:a14="http://schemas.microsoft.com/office/drawing/2010/main" xmlns:p14="http://schemas.microsoft.com/office/powerpoint/2010/main" w="9525">
                   <a:solidFill>
                     <a:srgbClr val="000000"/>
                   </a:solidFill>
@@ -25868,7 +25884,7 @@
             </a:ln>
             <a:extLst>
               <a:ext uri="{91240B29-F687-4f45-9708-019B960494DF}">
-                <a14:hiddenLine xmlns:p14="http://schemas.microsoft.com/office/powerpoint/2010/main" xmlns:a14="http://schemas.microsoft.com/office/drawing/2010/main" xmlns:a16="http://schemas.microsoft.com/office/drawing/2014/main" xmlns="" w="9525">
+                <a14:hiddenLine xmlns="" xmlns:a16="http://schemas.microsoft.com/office/drawing/2014/main" xmlns:a14="http://schemas.microsoft.com/office/drawing/2010/main" xmlns:p14="http://schemas.microsoft.com/office/powerpoint/2010/main" w="9525">
                   <a:solidFill>
                     <a:srgbClr val="000000"/>
                   </a:solidFill>
@@ -25973,7 +25989,7 @@
             </a:ln>
             <a:extLst>
               <a:ext uri="{91240B29-F687-4f45-9708-019B960494DF}">
-                <a14:hiddenLine xmlns:p14="http://schemas.microsoft.com/office/powerpoint/2010/main" xmlns:a14="http://schemas.microsoft.com/office/drawing/2010/main" xmlns:a16="http://schemas.microsoft.com/office/drawing/2014/main" xmlns="" w="9525">
+                <a14:hiddenLine xmlns="" xmlns:a16="http://schemas.microsoft.com/office/drawing/2014/main" xmlns:a14="http://schemas.microsoft.com/office/drawing/2010/main" xmlns:p14="http://schemas.microsoft.com/office/powerpoint/2010/main" w="9525">
                   <a:solidFill>
                     <a:srgbClr val="000000"/>
                   </a:solidFill>
@@ -26050,7 +26066,7 @@
             </a:ln>
             <a:extLst>
               <a:ext uri="{91240B29-F687-4f45-9708-019B960494DF}">
-                <a14:hiddenLine xmlns:p14="http://schemas.microsoft.com/office/powerpoint/2010/main" xmlns:a14="http://schemas.microsoft.com/office/drawing/2010/main" xmlns:a16="http://schemas.microsoft.com/office/drawing/2014/main" xmlns="" w="9525">
+                <a14:hiddenLine xmlns="" xmlns:a16="http://schemas.microsoft.com/office/drawing/2014/main" xmlns:a14="http://schemas.microsoft.com/office/drawing/2010/main" xmlns:p14="http://schemas.microsoft.com/office/powerpoint/2010/main" w="9525">
                   <a:solidFill>
                     <a:srgbClr val="000000"/>
                   </a:solidFill>
@@ -26127,7 +26143,7 @@
             </a:ln>
             <a:extLst>
               <a:ext uri="{91240B29-F687-4f45-9708-019B960494DF}">
-                <a14:hiddenLine xmlns:p14="http://schemas.microsoft.com/office/powerpoint/2010/main" xmlns:a14="http://schemas.microsoft.com/office/drawing/2010/main" xmlns:a16="http://schemas.microsoft.com/office/drawing/2014/main" xmlns="" w="9525">
+                <a14:hiddenLine xmlns="" xmlns:a16="http://schemas.microsoft.com/office/drawing/2014/main" xmlns:a14="http://schemas.microsoft.com/office/drawing/2010/main" xmlns:p14="http://schemas.microsoft.com/office/powerpoint/2010/main" w="9525">
                   <a:solidFill>
                     <a:srgbClr val="000000"/>
                   </a:solidFill>
@@ -26232,7 +26248,7 @@
             </a:ln>
             <a:extLst>
               <a:ext uri="{91240B29-F687-4f45-9708-019B960494DF}">
-                <a14:hiddenLine xmlns:p14="http://schemas.microsoft.com/office/powerpoint/2010/main" xmlns:a14="http://schemas.microsoft.com/office/drawing/2010/main" xmlns:a16="http://schemas.microsoft.com/office/drawing/2014/main" xmlns="" w="9525">
+                <a14:hiddenLine xmlns="" xmlns:a16="http://schemas.microsoft.com/office/drawing/2014/main" xmlns:a14="http://schemas.microsoft.com/office/drawing/2010/main" xmlns:p14="http://schemas.microsoft.com/office/powerpoint/2010/main" w="9525">
                   <a:solidFill>
                     <a:srgbClr val="000000"/>
                   </a:solidFill>
@@ -26309,7 +26325,7 @@
             </a:ln>
             <a:extLst>
               <a:ext uri="{91240B29-F687-4f45-9708-019B960494DF}">
-                <a14:hiddenLine xmlns:p14="http://schemas.microsoft.com/office/powerpoint/2010/main" xmlns:a14="http://schemas.microsoft.com/office/drawing/2010/main" xmlns:a16="http://schemas.microsoft.com/office/drawing/2014/main" xmlns="" w="9525">
+                <a14:hiddenLine xmlns="" xmlns:a16="http://schemas.microsoft.com/office/drawing/2014/main" xmlns:a14="http://schemas.microsoft.com/office/drawing/2010/main" xmlns:p14="http://schemas.microsoft.com/office/powerpoint/2010/main" w="9525">
                   <a:solidFill>
                     <a:srgbClr val="000000"/>
                   </a:solidFill>
@@ -26386,7 +26402,7 @@
             </a:ln>
             <a:extLst>
               <a:ext uri="{91240B29-F687-4f45-9708-019B960494DF}">
-                <a14:hiddenLine xmlns:p14="http://schemas.microsoft.com/office/powerpoint/2010/main" xmlns:a14="http://schemas.microsoft.com/office/drawing/2010/main" xmlns:a16="http://schemas.microsoft.com/office/drawing/2014/main" xmlns="" w="9525">
+                <a14:hiddenLine xmlns="" xmlns:a16="http://schemas.microsoft.com/office/drawing/2014/main" xmlns:a14="http://schemas.microsoft.com/office/drawing/2010/main" xmlns:p14="http://schemas.microsoft.com/office/powerpoint/2010/main" w="9525">
                   <a:solidFill>
                     <a:srgbClr val="000000"/>
                   </a:solidFill>
@@ -26491,7 +26507,7 @@
             </a:ln>
             <a:extLst>
               <a:ext uri="{91240B29-F687-4f45-9708-019B960494DF}">
-                <a14:hiddenLine xmlns:p14="http://schemas.microsoft.com/office/powerpoint/2010/main" xmlns:a14="http://schemas.microsoft.com/office/drawing/2010/main" xmlns:a16="http://schemas.microsoft.com/office/drawing/2014/main" xmlns="" w="9525">
+                <a14:hiddenLine xmlns="" xmlns:a16="http://schemas.microsoft.com/office/drawing/2014/main" xmlns:a14="http://schemas.microsoft.com/office/drawing/2010/main" xmlns:p14="http://schemas.microsoft.com/office/powerpoint/2010/main" w="9525">
                   <a:solidFill>
                     <a:srgbClr val="000000"/>
                   </a:solidFill>
@@ -26596,7 +26612,7 @@
             </a:ln>
             <a:extLst>
               <a:ext uri="{91240B29-F687-4f45-9708-019B960494DF}">
-                <a14:hiddenLine xmlns:p14="http://schemas.microsoft.com/office/powerpoint/2010/main" xmlns:a14="http://schemas.microsoft.com/office/drawing/2010/main" xmlns:a16="http://schemas.microsoft.com/office/drawing/2014/main" xmlns="" w="9525">
+                <a14:hiddenLine xmlns="" xmlns:a16="http://schemas.microsoft.com/office/drawing/2014/main" xmlns:a14="http://schemas.microsoft.com/office/drawing/2010/main" xmlns:p14="http://schemas.microsoft.com/office/powerpoint/2010/main" w="9525">
                   <a:solidFill>
                     <a:srgbClr val="000000"/>
                   </a:solidFill>
@@ -26673,7 +26689,7 @@
             </a:ln>
             <a:extLst>
               <a:ext uri="{91240B29-F687-4f45-9708-019B960494DF}">
-                <a14:hiddenLine xmlns:p14="http://schemas.microsoft.com/office/powerpoint/2010/main" xmlns:a14="http://schemas.microsoft.com/office/drawing/2010/main" xmlns:a16="http://schemas.microsoft.com/office/drawing/2014/main" xmlns="" w="9525">
+                <a14:hiddenLine xmlns="" xmlns:a16="http://schemas.microsoft.com/office/drawing/2014/main" xmlns:a14="http://schemas.microsoft.com/office/drawing/2010/main" xmlns:p14="http://schemas.microsoft.com/office/powerpoint/2010/main" w="9525">
                   <a:solidFill>
                     <a:srgbClr val="000000"/>
                   </a:solidFill>
@@ -26798,7 +26814,7 @@
             </a:ln>
             <a:extLst>
               <a:ext uri="{91240B29-F687-4f45-9708-019B960494DF}">
-                <a14:hiddenLine xmlns:p14="http://schemas.microsoft.com/office/powerpoint/2010/main" xmlns:a14="http://schemas.microsoft.com/office/drawing/2010/main" xmlns:a16="http://schemas.microsoft.com/office/drawing/2014/main" xmlns="" w="9525">
+                <a14:hiddenLine xmlns="" xmlns:a16="http://schemas.microsoft.com/office/drawing/2014/main" xmlns:a14="http://schemas.microsoft.com/office/drawing/2010/main" xmlns:p14="http://schemas.microsoft.com/office/powerpoint/2010/main" w="9525">
                   <a:solidFill>
                     <a:srgbClr val="000000"/>
                   </a:solidFill>
@@ -26875,7 +26891,7 @@
             </a:ln>
             <a:extLst>
               <a:ext uri="{91240B29-F687-4f45-9708-019B960494DF}">
-                <a14:hiddenLine xmlns:p14="http://schemas.microsoft.com/office/powerpoint/2010/main" xmlns:a14="http://schemas.microsoft.com/office/drawing/2010/main" xmlns:a16="http://schemas.microsoft.com/office/drawing/2014/main" xmlns="" w="9525">
+                <a14:hiddenLine xmlns="" xmlns:a16="http://schemas.microsoft.com/office/drawing/2014/main" xmlns:a14="http://schemas.microsoft.com/office/drawing/2010/main" xmlns:p14="http://schemas.microsoft.com/office/powerpoint/2010/main" w="9525">
                   <a:solidFill>
                     <a:srgbClr val="000000"/>
                   </a:solidFill>
@@ -26980,7 +26996,7 @@
             </a:ln>
             <a:extLst>
               <a:ext uri="{91240B29-F687-4f45-9708-019B960494DF}">
-                <a14:hiddenLine xmlns:p14="http://schemas.microsoft.com/office/powerpoint/2010/main" xmlns:a14="http://schemas.microsoft.com/office/drawing/2010/main" xmlns:a16="http://schemas.microsoft.com/office/drawing/2014/main" xmlns="" w="9525">
+                <a14:hiddenLine xmlns="" xmlns:a16="http://schemas.microsoft.com/office/drawing/2014/main" xmlns:a14="http://schemas.microsoft.com/office/drawing/2010/main" xmlns:p14="http://schemas.microsoft.com/office/powerpoint/2010/main" w="9525">
                   <a:solidFill>
                     <a:srgbClr val="000000"/>
                   </a:solidFill>
@@ -27085,7 +27101,7 @@
             </a:ln>
             <a:extLst>
               <a:ext uri="{91240B29-F687-4f45-9708-019B960494DF}">
-                <a14:hiddenLine xmlns:p14="http://schemas.microsoft.com/office/powerpoint/2010/main" xmlns:a14="http://schemas.microsoft.com/office/drawing/2010/main" xmlns:a16="http://schemas.microsoft.com/office/drawing/2014/main" xmlns="" w="9525">
+                <a14:hiddenLine xmlns="" xmlns:a16="http://schemas.microsoft.com/office/drawing/2014/main" xmlns:a14="http://schemas.microsoft.com/office/drawing/2010/main" xmlns:p14="http://schemas.microsoft.com/office/powerpoint/2010/main" w="9525">
                   <a:solidFill>
                     <a:srgbClr val="000000"/>
                   </a:solidFill>
@@ -27162,7 +27178,7 @@
             </a:ln>
             <a:extLst>
               <a:ext uri="{91240B29-F687-4f45-9708-019B960494DF}">
-                <a14:hiddenLine xmlns:p14="http://schemas.microsoft.com/office/powerpoint/2010/main" xmlns:a14="http://schemas.microsoft.com/office/drawing/2010/main" xmlns:a16="http://schemas.microsoft.com/office/drawing/2014/main" xmlns="" w="9525">
+                <a14:hiddenLine xmlns="" xmlns:a16="http://schemas.microsoft.com/office/drawing/2014/main" xmlns:a14="http://schemas.microsoft.com/office/drawing/2010/main" xmlns:p14="http://schemas.microsoft.com/office/powerpoint/2010/main" w="9525">
                   <a:solidFill>
                     <a:srgbClr val="000000"/>
                   </a:solidFill>
@@ -27267,7 +27283,7 @@
             </a:ln>
             <a:extLst>
               <a:ext uri="{91240B29-F687-4f45-9708-019B960494DF}">
-                <a14:hiddenLine xmlns:p14="http://schemas.microsoft.com/office/powerpoint/2010/main" xmlns:a14="http://schemas.microsoft.com/office/drawing/2010/main" xmlns:a16="http://schemas.microsoft.com/office/drawing/2014/main" xmlns="" w="9525">
+                <a14:hiddenLine xmlns="" xmlns:a16="http://schemas.microsoft.com/office/drawing/2014/main" xmlns:a14="http://schemas.microsoft.com/office/drawing/2010/main" xmlns:p14="http://schemas.microsoft.com/office/powerpoint/2010/main" w="9525">
                   <a:solidFill>
                     <a:srgbClr val="000000"/>
                   </a:solidFill>
@@ -27372,7 +27388,7 @@
             </a:ln>
             <a:extLst>
               <a:ext uri="{91240B29-F687-4f45-9708-019B960494DF}">
-                <a14:hiddenLine xmlns:p14="http://schemas.microsoft.com/office/powerpoint/2010/main" xmlns:a14="http://schemas.microsoft.com/office/drawing/2010/main" xmlns:a16="http://schemas.microsoft.com/office/drawing/2014/main" xmlns="" w="9525">
+                <a14:hiddenLine xmlns="" xmlns:a16="http://schemas.microsoft.com/office/drawing/2014/main" xmlns:a14="http://schemas.microsoft.com/office/drawing/2010/main" xmlns:p14="http://schemas.microsoft.com/office/powerpoint/2010/main" w="9525">
                   <a:solidFill>
                     <a:srgbClr val="000000"/>
                   </a:solidFill>
@@ -27443,7 +27459,7 @@
             </a:ln>
             <a:extLst>
               <a:ext uri="{91240B29-F687-4f45-9708-019B960494DF}">
-                <a14:hiddenLine xmlns:p14="http://schemas.microsoft.com/office/powerpoint/2010/main" xmlns:a14="http://schemas.microsoft.com/office/drawing/2010/main" xmlns:a16="http://schemas.microsoft.com/office/drawing/2014/main" xmlns="" w="9525">
+                <a14:hiddenLine xmlns="" xmlns:a16="http://schemas.microsoft.com/office/drawing/2014/main" xmlns:a14="http://schemas.microsoft.com/office/drawing/2010/main" xmlns:p14="http://schemas.microsoft.com/office/powerpoint/2010/main" w="9525">
                   <a:solidFill>
                     <a:srgbClr val="000000"/>
                   </a:solidFill>
@@ -27548,7 +27564,7 @@
             </a:ln>
             <a:extLst>
               <a:ext uri="{91240B29-F687-4f45-9708-019B960494DF}">
-                <a14:hiddenLine xmlns:p14="http://schemas.microsoft.com/office/powerpoint/2010/main" xmlns:a14="http://schemas.microsoft.com/office/drawing/2010/main" xmlns:a16="http://schemas.microsoft.com/office/drawing/2014/main" xmlns="" w="9525">
+                <a14:hiddenLine xmlns="" xmlns:a16="http://schemas.microsoft.com/office/drawing/2014/main" xmlns:a14="http://schemas.microsoft.com/office/drawing/2010/main" xmlns:p14="http://schemas.microsoft.com/office/powerpoint/2010/main" w="9525">
                   <a:solidFill>
                     <a:srgbClr val="000000"/>
                   </a:solidFill>
@@ -27619,7 +27635,7 @@
             </a:ln>
             <a:extLst>
               <a:ext uri="{91240B29-F687-4f45-9708-019B960494DF}">
-                <a14:hiddenLine xmlns:p14="http://schemas.microsoft.com/office/powerpoint/2010/main" xmlns:a14="http://schemas.microsoft.com/office/drawing/2010/main" xmlns:a16="http://schemas.microsoft.com/office/drawing/2014/main" xmlns="" w="9525">
+                <a14:hiddenLine xmlns="" xmlns:a16="http://schemas.microsoft.com/office/drawing/2014/main" xmlns:a14="http://schemas.microsoft.com/office/drawing/2010/main" xmlns:p14="http://schemas.microsoft.com/office/powerpoint/2010/main" w="9525">
                   <a:solidFill>
                     <a:srgbClr val="000000"/>
                   </a:solidFill>
@@ -27724,7 +27740,7 @@
             </a:ln>
             <a:extLst>
               <a:ext uri="{91240B29-F687-4f45-9708-019B960494DF}">
-                <a14:hiddenLine xmlns:p14="http://schemas.microsoft.com/office/powerpoint/2010/main" xmlns:a14="http://schemas.microsoft.com/office/drawing/2010/main" xmlns:a16="http://schemas.microsoft.com/office/drawing/2014/main" xmlns="" w="9525">
+                <a14:hiddenLine xmlns="" xmlns:a16="http://schemas.microsoft.com/office/drawing/2014/main" xmlns:a14="http://schemas.microsoft.com/office/drawing/2010/main" xmlns:p14="http://schemas.microsoft.com/office/powerpoint/2010/main" w="9525">
                   <a:solidFill>
                     <a:srgbClr val="000000"/>
                   </a:solidFill>
@@ -27807,7 +27823,7 @@
             </a:ln>
             <a:extLst>
               <a:ext uri="{91240B29-F687-4f45-9708-019B960494DF}">
-                <a14:hiddenLine xmlns:p14="http://schemas.microsoft.com/office/powerpoint/2010/main" xmlns:a14="http://schemas.microsoft.com/office/drawing/2010/main" xmlns:a16="http://schemas.microsoft.com/office/drawing/2014/main" xmlns="" w="9525">
+                <a14:hiddenLine xmlns="" xmlns:a16="http://schemas.microsoft.com/office/drawing/2014/main" xmlns:a14="http://schemas.microsoft.com/office/drawing/2010/main" xmlns:p14="http://schemas.microsoft.com/office/powerpoint/2010/main" w="9525">
                   <a:solidFill>
                     <a:srgbClr val="000000"/>
                   </a:solidFill>
@@ -27912,7 +27928,7 @@
             </a:ln>
             <a:extLst>
               <a:ext uri="{91240B29-F687-4f45-9708-019B960494DF}">
-                <a14:hiddenLine xmlns:p14="http://schemas.microsoft.com/office/powerpoint/2010/main" xmlns:a14="http://schemas.microsoft.com/office/drawing/2010/main" xmlns:a16="http://schemas.microsoft.com/office/drawing/2014/main" xmlns="" w="9525">
+                <a14:hiddenLine xmlns="" xmlns:a16="http://schemas.microsoft.com/office/drawing/2014/main" xmlns:a14="http://schemas.microsoft.com/office/drawing/2010/main" xmlns:p14="http://schemas.microsoft.com/office/powerpoint/2010/main" w="9525">
                   <a:solidFill>
                     <a:srgbClr val="000000"/>
                   </a:solidFill>
@@ -27995,7 +28011,7 @@
             </a:ln>
             <a:extLst>
               <a:ext uri="{91240B29-F687-4f45-9708-019B960494DF}">
-                <a14:hiddenLine xmlns:p14="http://schemas.microsoft.com/office/powerpoint/2010/main" xmlns:a14="http://schemas.microsoft.com/office/drawing/2010/main" xmlns:a16="http://schemas.microsoft.com/office/drawing/2014/main" xmlns="" w="9525">
+                <a14:hiddenLine xmlns="" xmlns:a16="http://schemas.microsoft.com/office/drawing/2014/main" xmlns:a14="http://schemas.microsoft.com/office/drawing/2010/main" xmlns:p14="http://schemas.microsoft.com/office/powerpoint/2010/main" w="9525">
                   <a:solidFill>
                     <a:srgbClr val="000000"/>
                   </a:solidFill>
@@ -28100,7 +28116,7 @@
             </a:ln>
             <a:extLst>
               <a:ext uri="{91240B29-F687-4f45-9708-019B960494DF}">
-                <a14:hiddenLine xmlns:p14="http://schemas.microsoft.com/office/powerpoint/2010/main" xmlns:a14="http://schemas.microsoft.com/office/drawing/2010/main" xmlns:a16="http://schemas.microsoft.com/office/drawing/2014/main" xmlns="" w="9525">
+                <a14:hiddenLine xmlns="" xmlns:a16="http://schemas.microsoft.com/office/drawing/2014/main" xmlns:a14="http://schemas.microsoft.com/office/drawing/2010/main" xmlns:p14="http://schemas.microsoft.com/office/powerpoint/2010/main" w="9525">
                   <a:solidFill>
                     <a:srgbClr val="000000"/>
                   </a:solidFill>
@@ -28149,7 +28165,7 @@
             </a:ln>
             <a:extLst>
               <a:ext uri="{91240B29-F687-4f45-9708-019B960494DF}">
-                <a14:hiddenLine xmlns:p14="http://schemas.microsoft.com/office/powerpoint/2010/main" xmlns:a14="http://schemas.microsoft.com/office/drawing/2010/main" xmlns:a16="http://schemas.microsoft.com/office/drawing/2014/main" xmlns="" w="9525">
+                <a14:hiddenLine xmlns="" xmlns:a16="http://schemas.microsoft.com/office/drawing/2014/main" xmlns:a14="http://schemas.microsoft.com/office/drawing/2010/main" xmlns:p14="http://schemas.microsoft.com/office/powerpoint/2010/main" w="9525">
                   <a:solidFill>
                     <a:srgbClr val="000000"/>
                   </a:solidFill>
@@ -28254,7 +28270,7 @@
             </a:ln>
             <a:extLst>
               <a:ext uri="{91240B29-F687-4f45-9708-019B960494DF}">
-                <a14:hiddenLine xmlns:p14="http://schemas.microsoft.com/office/powerpoint/2010/main" xmlns:a14="http://schemas.microsoft.com/office/drawing/2010/main" xmlns:a16="http://schemas.microsoft.com/office/drawing/2014/main" xmlns="" w="9525">
+                <a14:hiddenLine xmlns="" xmlns:a16="http://schemas.microsoft.com/office/drawing/2014/main" xmlns:a14="http://schemas.microsoft.com/office/drawing/2010/main" xmlns:p14="http://schemas.microsoft.com/office/powerpoint/2010/main" w="9525">
                   <a:solidFill>
                     <a:srgbClr val="000000"/>
                   </a:solidFill>
@@ -28331,7 +28347,7 @@
             </a:ln>
             <a:extLst>
               <a:ext uri="{91240B29-F687-4f45-9708-019B960494DF}">
-                <a14:hiddenLine xmlns:p14="http://schemas.microsoft.com/office/powerpoint/2010/main" xmlns:a14="http://schemas.microsoft.com/office/drawing/2010/main" xmlns:a16="http://schemas.microsoft.com/office/drawing/2014/main" xmlns="" w="9525">
+                <a14:hiddenLine xmlns="" xmlns:a16="http://schemas.microsoft.com/office/drawing/2014/main" xmlns:a14="http://schemas.microsoft.com/office/drawing/2010/main" xmlns:p14="http://schemas.microsoft.com/office/powerpoint/2010/main" w="9525">
                   <a:solidFill>
                     <a:srgbClr val="000000"/>
                   </a:solidFill>
@@ -28408,7 +28424,7 @@
             </a:ln>
             <a:extLst>
               <a:ext uri="{91240B29-F687-4f45-9708-019B960494DF}">
-                <a14:hiddenLine xmlns:p14="http://schemas.microsoft.com/office/powerpoint/2010/main" xmlns:a14="http://schemas.microsoft.com/office/drawing/2010/main" xmlns:a16="http://schemas.microsoft.com/office/drawing/2014/main" xmlns="" w="9525">
+                <a14:hiddenLine xmlns="" xmlns:a16="http://schemas.microsoft.com/office/drawing/2014/main" xmlns:a14="http://schemas.microsoft.com/office/drawing/2010/main" xmlns:p14="http://schemas.microsoft.com/office/powerpoint/2010/main" w="9525">
                   <a:solidFill>
                     <a:srgbClr val="000000"/>
                   </a:solidFill>
@@ -28513,7 +28529,7 @@
             </a:ln>
             <a:extLst>
               <a:ext uri="{91240B29-F687-4f45-9708-019B960494DF}">
-                <a14:hiddenLine xmlns:p14="http://schemas.microsoft.com/office/powerpoint/2010/main" xmlns:a14="http://schemas.microsoft.com/office/drawing/2010/main" xmlns:a16="http://schemas.microsoft.com/office/drawing/2014/main" xmlns="" w="9525">
+                <a14:hiddenLine xmlns="" xmlns:a16="http://schemas.microsoft.com/office/drawing/2014/main" xmlns:a14="http://schemas.microsoft.com/office/drawing/2010/main" xmlns:p14="http://schemas.microsoft.com/office/powerpoint/2010/main" w="9525">
                   <a:solidFill>
                     <a:srgbClr val="000000"/>
                   </a:solidFill>
@@ -28596,7 +28612,7 @@
             </a:ln>
             <a:extLst>
               <a:ext uri="{91240B29-F687-4f45-9708-019B960494DF}">
-                <a14:hiddenLine xmlns:p14="http://schemas.microsoft.com/office/powerpoint/2010/main" xmlns:a14="http://schemas.microsoft.com/office/drawing/2010/main" xmlns:a16="http://schemas.microsoft.com/office/drawing/2014/main" xmlns="" w="9525">
+                <a14:hiddenLine xmlns="" xmlns:a16="http://schemas.microsoft.com/office/drawing/2014/main" xmlns:a14="http://schemas.microsoft.com/office/drawing/2010/main" xmlns:p14="http://schemas.microsoft.com/office/powerpoint/2010/main" w="9525">
                   <a:solidFill>
                     <a:srgbClr val="000000"/>
                   </a:solidFill>
@@ -28673,7 +28689,7 @@
             </a:ln>
             <a:extLst>
               <a:ext uri="{91240B29-F687-4f45-9708-019B960494DF}">
-                <a14:hiddenLine xmlns:p14="http://schemas.microsoft.com/office/powerpoint/2010/main" xmlns:a14="http://schemas.microsoft.com/office/drawing/2010/main" xmlns:a16="http://schemas.microsoft.com/office/drawing/2014/main" xmlns="" w="9525">
+                <a14:hiddenLine xmlns="" xmlns:a16="http://schemas.microsoft.com/office/drawing/2014/main" xmlns:a14="http://schemas.microsoft.com/office/drawing/2010/main" xmlns:p14="http://schemas.microsoft.com/office/powerpoint/2010/main" w="9525">
                   <a:solidFill>
                     <a:srgbClr val="000000"/>
                   </a:solidFill>
@@ -28778,7 +28794,7 @@
             </a:ln>
             <a:extLst>
               <a:ext uri="{91240B29-F687-4f45-9708-019B960494DF}">
-                <a14:hiddenLine xmlns:p14="http://schemas.microsoft.com/office/powerpoint/2010/main" xmlns:a14="http://schemas.microsoft.com/office/drawing/2010/main" xmlns:a16="http://schemas.microsoft.com/office/drawing/2014/main" xmlns="" w="9525">
+                <a14:hiddenLine xmlns="" xmlns:a16="http://schemas.microsoft.com/office/drawing/2014/main" xmlns:a14="http://schemas.microsoft.com/office/drawing/2010/main" xmlns:p14="http://schemas.microsoft.com/office/powerpoint/2010/main" w="9525">
                   <a:solidFill>
                     <a:srgbClr val="000000"/>
                   </a:solidFill>
@@ -28855,7 +28871,7 @@
             </a:ln>
             <a:extLst>
               <a:ext uri="{91240B29-F687-4f45-9708-019B960494DF}">
-                <a14:hiddenLine xmlns:p14="http://schemas.microsoft.com/office/powerpoint/2010/main" xmlns:a14="http://schemas.microsoft.com/office/drawing/2010/main" xmlns:a16="http://schemas.microsoft.com/office/drawing/2014/main" xmlns="" w="9525">
+                <a14:hiddenLine xmlns="" xmlns:a16="http://schemas.microsoft.com/office/drawing/2014/main" xmlns:a14="http://schemas.microsoft.com/office/drawing/2010/main" xmlns:p14="http://schemas.microsoft.com/office/powerpoint/2010/main" w="9525">
                   <a:solidFill>
                     <a:srgbClr val="000000"/>
                   </a:solidFill>
@@ -28960,7 +28976,7 @@
             </a:ln>
             <a:extLst>
               <a:ext uri="{91240B29-F687-4f45-9708-019B960494DF}">
-                <a14:hiddenLine xmlns:p14="http://schemas.microsoft.com/office/powerpoint/2010/main" xmlns:a14="http://schemas.microsoft.com/office/drawing/2010/main" xmlns:a16="http://schemas.microsoft.com/office/drawing/2014/main" xmlns="" w="9525">
+                <a14:hiddenLine xmlns="" xmlns:a16="http://schemas.microsoft.com/office/drawing/2014/main" xmlns:a14="http://schemas.microsoft.com/office/drawing/2010/main" xmlns:p14="http://schemas.microsoft.com/office/powerpoint/2010/main" w="9525">
                   <a:solidFill>
                     <a:srgbClr val="000000"/>
                   </a:solidFill>
@@ -29037,7 +29053,7 @@
             </a:ln>
             <a:extLst>
               <a:ext uri="{91240B29-F687-4f45-9708-019B960494DF}">
-                <a14:hiddenLine xmlns:p14="http://schemas.microsoft.com/office/powerpoint/2010/main" xmlns:a14="http://schemas.microsoft.com/office/drawing/2010/main" xmlns:a16="http://schemas.microsoft.com/office/drawing/2014/main" xmlns="" w="9525">
+                <a14:hiddenLine xmlns="" xmlns:a16="http://schemas.microsoft.com/office/drawing/2014/main" xmlns:a14="http://schemas.microsoft.com/office/drawing/2010/main" xmlns:p14="http://schemas.microsoft.com/office/powerpoint/2010/main" w="9525">
                   <a:solidFill>
                     <a:srgbClr val="000000"/>
                   </a:solidFill>
@@ -29142,7 +29158,7 @@
             </a:ln>
             <a:extLst>
               <a:ext uri="{91240B29-F687-4f45-9708-019B960494DF}">
-                <a14:hiddenLine xmlns:p14="http://schemas.microsoft.com/office/powerpoint/2010/main" xmlns:a14="http://schemas.microsoft.com/office/drawing/2010/main" xmlns:a16="http://schemas.microsoft.com/office/drawing/2014/main" xmlns="" w="9525">
+                <a14:hiddenLine xmlns="" xmlns:a16="http://schemas.microsoft.com/office/drawing/2014/main" xmlns:a14="http://schemas.microsoft.com/office/drawing/2010/main" xmlns:p14="http://schemas.microsoft.com/office/powerpoint/2010/main" w="9525">
                   <a:solidFill>
                     <a:srgbClr val="000000"/>
                   </a:solidFill>
@@ -29191,7 +29207,7 @@
             </a:ln>
             <a:extLst>
               <a:ext uri="{91240B29-F687-4f45-9708-019B960494DF}">
-                <a14:hiddenLine xmlns:p14="http://schemas.microsoft.com/office/powerpoint/2010/main" xmlns:a14="http://schemas.microsoft.com/office/drawing/2010/main" xmlns:a16="http://schemas.microsoft.com/office/drawing/2014/main" xmlns="" w="9525">
+                <a14:hiddenLine xmlns="" xmlns:a16="http://schemas.microsoft.com/office/drawing/2014/main" xmlns:a14="http://schemas.microsoft.com/office/drawing/2010/main" xmlns:p14="http://schemas.microsoft.com/office/powerpoint/2010/main" w="9525">
                   <a:solidFill>
                     <a:srgbClr val="000000"/>
                   </a:solidFill>
@@ -29271,7 +29287,7 @@
             </a:ln>
             <a:extLst>
               <a:ext uri="{91240B29-F687-4f45-9708-019B960494DF}">
-                <a14:hiddenLine xmlns:p14="http://schemas.microsoft.com/office/powerpoint/2010/main" xmlns:a14="http://schemas.microsoft.com/office/drawing/2010/main" xmlns:a16="http://schemas.microsoft.com/office/drawing/2014/main" xmlns="" w="9525">
+                <a14:hiddenLine xmlns="" xmlns:a16="http://schemas.microsoft.com/office/drawing/2014/main" xmlns:a14="http://schemas.microsoft.com/office/drawing/2010/main" xmlns:p14="http://schemas.microsoft.com/office/powerpoint/2010/main" w="9525">
                   <a:solidFill>
                     <a:srgbClr val="000000"/>
                   </a:solidFill>
@@ -29376,7 +29392,7 @@
             </a:ln>
             <a:extLst>
               <a:ext uri="{91240B29-F687-4f45-9708-019B960494DF}">
-                <a14:hiddenLine xmlns:p14="http://schemas.microsoft.com/office/powerpoint/2010/main" xmlns:a14="http://schemas.microsoft.com/office/drawing/2010/main" xmlns:a16="http://schemas.microsoft.com/office/drawing/2014/main" xmlns="" w="9525">
+                <a14:hiddenLine xmlns="" xmlns:a16="http://schemas.microsoft.com/office/drawing/2014/main" xmlns:a14="http://schemas.microsoft.com/office/drawing/2010/main" xmlns:p14="http://schemas.microsoft.com/office/powerpoint/2010/main" w="9525">
                   <a:solidFill>
                     <a:srgbClr val="000000"/>
                   </a:solidFill>
@@ -29453,7 +29469,7 @@
             </a:ln>
             <a:extLst>
               <a:ext uri="{91240B29-F687-4f45-9708-019B960494DF}">
-                <a14:hiddenLine xmlns:p14="http://schemas.microsoft.com/office/powerpoint/2010/main" xmlns:a14="http://schemas.microsoft.com/office/drawing/2010/main" xmlns:a16="http://schemas.microsoft.com/office/drawing/2014/main" xmlns="" w="9525">
+                <a14:hiddenLine xmlns="" xmlns:a16="http://schemas.microsoft.com/office/drawing/2014/main" xmlns:a14="http://schemas.microsoft.com/office/drawing/2010/main" xmlns:p14="http://schemas.microsoft.com/office/powerpoint/2010/main" w="9525">
                   <a:solidFill>
                     <a:srgbClr val="000000"/>
                   </a:solidFill>
@@ -29558,7 +29574,7 @@
             </a:ln>
             <a:extLst>
               <a:ext uri="{91240B29-F687-4f45-9708-019B960494DF}">
-                <a14:hiddenLine xmlns:p14="http://schemas.microsoft.com/office/powerpoint/2010/main" xmlns:a14="http://schemas.microsoft.com/office/drawing/2010/main" xmlns:a16="http://schemas.microsoft.com/office/drawing/2014/main" xmlns="" w="9525">
+                <a14:hiddenLine xmlns="" xmlns:a16="http://schemas.microsoft.com/office/drawing/2014/main" xmlns:a14="http://schemas.microsoft.com/office/drawing/2010/main" xmlns:p14="http://schemas.microsoft.com/office/powerpoint/2010/main" w="9525">
                   <a:solidFill>
                     <a:srgbClr val="000000"/>
                   </a:solidFill>
@@ -29663,7 +29679,7 @@
             </a:ln>
             <a:extLst>
               <a:ext uri="{91240B29-F687-4f45-9708-019B960494DF}">
-                <a14:hiddenLine xmlns:p14="http://schemas.microsoft.com/office/powerpoint/2010/main" xmlns:a14="http://schemas.microsoft.com/office/drawing/2010/main" xmlns:a16="http://schemas.microsoft.com/office/drawing/2014/main" xmlns="" w="9525">
+                <a14:hiddenLine xmlns="" xmlns:a16="http://schemas.microsoft.com/office/drawing/2014/main" xmlns:a14="http://schemas.microsoft.com/office/drawing/2010/main" xmlns:p14="http://schemas.microsoft.com/office/powerpoint/2010/main" w="9525">
                   <a:solidFill>
                     <a:srgbClr val="000000"/>
                   </a:solidFill>
@@ -29743,7 +29759,7 @@
             </a:ln>
             <a:extLst>
               <a:ext uri="{91240B29-F687-4f45-9708-019B960494DF}">
-                <a14:hiddenLine xmlns:p14="http://schemas.microsoft.com/office/powerpoint/2010/main" xmlns:a14="http://schemas.microsoft.com/office/drawing/2010/main" xmlns:a16="http://schemas.microsoft.com/office/drawing/2014/main" xmlns="" w="9525">
+                <a14:hiddenLine xmlns="" xmlns:a16="http://schemas.microsoft.com/office/drawing/2014/main" xmlns:a14="http://schemas.microsoft.com/office/drawing/2010/main" xmlns:p14="http://schemas.microsoft.com/office/powerpoint/2010/main" w="9525">
                   <a:solidFill>
                     <a:srgbClr val="000000"/>
                   </a:solidFill>
@@ -29820,7 +29836,7 @@
             </a:ln>
             <a:extLst>
               <a:ext uri="{91240B29-F687-4f45-9708-019B960494DF}">
-                <a14:hiddenLine xmlns:p14="http://schemas.microsoft.com/office/powerpoint/2010/main" xmlns:a14="http://schemas.microsoft.com/office/drawing/2010/main" xmlns:a16="http://schemas.microsoft.com/office/drawing/2014/main" xmlns="" w="9525">
+                <a14:hiddenLine xmlns="" xmlns:a16="http://schemas.microsoft.com/office/drawing/2014/main" xmlns:a14="http://schemas.microsoft.com/office/drawing/2010/main" xmlns:p14="http://schemas.microsoft.com/office/powerpoint/2010/main" w="9525">
                   <a:solidFill>
                     <a:srgbClr val="000000"/>
                   </a:solidFill>
@@ -29925,7 +29941,7 @@
             </a:ln>
             <a:extLst>
               <a:ext uri="{91240B29-F687-4f45-9708-019B960494DF}">
-                <a14:hiddenLine xmlns:p14="http://schemas.microsoft.com/office/powerpoint/2010/main" xmlns:a14="http://schemas.microsoft.com/office/drawing/2010/main" xmlns:a16="http://schemas.microsoft.com/office/drawing/2014/main" xmlns="" w="9525">
+                <a14:hiddenLine xmlns="" xmlns:a16="http://schemas.microsoft.com/office/drawing/2014/main" xmlns:a14="http://schemas.microsoft.com/office/drawing/2010/main" xmlns:p14="http://schemas.microsoft.com/office/powerpoint/2010/main" w="9525">
                   <a:solidFill>
                     <a:srgbClr val="000000"/>
                   </a:solidFill>
@@ -30030,7 +30046,7 @@
             </a:ln>
             <a:extLst>
               <a:ext uri="{91240B29-F687-4f45-9708-019B960494DF}">
-                <a14:hiddenLine xmlns:p14="http://schemas.microsoft.com/office/powerpoint/2010/main" xmlns:a14="http://schemas.microsoft.com/office/drawing/2010/main" xmlns:a16="http://schemas.microsoft.com/office/drawing/2014/main" xmlns="" w="9525">
+                <a14:hiddenLine xmlns="" xmlns:a16="http://schemas.microsoft.com/office/drawing/2014/main" xmlns:a14="http://schemas.microsoft.com/office/drawing/2010/main" xmlns:p14="http://schemas.microsoft.com/office/powerpoint/2010/main" w="9525">
                   <a:solidFill>
                     <a:srgbClr val="000000"/>
                   </a:solidFill>
@@ -30107,7 +30123,7 @@
             </a:ln>
             <a:extLst>
               <a:ext uri="{91240B29-F687-4f45-9708-019B960494DF}">
-                <a14:hiddenLine xmlns:p14="http://schemas.microsoft.com/office/powerpoint/2010/main" xmlns:a14="http://schemas.microsoft.com/office/drawing/2010/main" xmlns:a16="http://schemas.microsoft.com/office/drawing/2014/main" xmlns="" w="9525">
+                <a14:hiddenLine xmlns="" xmlns:a16="http://schemas.microsoft.com/office/drawing/2014/main" xmlns:a14="http://schemas.microsoft.com/office/drawing/2010/main" xmlns:p14="http://schemas.microsoft.com/office/powerpoint/2010/main" w="9525">
                   <a:solidFill>
                     <a:srgbClr val="000000"/>
                   </a:solidFill>
@@ -30242,7 +30258,7 @@
             </a:ln>
             <a:extLst>
               <a:ext uri="{91240B29-F687-4f45-9708-019B960494DF}">
-                <a14:hiddenLine xmlns:p14="http://schemas.microsoft.com/office/powerpoint/2010/main" xmlns:a14="http://schemas.microsoft.com/office/drawing/2010/main" xmlns:a16="http://schemas.microsoft.com/office/drawing/2014/main" xmlns="" w="9525">
+                <a14:hiddenLine xmlns="" xmlns:a16="http://schemas.microsoft.com/office/drawing/2014/main" xmlns:a14="http://schemas.microsoft.com/office/drawing/2010/main" xmlns:p14="http://schemas.microsoft.com/office/powerpoint/2010/main" w="9525">
                   <a:solidFill>
                     <a:srgbClr val="000000"/>
                   </a:solidFill>
@@ -30325,7 +30341,7 @@
             </a:ln>
             <a:extLst>
               <a:ext uri="{91240B29-F687-4f45-9708-019B960494DF}">
-                <a14:hiddenLine xmlns:p14="http://schemas.microsoft.com/office/powerpoint/2010/main" xmlns:a14="http://schemas.microsoft.com/office/drawing/2010/main" xmlns:a16="http://schemas.microsoft.com/office/drawing/2014/main" xmlns="" w="9525">
+                <a14:hiddenLine xmlns="" xmlns:a16="http://schemas.microsoft.com/office/drawing/2014/main" xmlns:a14="http://schemas.microsoft.com/office/drawing/2010/main" xmlns:p14="http://schemas.microsoft.com/office/powerpoint/2010/main" w="9525">
                   <a:solidFill>
                     <a:srgbClr val="000000"/>
                   </a:solidFill>
@@ -30430,7 +30446,7 @@
             </a:ln>
             <a:extLst>
               <a:ext uri="{91240B29-F687-4f45-9708-019B960494DF}">
-                <a14:hiddenLine xmlns:p14="http://schemas.microsoft.com/office/powerpoint/2010/main" xmlns:a14="http://schemas.microsoft.com/office/drawing/2010/main" xmlns:a16="http://schemas.microsoft.com/office/drawing/2014/main" xmlns="" w="9525">
+                <a14:hiddenLine xmlns="" xmlns:a16="http://schemas.microsoft.com/office/drawing/2014/main" xmlns:a14="http://schemas.microsoft.com/office/drawing/2010/main" xmlns:p14="http://schemas.microsoft.com/office/powerpoint/2010/main" w="9525">
                   <a:solidFill>
                     <a:srgbClr val="000000"/>
                   </a:solidFill>
@@ -30585,7 +30601,7 @@
           <a:noFill/>
           <a:extLst>
             <a:ext uri="{909E8E84-426E-40dd-AFC4-6F175D3DCCD1}">
-              <a14:hiddenFill xmlns="" xmlns:a16="http://schemas.microsoft.com/office/drawing/2014/main" xmlns:a14="http://schemas.microsoft.com/office/drawing/2010/main">
+              <a14:hiddenFill xmlns:a14="http://schemas.microsoft.com/office/drawing/2010/main" xmlns:a16="http://schemas.microsoft.com/office/drawing/2014/main" xmlns="">
                 <a:solidFill>
                   <a:srgbClr val="FFFFFF"/>
                 </a:solidFill>
@@ -30677,7 +30693,7 @@
             </a:ln>
             <a:extLst>
               <a:ext uri="{91240B29-F687-4f45-9708-019B960494DF}">
-                <a14:hiddenLine xmlns="" xmlns:a16="http://schemas.microsoft.com/office/drawing/2014/main" xmlns:a14="http://schemas.microsoft.com/office/drawing/2010/main" w="9525">
+                <a14:hiddenLine xmlns:a14="http://schemas.microsoft.com/office/drawing/2010/main" xmlns:a16="http://schemas.microsoft.com/office/drawing/2014/main" xmlns="" w="9525">
                   <a:solidFill>
                     <a:srgbClr val="000000"/>
                   </a:solidFill>
@@ -30782,7 +30798,7 @@
             </a:ln>
             <a:extLst>
               <a:ext uri="{91240B29-F687-4f45-9708-019B960494DF}">
-                <a14:hiddenLine xmlns="" xmlns:a16="http://schemas.microsoft.com/office/drawing/2014/main" xmlns:a14="http://schemas.microsoft.com/office/drawing/2010/main" w="9525">
+                <a14:hiddenLine xmlns:a14="http://schemas.microsoft.com/office/drawing/2010/main" xmlns:a16="http://schemas.microsoft.com/office/drawing/2014/main" xmlns="" w="9525">
                   <a:solidFill>
                     <a:srgbClr val="000000"/>
                   </a:solidFill>
@@ -30887,7 +30903,7 @@
             </a:ln>
             <a:extLst>
               <a:ext uri="{91240B29-F687-4f45-9708-019B960494DF}">
-                <a14:hiddenLine xmlns="" xmlns:a16="http://schemas.microsoft.com/office/drawing/2014/main" xmlns:a14="http://schemas.microsoft.com/office/drawing/2010/main" w="9525">
+                <a14:hiddenLine xmlns:a14="http://schemas.microsoft.com/office/drawing/2010/main" xmlns:a16="http://schemas.microsoft.com/office/drawing/2014/main" xmlns="" w="9525">
                   <a:solidFill>
                     <a:srgbClr val="000000"/>
                   </a:solidFill>
@@ -30936,7 +30952,7 @@
             </a:ln>
             <a:extLst>
               <a:ext uri="{91240B29-F687-4f45-9708-019B960494DF}">
-                <a14:hiddenLine xmlns="" xmlns:a16="http://schemas.microsoft.com/office/drawing/2014/main" xmlns:a14="http://schemas.microsoft.com/office/drawing/2010/main" w="9525">
+                <a14:hiddenLine xmlns:a14="http://schemas.microsoft.com/office/drawing/2010/main" xmlns:a16="http://schemas.microsoft.com/office/drawing/2014/main" xmlns="" w="9525">
                   <a:solidFill>
                     <a:srgbClr val="000000"/>
                   </a:solidFill>
@@ -31041,7 +31057,7 @@
             </a:ln>
             <a:extLst>
               <a:ext uri="{91240B29-F687-4f45-9708-019B960494DF}">
-                <a14:hiddenLine xmlns="" xmlns:a16="http://schemas.microsoft.com/office/drawing/2014/main" xmlns:a14="http://schemas.microsoft.com/office/drawing/2010/main" w="9525">
+                <a14:hiddenLine xmlns:a14="http://schemas.microsoft.com/office/drawing/2010/main" xmlns:a16="http://schemas.microsoft.com/office/drawing/2014/main" xmlns="" w="9525">
                   <a:solidFill>
                     <a:srgbClr val="000000"/>
                   </a:solidFill>
@@ -31118,7 +31134,7 @@
             </a:ln>
             <a:extLst>
               <a:ext uri="{91240B29-F687-4f45-9708-019B960494DF}">
-                <a14:hiddenLine xmlns="" xmlns:a16="http://schemas.microsoft.com/office/drawing/2014/main" xmlns:a14="http://schemas.microsoft.com/office/drawing/2010/main" w="9525">
+                <a14:hiddenLine xmlns:a14="http://schemas.microsoft.com/office/drawing/2010/main" xmlns:a16="http://schemas.microsoft.com/office/drawing/2014/main" xmlns="" w="9525">
                   <a:solidFill>
                     <a:srgbClr val="000000"/>
                   </a:solidFill>
@@ -31195,7 +31211,7 @@
             </a:ln>
             <a:extLst>
               <a:ext uri="{91240B29-F687-4f45-9708-019B960494DF}">
-                <a14:hiddenLine xmlns="" xmlns:a16="http://schemas.microsoft.com/office/drawing/2014/main" xmlns:a14="http://schemas.microsoft.com/office/drawing/2010/main" w="9525">
+                <a14:hiddenLine xmlns:a14="http://schemas.microsoft.com/office/drawing/2010/main" xmlns:a16="http://schemas.microsoft.com/office/drawing/2014/main" xmlns="" w="9525">
                   <a:solidFill>
                     <a:srgbClr val="000000"/>
                   </a:solidFill>
@@ -31300,7 +31316,7 @@
             </a:ln>
             <a:extLst>
               <a:ext uri="{91240B29-F687-4f45-9708-019B960494DF}">
-                <a14:hiddenLine xmlns="" xmlns:a16="http://schemas.microsoft.com/office/drawing/2014/main" xmlns:a14="http://schemas.microsoft.com/office/drawing/2010/main" w="9525">
+                <a14:hiddenLine xmlns:a14="http://schemas.microsoft.com/office/drawing/2010/main" xmlns:a16="http://schemas.microsoft.com/office/drawing/2014/main" xmlns="" w="9525">
                   <a:solidFill>
                     <a:srgbClr val="000000"/>
                   </a:solidFill>
@@ -31377,7 +31393,7 @@
             </a:ln>
             <a:extLst>
               <a:ext uri="{91240B29-F687-4f45-9708-019B960494DF}">
-                <a14:hiddenLine xmlns="" xmlns:a16="http://schemas.microsoft.com/office/drawing/2014/main" xmlns:a14="http://schemas.microsoft.com/office/drawing/2010/main" w="9525">
+                <a14:hiddenLine xmlns:a14="http://schemas.microsoft.com/office/drawing/2010/main" xmlns:a16="http://schemas.microsoft.com/office/drawing/2014/main" xmlns="" w="9525">
                   <a:solidFill>
                     <a:srgbClr val="000000"/>
                   </a:solidFill>
@@ -31454,7 +31470,7 @@
             </a:ln>
             <a:extLst>
               <a:ext uri="{91240B29-F687-4f45-9708-019B960494DF}">
-                <a14:hiddenLine xmlns="" xmlns:a16="http://schemas.microsoft.com/office/drawing/2014/main" xmlns:a14="http://schemas.microsoft.com/office/drawing/2010/main" w="9525">
+                <a14:hiddenLine xmlns:a14="http://schemas.microsoft.com/office/drawing/2010/main" xmlns:a16="http://schemas.microsoft.com/office/drawing/2014/main" xmlns="" w="9525">
                   <a:solidFill>
                     <a:srgbClr val="000000"/>
                   </a:solidFill>
@@ -31559,7 +31575,7 @@
             </a:ln>
             <a:extLst>
               <a:ext uri="{91240B29-F687-4f45-9708-019B960494DF}">
-                <a14:hiddenLine xmlns="" xmlns:a16="http://schemas.microsoft.com/office/drawing/2014/main" xmlns:a14="http://schemas.microsoft.com/office/drawing/2010/main" w="9525">
+                <a14:hiddenLine xmlns:a14="http://schemas.microsoft.com/office/drawing/2010/main" xmlns:a16="http://schemas.microsoft.com/office/drawing/2014/main" xmlns="" w="9525">
                   <a:solidFill>
                     <a:srgbClr val="000000"/>
                   </a:solidFill>
@@ -31664,7 +31680,7 @@
             </a:ln>
             <a:extLst>
               <a:ext uri="{91240B29-F687-4f45-9708-019B960494DF}">
-                <a14:hiddenLine xmlns="" xmlns:a16="http://schemas.microsoft.com/office/drawing/2014/main" xmlns:a14="http://schemas.microsoft.com/office/drawing/2010/main" w="9525">
+                <a14:hiddenLine xmlns:a14="http://schemas.microsoft.com/office/drawing/2010/main" xmlns:a16="http://schemas.microsoft.com/office/drawing/2014/main" xmlns="" w="9525">
                   <a:solidFill>
                     <a:srgbClr val="000000"/>
                   </a:solidFill>
@@ -31741,7 +31757,7 @@
             </a:ln>
             <a:extLst>
               <a:ext uri="{91240B29-F687-4f45-9708-019B960494DF}">
-                <a14:hiddenLine xmlns="" xmlns:a16="http://schemas.microsoft.com/office/drawing/2014/main" xmlns:a14="http://schemas.microsoft.com/office/drawing/2010/main" w="9525">
+                <a14:hiddenLine xmlns:a14="http://schemas.microsoft.com/office/drawing/2010/main" xmlns:a16="http://schemas.microsoft.com/office/drawing/2014/main" xmlns="" w="9525">
                   <a:solidFill>
                     <a:srgbClr val="000000"/>
                   </a:solidFill>
@@ -31866,7 +31882,7 @@
             </a:ln>
             <a:extLst>
               <a:ext uri="{91240B29-F687-4f45-9708-019B960494DF}">
-                <a14:hiddenLine xmlns="" xmlns:a16="http://schemas.microsoft.com/office/drawing/2014/main" xmlns:a14="http://schemas.microsoft.com/office/drawing/2010/main" w="9525">
+                <a14:hiddenLine xmlns:a14="http://schemas.microsoft.com/office/drawing/2010/main" xmlns:a16="http://schemas.microsoft.com/office/drawing/2014/main" xmlns="" w="9525">
                   <a:solidFill>
                     <a:srgbClr val="000000"/>
                   </a:solidFill>
@@ -31943,7 +31959,7 @@
             </a:ln>
             <a:extLst>
               <a:ext uri="{91240B29-F687-4f45-9708-019B960494DF}">
-                <a14:hiddenLine xmlns="" xmlns:a16="http://schemas.microsoft.com/office/drawing/2014/main" xmlns:a14="http://schemas.microsoft.com/office/drawing/2010/main" w="9525">
+                <a14:hiddenLine xmlns:a14="http://schemas.microsoft.com/office/drawing/2010/main" xmlns:a16="http://schemas.microsoft.com/office/drawing/2014/main" xmlns="" w="9525">
                   <a:solidFill>
                     <a:srgbClr val="000000"/>
                   </a:solidFill>
@@ -32048,7 +32064,7 @@
             </a:ln>
             <a:extLst>
               <a:ext uri="{91240B29-F687-4f45-9708-019B960494DF}">
-                <a14:hiddenLine xmlns="" xmlns:a16="http://schemas.microsoft.com/office/drawing/2014/main" xmlns:a14="http://schemas.microsoft.com/office/drawing/2010/main" w="9525">
+                <a14:hiddenLine xmlns:a14="http://schemas.microsoft.com/office/drawing/2010/main" xmlns:a16="http://schemas.microsoft.com/office/drawing/2014/main" xmlns="" w="9525">
                   <a:solidFill>
                     <a:srgbClr val="000000"/>
                   </a:solidFill>
@@ -32153,7 +32169,7 @@
             </a:ln>
             <a:extLst>
               <a:ext uri="{91240B29-F687-4f45-9708-019B960494DF}">
-                <a14:hiddenLine xmlns="" xmlns:a16="http://schemas.microsoft.com/office/drawing/2014/main" xmlns:a14="http://schemas.microsoft.com/office/drawing/2010/main" w="9525">
+                <a14:hiddenLine xmlns:a14="http://schemas.microsoft.com/office/drawing/2010/main" xmlns:a16="http://schemas.microsoft.com/office/drawing/2014/main" xmlns="" w="9525">
                   <a:solidFill>
                     <a:srgbClr val="000000"/>
                   </a:solidFill>
@@ -32230,7 +32246,7 @@
             </a:ln>
             <a:extLst>
               <a:ext uri="{91240B29-F687-4f45-9708-019B960494DF}">
-                <a14:hiddenLine xmlns="" xmlns:a16="http://schemas.microsoft.com/office/drawing/2014/main" xmlns:a14="http://schemas.microsoft.com/office/drawing/2010/main" w="9525">
+                <a14:hiddenLine xmlns:a14="http://schemas.microsoft.com/office/drawing/2010/main" xmlns:a16="http://schemas.microsoft.com/office/drawing/2014/main" xmlns="" w="9525">
                   <a:solidFill>
                     <a:srgbClr val="000000"/>
                   </a:solidFill>
@@ -32335,7 +32351,7 @@
             </a:ln>
             <a:extLst>
               <a:ext uri="{91240B29-F687-4f45-9708-019B960494DF}">
-                <a14:hiddenLine xmlns="" xmlns:a16="http://schemas.microsoft.com/office/drawing/2014/main" xmlns:a14="http://schemas.microsoft.com/office/drawing/2010/main" w="9525">
+                <a14:hiddenLine xmlns:a14="http://schemas.microsoft.com/office/drawing/2010/main" xmlns:a16="http://schemas.microsoft.com/office/drawing/2014/main" xmlns="" w="9525">
                   <a:solidFill>
                     <a:srgbClr val="000000"/>
                   </a:solidFill>
@@ -32440,7 +32456,7 @@
             </a:ln>
             <a:extLst>
               <a:ext uri="{91240B29-F687-4f45-9708-019B960494DF}">
-                <a14:hiddenLine xmlns="" xmlns:a16="http://schemas.microsoft.com/office/drawing/2014/main" xmlns:a14="http://schemas.microsoft.com/office/drawing/2010/main" w="9525">
+                <a14:hiddenLine xmlns:a14="http://schemas.microsoft.com/office/drawing/2010/main" xmlns:a16="http://schemas.microsoft.com/office/drawing/2014/main" xmlns="" w="9525">
                   <a:solidFill>
                     <a:srgbClr val="000000"/>
                   </a:solidFill>
@@ -32511,7 +32527,7 @@
             </a:ln>
             <a:extLst>
               <a:ext uri="{91240B29-F687-4f45-9708-019B960494DF}">
-                <a14:hiddenLine xmlns="" xmlns:a16="http://schemas.microsoft.com/office/drawing/2014/main" xmlns:a14="http://schemas.microsoft.com/office/drawing/2010/main" w="9525">
+                <a14:hiddenLine xmlns:a14="http://schemas.microsoft.com/office/drawing/2010/main" xmlns:a16="http://schemas.microsoft.com/office/drawing/2014/main" xmlns="" w="9525">
                   <a:solidFill>
                     <a:srgbClr val="000000"/>
                   </a:solidFill>
@@ -32616,7 +32632,7 @@
             </a:ln>
             <a:extLst>
               <a:ext uri="{91240B29-F687-4f45-9708-019B960494DF}">
-                <a14:hiddenLine xmlns="" xmlns:a16="http://schemas.microsoft.com/office/drawing/2014/main" xmlns:a14="http://schemas.microsoft.com/office/drawing/2010/main" w="9525">
+                <a14:hiddenLine xmlns:a14="http://schemas.microsoft.com/office/drawing/2010/main" xmlns:a16="http://schemas.microsoft.com/office/drawing/2014/main" xmlns="" w="9525">
                   <a:solidFill>
                     <a:srgbClr val="000000"/>
                   </a:solidFill>
@@ -32687,7 +32703,7 @@
             </a:ln>
             <a:extLst>
               <a:ext uri="{91240B29-F687-4f45-9708-019B960494DF}">
-                <a14:hiddenLine xmlns="" xmlns:a16="http://schemas.microsoft.com/office/drawing/2014/main" xmlns:a14="http://schemas.microsoft.com/office/drawing/2010/main" w="9525">
+                <a14:hiddenLine xmlns:a14="http://schemas.microsoft.com/office/drawing/2010/main" xmlns:a16="http://schemas.microsoft.com/office/drawing/2014/main" xmlns="" w="9525">
                   <a:solidFill>
                     <a:srgbClr val="000000"/>
                   </a:solidFill>
@@ -32792,7 +32808,7 @@
             </a:ln>
             <a:extLst>
               <a:ext uri="{91240B29-F687-4f45-9708-019B960494DF}">
-                <a14:hiddenLine xmlns="" xmlns:a16="http://schemas.microsoft.com/office/drawing/2014/main" xmlns:a14="http://schemas.microsoft.com/office/drawing/2010/main" w="9525">
+                <a14:hiddenLine xmlns:a14="http://schemas.microsoft.com/office/drawing/2010/main" xmlns:a16="http://schemas.microsoft.com/office/drawing/2014/main" xmlns="" w="9525">
                   <a:solidFill>
                     <a:srgbClr val="000000"/>
                   </a:solidFill>
@@ -32875,7 +32891,7 @@
             </a:ln>
             <a:extLst>
               <a:ext uri="{91240B29-F687-4f45-9708-019B960494DF}">
-                <a14:hiddenLine xmlns="" xmlns:a16="http://schemas.microsoft.com/office/drawing/2014/main" xmlns:a14="http://schemas.microsoft.com/office/drawing/2010/main" w="9525">
+                <a14:hiddenLine xmlns:a14="http://schemas.microsoft.com/office/drawing/2010/main" xmlns:a16="http://schemas.microsoft.com/office/drawing/2014/main" xmlns="" w="9525">
                   <a:solidFill>
                     <a:srgbClr val="000000"/>
                   </a:solidFill>
@@ -32980,7 +32996,7 @@
             </a:ln>
             <a:extLst>
               <a:ext uri="{91240B29-F687-4f45-9708-019B960494DF}">
-                <a14:hiddenLine xmlns="" xmlns:a16="http://schemas.microsoft.com/office/drawing/2014/main" xmlns:a14="http://schemas.microsoft.com/office/drawing/2010/main" w="9525">
+                <a14:hiddenLine xmlns:a14="http://schemas.microsoft.com/office/drawing/2010/main" xmlns:a16="http://schemas.microsoft.com/office/drawing/2014/main" xmlns="" w="9525">
                   <a:solidFill>
                     <a:srgbClr val="000000"/>
                   </a:solidFill>
@@ -33063,7 +33079,7 @@
             </a:ln>
             <a:extLst>
               <a:ext uri="{91240B29-F687-4f45-9708-019B960494DF}">
-                <a14:hiddenLine xmlns="" xmlns:a16="http://schemas.microsoft.com/office/drawing/2014/main" xmlns:a14="http://schemas.microsoft.com/office/drawing/2010/main" w="9525">
+                <a14:hiddenLine xmlns:a14="http://schemas.microsoft.com/office/drawing/2010/main" xmlns:a16="http://schemas.microsoft.com/office/drawing/2014/main" xmlns="" w="9525">
                   <a:solidFill>
                     <a:srgbClr val="000000"/>
                   </a:solidFill>
@@ -33168,7 +33184,7 @@
             </a:ln>
             <a:extLst>
               <a:ext uri="{91240B29-F687-4f45-9708-019B960494DF}">
-                <a14:hiddenLine xmlns="" xmlns:a16="http://schemas.microsoft.com/office/drawing/2014/main" xmlns:a14="http://schemas.microsoft.com/office/drawing/2010/main" w="9525">
+                <a14:hiddenLine xmlns:a14="http://schemas.microsoft.com/office/drawing/2010/main" xmlns:a16="http://schemas.microsoft.com/office/drawing/2014/main" xmlns="" w="9525">
                   <a:solidFill>
                     <a:srgbClr val="000000"/>
                   </a:solidFill>
@@ -33217,7 +33233,7 @@
             </a:ln>
             <a:extLst>
               <a:ext uri="{91240B29-F687-4f45-9708-019B960494DF}">
-                <a14:hiddenLine xmlns="" xmlns:a16="http://schemas.microsoft.com/office/drawing/2014/main" xmlns:a14="http://schemas.microsoft.com/office/drawing/2010/main" w="9525">
+                <a14:hiddenLine xmlns:a14="http://schemas.microsoft.com/office/drawing/2010/main" xmlns:a16="http://schemas.microsoft.com/office/drawing/2014/main" xmlns="" w="9525">
                   <a:solidFill>
                     <a:srgbClr val="000000"/>
                   </a:solidFill>
@@ -33322,7 +33338,7 @@
             </a:ln>
             <a:extLst>
               <a:ext uri="{91240B29-F687-4f45-9708-019B960494DF}">
-                <a14:hiddenLine xmlns="" xmlns:a16="http://schemas.microsoft.com/office/drawing/2014/main" xmlns:a14="http://schemas.microsoft.com/office/drawing/2010/main" w="9525">
+                <a14:hiddenLine xmlns:a14="http://schemas.microsoft.com/office/drawing/2010/main" xmlns:a16="http://schemas.microsoft.com/office/drawing/2014/main" xmlns="" w="9525">
                   <a:solidFill>
                     <a:srgbClr val="000000"/>
                   </a:solidFill>
@@ -33399,7 +33415,7 @@
             </a:ln>
             <a:extLst>
               <a:ext uri="{91240B29-F687-4f45-9708-019B960494DF}">
-                <a14:hiddenLine xmlns="" xmlns:a16="http://schemas.microsoft.com/office/drawing/2014/main" xmlns:a14="http://schemas.microsoft.com/office/drawing/2010/main" w="9525">
+                <a14:hiddenLine xmlns:a14="http://schemas.microsoft.com/office/drawing/2010/main" xmlns:a16="http://schemas.microsoft.com/office/drawing/2014/main" xmlns="" w="9525">
                   <a:solidFill>
                     <a:srgbClr val="000000"/>
                   </a:solidFill>
@@ -33476,7 +33492,7 @@
             </a:ln>
             <a:extLst>
               <a:ext uri="{91240B29-F687-4f45-9708-019B960494DF}">
-                <a14:hiddenLine xmlns="" xmlns:a16="http://schemas.microsoft.com/office/drawing/2014/main" xmlns:a14="http://schemas.microsoft.com/office/drawing/2010/main" w="9525">
+                <a14:hiddenLine xmlns:a14="http://schemas.microsoft.com/office/drawing/2010/main" xmlns:a16="http://schemas.microsoft.com/office/drawing/2014/main" xmlns="" w="9525">
                   <a:solidFill>
                     <a:srgbClr val="000000"/>
                   </a:solidFill>
@@ -33581,7 +33597,7 @@
             </a:ln>
             <a:extLst>
               <a:ext uri="{91240B29-F687-4f45-9708-019B960494DF}">
-                <a14:hiddenLine xmlns="" xmlns:a16="http://schemas.microsoft.com/office/drawing/2014/main" xmlns:a14="http://schemas.microsoft.com/office/drawing/2010/main" w="9525">
+                <a14:hiddenLine xmlns:a14="http://schemas.microsoft.com/office/drawing/2010/main" xmlns:a16="http://schemas.microsoft.com/office/drawing/2014/main" xmlns="" w="9525">
                   <a:solidFill>
                     <a:srgbClr val="000000"/>
                   </a:solidFill>
@@ -33664,7 +33680,7 @@
             </a:ln>
             <a:extLst>
               <a:ext uri="{91240B29-F687-4f45-9708-019B960494DF}">
-                <a14:hiddenLine xmlns="" xmlns:a16="http://schemas.microsoft.com/office/drawing/2014/main" xmlns:a14="http://schemas.microsoft.com/office/drawing/2010/main" w="9525">
+                <a14:hiddenLine xmlns:a14="http://schemas.microsoft.com/office/drawing/2010/main" xmlns:a16="http://schemas.microsoft.com/office/drawing/2014/main" xmlns="" w="9525">
                   <a:solidFill>
                     <a:srgbClr val="000000"/>
                   </a:solidFill>
@@ -33741,7 +33757,7 @@
             </a:ln>
             <a:extLst>
               <a:ext uri="{91240B29-F687-4f45-9708-019B960494DF}">
-                <a14:hiddenLine xmlns="" xmlns:a16="http://schemas.microsoft.com/office/drawing/2014/main" xmlns:a14="http://schemas.microsoft.com/office/drawing/2010/main" w="9525">
+                <a14:hiddenLine xmlns:a14="http://schemas.microsoft.com/office/drawing/2010/main" xmlns:a16="http://schemas.microsoft.com/office/drawing/2014/main" xmlns="" w="9525">
                   <a:solidFill>
                     <a:srgbClr val="000000"/>
                   </a:solidFill>
@@ -33846,7 +33862,7 @@
             </a:ln>
             <a:extLst>
               <a:ext uri="{91240B29-F687-4f45-9708-019B960494DF}">
-                <a14:hiddenLine xmlns="" xmlns:a16="http://schemas.microsoft.com/office/drawing/2014/main" xmlns:a14="http://schemas.microsoft.com/office/drawing/2010/main" w="9525">
+                <a14:hiddenLine xmlns:a14="http://schemas.microsoft.com/office/drawing/2010/main" xmlns:a16="http://schemas.microsoft.com/office/drawing/2014/main" xmlns="" w="9525">
                   <a:solidFill>
                     <a:srgbClr val="000000"/>
                   </a:solidFill>
@@ -33923,7 +33939,7 @@
             </a:ln>
             <a:extLst>
               <a:ext uri="{91240B29-F687-4f45-9708-019B960494DF}">
-                <a14:hiddenLine xmlns="" xmlns:a16="http://schemas.microsoft.com/office/drawing/2014/main" xmlns:a14="http://schemas.microsoft.com/office/drawing/2010/main" w="9525">
+                <a14:hiddenLine xmlns:a14="http://schemas.microsoft.com/office/drawing/2010/main" xmlns:a16="http://schemas.microsoft.com/office/drawing/2014/main" xmlns="" w="9525">
                   <a:solidFill>
                     <a:srgbClr val="000000"/>
                   </a:solidFill>
@@ -34028,7 +34044,7 @@
             </a:ln>
             <a:extLst>
               <a:ext uri="{91240B29-F687-4f45-9708-019B960494DF}">
-                <a14:hiddenLine xmlns="" xmlns:a16="http://schemas.microsoft.com/office/drawing/2014/main" xmlns:a14="http://schemas.microsoft.com/office/drawing/2010/main" w="9525">
+                <a14:hiddenLine xmlns:a14="http://schemas.microsoft.com/office/drawing/2010/main" xmlns:a16="http://schemas.microsoft.com/office/drawing/2014/main" xmlns="" w="9525">
                   <a:solidFill>
                     <a:srgbClr val="000000"/>
                   </a:solidFill>
@@ -34105,7 +34121,7 @@
             </a:ln>
             <a:extLst>
               <a:ext uri="{91240B29-F687-4f45-9708-019B960494DF}">
-                <a14:hiddenLine xmlns="" xmlns:a16="http://schemas.microsoft.com/office/drawing/2014/main" xmlns:a14="http://schemas.microsoft.com/office/drawing/2010/main" w="9525">
+                <a14:hiddenLine xmlns:a14="http://schemas.microsoft.com/office/drawing/2010/main" xmlns:a16="http://schemas.microsoft.com/office/drawing/2014/main" xmlns="" w="9525">
                   <a:solidFill>
                     <a:srgbClr val="000000"/>
                   </a:solidFill>
@@ -34210,7 +34226,7 @@
             </a:ln>
             <a:extLst>
               <a:ext uri="{91240B29-F687-4f45-9708-019B960494DF}">
-                <a14:hiddenLine xmlns="" xmlns:a16="http://schemas.microsoft.com/office/drawing/2014/main" xmlns:a14="http://schemas.microsoft.com/office/drawing/2010/main" w="9525">
+                <a14:hiddenLine xmlns:a14="http://schemas.microsoft.com/office/drawing/2010/main" xmlns:a16="http://schemas.microsoft.com/office/drawing/2014/main" xmlns="" w="9525">
                   <a:solidFill>
                     <a:srgbClr val="000000"/>
                   </a:solidFill>
@@ -34259,7 +34275,7 @@
             </a:ln>
             <a:extLst>
               <a:ext uri="{91240B29-F687-4f45-9708-019B960494DF}">
-                <a14:hiddenLine xmlns="" xmlns:a16="http://schemas.microsoft.com/office/drawing/2014/main" xmlns:a14="http://schemas.microsoft.com/office/drawing/2010/main" w="9525">
+                <a14:hiddenLine xmlns:a14="http://schemas.microsoft.com/office/drawing/2010/main" xmlns:a16="http://schemas.microsoft.com/office/drawing/2014/main" xmlns="" w="9525">
                   <a:solidFill>
                     <a:srgbClr val="000000"/>
                   </a:solidFill>
@@ -34339,7 +34355,7 @@
             </a:ln>
             <a:extLst>
               <a:ext uri="{91240B29-F687-4f45-9708-019B960494DF}">
-                <a14:hiddenLine xmlns="" xmlns:a16="http://schemas.microsoft.com/office/drawing/2014/main" xmlns:a14="http://schemas.microsoft.com/office/drawing/2010/main" w="9525">
+                <a14:hiddenLine xmlns:a14="http://schemas.microsoft.com/office/drawing/2010/main" xmlns:a16="http://schemas.microsoft.com/office/drawing/2014/main" xmlns="" w="9525">
                   <a:solidFill>
                     <a:srgbClr val="000000"/>
                   </a:solidFill>
@@ -34444,7 +34460,7 @@
             </a:ln>
             <a:extLst>
               <a:ext uri="{91240B29-F687-4f45-9708-019B960494DF}">
-                <a14:hiddenLine xmlns="" xmlns:a16="http://schemas.microsoft.com/office/drawing/2014/main" xmlns:a14="http://schemas.microsoft.com/office/drawing/2010/main" w="9525">
+                <a14:hiddenLine xmlns:a14="http://schemas.microsoft.com/office/drawing/2010/main" xmlns:a16="http://schemas.microsoft.com/office/drawing/2014/main" xmlns="" w="9525">
                   <a:solidFill>
                     <a:srgbClr val="000000"/>
                   </a:solidFill>
@@ -34521,7 +34537,7 @@
             </a:ln>
             <a:extLst>
               <a:ext uri="{91240B29-F687-4f45-9708-019B960494DF}">
-                <a14:hiddenLine xmlns="" xmlns:a16="http://schemas.microsoft.com/office/drawing/2014/main" xmlns:a14="http://schemas.microsoft.com/office/drawing/2010/main" w="9525">
+                <a14:hiddenLine xmlns:a14="http://schemas.microsoft.com/office/drawing/2010/main" xmlns:a16="http://schemas.microsoft.com/office/drawing/2014/main" xmlns="" w="9525">
                   <a:solidFill>
                     <a:srgbClr val="000000"/>
                   </a:solidFill>
@@ -34626,7 +34642,7 @@
             </a:ln>
             <a:extLst>
               <a:ext uri="{91240B29-F687-4f45-9708-019B960494DF}">
-                <a14:hiddenLine xmlns="" xmlns:a16="http://schemas.microsoft.com/office/drawing/2014/main" xmlns:a14="http://schemas.microsoft.com/office/drawing/2010/main" w="9525">
+                <a14:hiddenLine xmlns:a14="http://schemas.microsoft.com/office/drawing/2010/main" xmlns:a16="http://schemas.microsoft.com/office/drawing/2014/main" xmlns="" w="9525">
                   <a:solidFill>
                     <a:srgbClr val="000000"/>
                   </a:solidFill>
@@ -34731,7 +34747,7 @@
             </a:ln>
             <a:extLst>
               <a:ext uri="{91240B29-F687-4f45-9708-019B960494DF}">
-                <a14:hiddenLine xmlns="" xmlns:a16="http://schemas.microsoft.com/office/drawing/2014/main" xmlns:a14="http://schemas.microsoft.com/office/drawing/2010/main" w="9525">
+                <a14:hiddenLine xmlns:a14="http://schemas.microsoft.com/office/drawing/2010/main" xmlns:a16="http://schemas.microsoft.com/office/drawing/2014/main" xmlns="" w="9525">
                   <a:solidFill>
                     <a:srgbClr val="000000"/>
                   </a:solidFill>
@@ -34811,7 +34827,7 @@
             </a:ln>
             <a:extLst>
               <a:ext uri="{91240B29-F687-4f45-9708-019B960494DF}">
-                <a14:hiddenLine xmlns="" xmlns:a16="http://schemas.microsoft.com/office/drawing/2014/main" xmlns:a14="http://schemas.microsoft.com/office/drawing/2010/main" w="9525">
+                <a14:hiddenLine xmlns:a14="http://schemas.microsoft.com/office/drawing/2010/main" xmlns:a16="http://schemas.microsoft.com/office/drawing/2014/main" xmlns="" w="9525">
                   <a:solidFill>
                     <a:srgbClr val="000000"/>
                   </a:solidFill>
@@ -34888,7 +34904,7 @@
             </a:ln>
             <a:extLst>
               <a:ext uri="{91240B29-F687-4f45-9708-019B960494DF}">
-                <a14:hiddenLine xmlns="" xmlns:a16="http://schemas.microsoft.com/office/drawing/2014/main" xmlns:a14="http://schemas.microsoft.com/office/drawing/2010/main" w="9525">
+                <a14:hiddenLine xmlns:a14="http://schemas.microsoft.com/office/drawing/2010/main" xmlns:a16="http://schemas.microsoft.com/office/drawing/2014/main" xmlns="" w="9525">
                   <a:solidFill>
                     <a:srgbClr val="000000"/>
                   </a:solidFill>
@@ -34993,7 +35009,7 @@
             </a:ln>
             <a:extLst>
               <a:ext uri="{91240B29-F687-4f45-9708-019B960494DF}">
-                <a14:hiddenLine xmlns="" xmlns:a16="http://schemas.microsoft.com/office/drawing/2014/main" xmlns:a14="http://schemas.microsoft.com/office/drawing/2010/main" w="9525">
+                <a14:hiddenLine xmlns:a14="http://schemas.microsoft.com/office/drawing/2010/main" xmlns:a16="http://schemas.microsoft.com/office/drawing/2014/main" xmlns="" w="9525">
                   <a:solidFill>
                     <a:srgbClr val="000000"/>
                   </a:solidFill>
@@ -35098,7 +35114,7 @@
             </a:ln>
             <a:extLst>
               <a:ext uri="{91240B29-F687-4f45-9708-019B960494DF}">
-                <a14:hiddenLine xmlns="" xmlns:a16="http://schemas.microsoft.com/office/drawing/2014/main" xmlns:a14="http://schemas.microsoft.com/office/drawing/2010/main" w="9525">
+                <a14:hiddenLine xmlns:a14="http://schemas.microsoft.com/office/drawing/2010/main" xmlns:a16="http://schemas.microsoft.com/office/drawing/2014/main" xmlns="" w="9525">
                   <a:solidFill>
                     <a:srgbClr val="000000"/>
                   </a:solidFill>
@@ -35175,7 +35191,7 @@
             </a:ln>
             <a:extLst>
               <a:ext uri="{91240B29-F687-4f45-9708-019B960494DF}">
-                <a14:hiddenLine xmlns="" xmlns:a16="http://schemas.microsoft.com/office/drawing/2014/main" xmlns:a14="http://schemas.microsoft.com/office/drawing/2010/main" w="9525">
+                <a14:hiddenLine xmlns:a14="http://schemas.microsoft.com/office/drawing/2010/main" xmlns:a16="http://schemas.microsoft.com/office/drawing/2014/main" xmlns="" w="9525">
                   <a:solidFill>
                     <a:srgbClr val="000000"/>
                   </a:solidFill>
@@ -35310,7 +35326,7 @@
             </a:ln>
             <a:extLst>
               <a:ext uri="{91240B29-F687-4f45-9708-019B960494DF}">
-                <a14:hiddenLine xmlns="" xmlns:a16="http://schemas.microsoft.com/office/drawing/2014/main" xmlns:a14="http://schemas.microsoft.com/office/drawing/2010/main" w="9525">
+                <a14:hiddenLine xmlns:a14="http://schemas.microsoft.com/office/drawing/2010/main" xmlns:a16="http://schemas.microsoft.com/office/drawing/2014/main" xmlns="" w="9525">
                   <a:solidFill>
                     <a:srgbClr val="000000"/>
                   </a:solidFill>
@@ -35393,7 +35409,7 @@
             </a:ln>
             <a:extLst>
               <a:ext uri="{91240B29-F687-4f45-9708-019B960494DF}">
-                <a14:hiddenLine xmlns="" xmlns:a16="http://schemas.microsoft.com/office/drawing/2014/main" xmlns:a14="http://schemas.microsoft.com/office/drawing/2010/main" w="9525">
+                <a14:hiddenLine xmlns:a14="http://schemas.microsoft.com/office/drawing/2010/main" xmlns:a16="http://schemas.microsoft.com/office/drawing/2014/main" xmlns="" w="9525">
                   <a:solidFill>
                     <a:srgbClr val="000000"/>
                   </a:solidFill>
@@ -35498,7 +35514,7 @@
             </a:ln>
             <a:extLst>
               <a:ext uri="{91240B29-F687-4f45-9708-019B960494DF}">
-                <a14:hiddenLine xmlns="" xmlns:a16="http://schemas.microsoft.com/office/drawing/2014/main" xmlns:a14="http://schemas.microsoft.com/office/drawing/2010/main" w="9525">
+                <a14:hiddenLine xmlns:a14="http://schemas.microsoft.com/office/drawing/2010/main" xmlns:a16="http://schemas.microsoft.com/office/drawing/2014/main" xmlns="" w="9525">
                   <a:solidFill>
                     <a:srgbClr val="000000"/>
                   </a:solidFill>
@@ -35728,7 +35744,7 @@
             </a:ln>
             <a:extLst>
               <a:ext uri="{91240B29-F687-4f45-9708-019B960494DF}">
-                <a14:hiddenLine xmlns="" xmlns:a16="http://schemas.microsoft.com/office/drawing/2014/main" xmlns:p14="http://schemas.microsoft.com/office/powerpoint/2010/main" xmlns:a14="http://schemas.microsoft.com/office/drawing/2010/main" w="9525">
+                <a14:hiddenLine xmlns:a14="http://schemas.microsoft.com/office/drawing/2010/main" xmlns:p14="http://schemas.microsoft.com/office/powerpoint/2010/main" xmlns:a16="http://schemas.microsoft.com/office/drawing/2014/main" xmlns="" w="9525">
                   <a:solidFill>
                     <a:srgbClr val="000000"/>
                   </a:solidFill>
@@ -35833,7 +35849,7 @@
             </a:ln>
             <a:extLst>
               <a:ext uri="{91240B29-F687-4f45-9708-019B960494DF}">
-                <a14:hiddenLine xmlns="" xmlns:a16="http://schemas.microsoft.com/office/drawing/2014/main" xmlns:p14="http://schemas.microsoft.com/office/powerpoint/2010/main" xmlns:a14="http://schemas.microsoft.com/office/drawing/2010/main" w="9525">
+                <a14:hiddenLine xmlns:a14="http://schemas.microsoft.com/office/drawing/2010/main" xmlns:p14="http://schemas.microsoft.com/office/powerpoint/2010/main" xmlns:a16="http://schemas.microsoft.com/office/drawing/2014/main" xmlns="" w="9525">
                   <a:solidFill>
                     <a:srgbClr val="000000"/>
                   </a:solidFill>
@@ -35938,7 +35954,7 @@
             </a:ln>
             <a:extLst>
               <a:ext uri="{91240B29-F687-4f45-9708-019B960494DF}">
-                <a14:hiddenLine xmlns="" xmlns:a16="http://schemas.microsoft.com/office/drawing/2014/main" xmlns:p14="http://schemas.microsoft.com/office/powerpoint/2010/main" xmlns:a14="http://schemas.microsoft.com/office/drawing/2010/main" w="9525">
+                <a14:hiddenLine xmlns:a14="http://schemas.microsoft.com/office/drawing/2010/main" xmlns:p14="http://schemas.microsoft.com/office/powerpoint/2010/main" xmlns:a16="http://schemas.microsoft.com/office/drawing/2014/main" xmlns="" w="9525">
                   <a:solidFill>
                     <a:srgbClr val="000000"/>
                   </a:solidFill>
@@ -35987,7 +36003,7 @@
             </a:ln>
             <a:extLst>
               <a:ext uri="{91240B29-F687-4f45-9708-019B960494DF}">
-                <a14:hiddenLine xmlns="" xmlns:a16="http://schemas.microsoft.com/office/drawing/2014/main" xmlns:p14="http://schemas.microsoft.com/office/powerpoint/2010/main" xmlns:a14="http://schemas.microsoft.com/office/drawing/2010/main" w="9525">
+                <a14:hiddenLine xmlns:a14="http://schemas.microsoft.com/office/drawing/2010/main" xmlns:p14="http://schemas.microsoft.com/office/powerpoint/2010/main" xmlns:a16="http://schemas.microsoft.com/office/drawing/2014/main" xmlns="" w="9525">
                   <a:solidFill>
                     <a:srgbClr val="000000"/>
                   </a:solidFill>
@@ -36092,7 +36108,7 @@
             </a:ln>
             <a:extLst>
               <a:ext uri="{91240B29-F687-4f45-9708-019B960494DF}">
-                <a14:hiddenLine xmlns="" xmlns:a16="http://schemas.microsoft.com/office/drawing/2014/main" xmlns:p14="http://schemas.microsoft.com/office/powerpoint/2010/main" xmlns:a14="http://schemas.microsoft.com/office/drawing/2010/main" w="9525">
+                <a14:hiddenLine xmlns:a14="http://schemas.microsoft.com/office/drawing/2010/main" xmlns:p14="http://schemas.microsoft.com/office/powerpoint/2010/main" xmlns:a16="http://schemas.microsoft.com/office/drawing/2014/main" xmlns="" w="9525">
                   <a:solidFill>
                     <a:srgbClr val="000000"/>
                   </a:solidFill>
@@ -36169,7 +36185,7 @@
             </a:ln>
             <a:extLst>
               <a:ext uri="{91240B29-F687-4f45-9708-019B960494DF}">
-                <a14:hiddenLine xmlns="" xmlns:a16="http://schemas.microsoft.com/office/drawing/2014/main" xmlns:p14="http://schemas.microsoft.com/office/powerpoint/2010/main" xmlns:a14="http://schemas.microsoft.com/office/drawing/2010/main" w="9525">
+                <a14:hiddenLine xmlns:a14="http://schemas.microsoft.com/office/drawing/2010/main" xmlns:p14="http://schemas.microsoft.com/office/powerpoint/2010/main" xmlns:a16="http://schemas.microsoft.com/office/drawing/2014/main" xmlns="" w="9525">
                   <a:solidFill>
                     <a:srgbClr val="000000"/>
                   </a:solidFill>
@@ -36246,7 +36262,7 @@
             </a:ln>
             <a:extLst>
               <a:ext uri="{91240B29-F687-4f45-9708-019B960494DF}">
-                <a14:hiddenLine xmlns="" xmlns:a16="http://schemas.microsoft.com/office/drawing/2014/main" xmlns:p14="http://schemas.microsoft.com/office/powerpoint/2010/main" xmlns:a14="http://schemas.microsoft.com/office/drawing/2010/main" w="9525">
+                <a14:hiddenLine xmlns:a14="http://schemas.microsoft.com/office/drawing/2010/main" xmlns:p14="http://schemas.microsoft.com/office/powerpoint/2010/main" xmlns:a16="http://schemas.microsoft.com/office/drawing/2014/main" xmlns="" w="9525">
                   <a:solidFill>
                     <a:srgbClr val="000000"/>
                   </a:solidFill>
@@ -36351,7 +36367,7 @@
             </a:ln>
             <a:extLst>
               <a:ext uri="{91240B29-F687-4f45-9708-019B960494DF}">
-                <a14:hiddenLine xmlns="" xmlns:a16="http://schemas.microsoft.com/office/drawing/2014/main" xmlns:p14="http://schemas.microsoft.com/office/powerpoint/2010/main" xmlns:a14="http://schemas.microsoft.com/office/drawing/2010/main" w="9525">
+                <a14:hiddenLine xmlns:a14="http://schemas.microsoft.com/office/drawing/2010/main" xmlns:p14="http://schemas.microsoft.com/office/powerpoint/2010/main" xmlns:a16="http://schemas.microsoft.com/office/drawing/2014/main" xmlns="" w="9525">
                   <a:solidFill>
                     <a:srgbClr val="000000"/>
                   </a:solidFill>
@@ -36428,7 +36444,7 @@
             </a:ln>
             <a:extLst>
               <a:ext uri="{91240B29-F687-4f45-9708-019B960494DF}">
-                <a14:hiddenLine xmlns="" xmlns:a16="http://schemas.microsoft.com/office/drawing/2014/main" xmlns:p14="http://schemas.microsoft.com/office/powerpoint/2010/main" xmlns:a14="http://schemas.microsoft.com/office/drawing/2010/main" w="9525">
+                <a14:hiddenLine xmlns:a14="http://schemas.microsoft.com/office/drawing/2010/main" xmlns:p14="http://schemas.microsoft.com/office/powerpoint/2010/main" xmlns:a16="http://schemas.microsoft.com/office/drawing/2014/main" xmlns="" w="9525">
                   <a:solidFill>
                     <a:srgbClr val="000000"/>
                   </a:solidFill>
@@ -36505,7 +36521,7 @@
             </a:ln>
             <a:extLst>
               <a:ext uri="{91240B29-F687-4f45-9708-019B960494DF}">
-                <a14:hiddenLine xmlns="" xmlns:a16="http://schemas.microsoft.com/office/drawing/2014/main" xmlns:p14="http://schemas.microsoft.com/office/powerpoint/2010/main" xmlns:a14="http://schemas.microsoft.com/office/drawing/2010/main" w="9525">
+                <a14:hiddenLine xmlns:a14="http://schemas.microsoft.com/office/drawing/2010/main" xmlns:p14="http://schemas.microsoft.com/office/powerpoint/2010/main" xmlns:a16="http://schemas.microsoft.com/office/drawing/2014/main" xmlns="" w="9525">
                   <a:solidFill>
                     <a:srgbClr val="000000"/>
                   </a:solidFill>
@@ -36610,7 +36626,7 @@
             </a:ln>
             <a:extLst>
               <a:ext uri="{91240B29-F687-4f45-9708-019B960494DF}">
-                <a14:hiddenLine xmlns="" xmlns:a16="http://schemas.microsoft.com/office/drawing/2014/main" xmlns:p14="http://schemas.microsoft.com/office/powerpoint/2010/main" xmlns:a14="http://schemas.microsoft.com/office/drawing/2010/main" w="9525">
+                <a14:hiddenLine xmlns:a14="http://schemas.microsoft.com/office/drawing/2010/main" xmlns:p14="http://schemas.microsoft.com/office/powerpoint/2010/main" xmlns:a16="http://schemas.microsoft.com/office/drawing/2014/main" xmlns="" w="9525">
                   <a:solidFill>
                     <a:srgbClr val="000000"/>
                   </a:solidFill>
@@ -36715,7 +36731,7 @@
             </a:ln>
             <a:extLst>
               <a:ext uri="{91240B29-F687-4f45-9708-019B960494DF}">
-                <a14:hiddenLine xmlns="" xmlns:a16="http://schemas.microsoft.com/office/drawing/2014/main" xmlns:p14="http://schemas.microsoft.com/office/powerpoint/2010/main" xmlns:a14="http://schemas.microsoft.com/office/drawing/2010/main" w="9525">
+                <a14:hiddenLine xmlns:a14="http://schemas.microsoft.com/office/drawing/2010/main" xmlns:p14="http://schemas.microsoft.com/office/powerpoint/2010/main" xmlns:a16="http://schemas.microsoft.com/office/drawing/2014/main" xmlns="" w="9525">
                   <a:solidFill>
                     <a:srgbClr val="000000"/>
                   </a:solidFill>
@@ -36792,7 +36808,7 @@
             </a:ln>
             <a:extLst>
               <a:ext uri="{91240B29-F687-4f45-9708-019B960494DF}">
-                <a14:hiddenLine xmlns="" xmlns:a16="http://schemas.microsoft.com/office/drawing/2014/main" xmlns:p14="http://schemas.microsoft.com/office/powerpoint/2010/main" xmlns:a14="http://schemas.microsoft.com/office/drawing/2010/main" w="9525">
+                <a14:hiddenLine xmlns:a14="http://schemas.microsoft.com/office/drawing/2010/main" xmlns:p14="http://schemas.microsoft.com/office/powerpoint/2010/main" xmlns:a16="http://schemas.microsoft.com/office/drawing/2014/main" xmlns="" w="9525">
                   <a:solidFill>
                     <a:srgbClr val="000000"/>
                   </a:solidFill>
@@ -36917,7 +36933,7 @@
             </a:ln>
             <a:extLst>
               <a:ext uri="{91240B29-F687-4f45-9708-019B960494DF}">
-                <a14:hiddenLine xmlns="" xmlns:a16="http://schemas.microsoft.com/office/drawing/2014/main" xmlns:p14="http://schemas.microsoft.com/office/powerpoint/2010/main" xmlns:a14="http://schemas.microsoft.com/office/drawing/2010/main" w="9525">
+                <a14:hiddenLine xmlns:a14="http://schemas.microsoft.com/office/drawing/2010/main" xmlns:p14="http://schemas.microsoft.com/office/powerpoint/2010/main" xmlns:a16="http://schemas.microsoft.com/office/drawing/2014/main" xmlns="" w="9525">
                   <a:solidFill>
                     <a:srgbClr val="000000"/>
                   </a:solidFill>
@@ -36994,7 +37010,7 @@
             </a:ln>
             <a:extLst>
               <a:ext uri="{91240B29-F687-4f45-9708-019B960494DF}">
-                <a14:hiddenLine xmlns="" xmlns:a16="http://schemas.microsoft.com/office/drawing/2014/main" xmlns:p14="http://schemas.microsoft.com/office/powerpoint/2010/main" xmlns:a14="http://schemas.microsoft.com/office/drawing/2010/main" w="9525">
+                <a14:hiddenLine xmlns:a14="http://schemas.microsoft.com/office/drawing/2010/main" xmlns:p14="http://schemas.microsoft.com/office/powerpoint/2010/main" xmlns:a16="http://schemas.microsoft.com/office/drawing/2014/main" xmlns="" w="9525">
                   <a:solidFill>
                     <a:srgbClr val="000000"/>
                   </a:solidFill>
@@ -37099,7 +37115,7 @@
             </a:ln>
             <a:extLst>
               <a:ext uri="{91240B29-F687-4f45-9708-019B960494DF}">
-                <a14:hiddenLine xmlns="" xmlns:a16="http://schemas.microsoft.com/office/drawing/2014/main" xmlns:p14="http://schemas.microsoft.com/office/powerpoint/2010/main" xmlns:a14="http://schemas.microsoft.com/office/drawing/2010/main" w="9525">
+                <a14:hiddenLine xmlns:a14="http://schemas.microsoft.com/office/drawing/2010/main" xmlns:p14="http://schemas.microsoft.com/office/powerpoint/2010/main" xmlns:a16="http://schemas.microsoft.com/office/drawing/2014/main" xmlns="" w="9525">
                   <a:solidFill>
                     <a:srgbClr val="000000"/>
                   </a:solidFill>
@@ -37204,7 +37220,7 @@
             </a:ln>
             <a:extLst>
               <a:ext uri="{91240B29-F687-4f45-9708-019B960494DF}">
-                <a14:hiddenLine xmlns="" xmlns:a16="http://schemas.microsoft.com/office/drawing/2014/main" xmlns:p14="http://schemas.microsoft.com/office/powerpoint/2010/main" xmlns:a14="http://schemas.microsoft.com/office/drawing/2010/main" w="9525">
+                <a14:hiddenLine xmlns:a14="http://schemas.microsoft.com/office/drawing/2010/main" xmlns:p14="http://schemas.microsoft.com/office/powerpoint/2010/main" xmlns:a16="http://schemas.microsoft.com/office/drawing/2014/main" xmlns="" w="9525">
                   <a:solidFill>
                     <a:srgbClr val="000000"/>
                   </a:solidFill>
@@ -37281,7 +37297,7 @@
             </a:ln>
             <a:extLst>
               <a:ext uri="{91240B29-F687-4f45-9708-019B960494DF}">
-                <a14:hiddenLine xmlns="" xmlns:a16="http://schemas.microsoft.com/office/drawing/2014/main" xmlns:p14="http://schemas.microsoft.com/office/powerpoint/2010/main" xmlns:a14="http://schemas.microsoft.com/office/drawing/2010/main" w="9525">
+                <a14:hiddenLine xmlns:a14="http://schemas.microsoft.com/office/drawing/2010/main" xmlns:p14="http://schemas.microsoft.com/office/powerpoint/2010/main" xmlns:a16="http://schemas.microsoft.com/office/drawing/2014/main" xmlns="" w="9525">
                   <a:solidFill>
                     <a:srgbClr val="000000"/>
                   </a:solidFill>
@@ -37386,7 +37402,7 @@
             </a:ln>
             <a:extLst>
               <a:ext uri="{91240B29-F687-4f45-9708-019B960494DF}">
-                <a14:hiddenLine xmlns="" xmlns:a16="http://schemas.microsoft.com/office/drawing/2014/main" xmlns:p14="http://schemas.microsoft.com/office/powerpoint/2010/main" xmlns:a14="http://schemas.microsoft.com/office/drawing/2010/main" w="9525">
+                <a14:hiddenLine xmlns:a14="http://schemas.microsoft.com/office/drawing/2010/main" xmlns:p14="http://schemas.microsoft.com/office/powerpoint/2010/main" xmlns:a16="http://schemas.microsoft.com/office/drawing/2014/main" xmlns="" w="9525">
                   <a:solidFill>
                     <a:srgbClr val="000000"/>
                   </a:solidFill>
@@ -37491,7 +37507,7 @@
             </a:ln>
             <a:extLst>
               <a:ext uri="{91240B29-F687-4f45-9708-019B960494DF}">
-                <a14:hiddenLine xmlns="" xmlns:a16="http://schemas.microsoft.com/office/drawing/2014/main" xmlns:p14="http://schemas.microsoft.com/office/powerpoint/2010/main" xmlns:a14="http://schemas.microsoft.com/office/drawing/2010/main" w="9525">
+                <a14:hiddenLine xmlns:a14="http://schemas.microsoft.com/office/drawing/2010/main" xmlns:p14="http://schemas.microsoft.com/office/powerpoint/2010/main" xmlns:a16="http://schemas.microsoft.com/office/drawing/2014/main" xmlns="" w="9525">
                   <a:solidFill>
                     <a:srgbClr val="000000"/>
                   </a:solidFill>
@@ -37562,7 +37578,7 @@
             </a:ln>
             <a:extLst>
               <a:ext uri="{91240B29-F687-4f45-9708-019B960494DF}">
-                <a14:hiddenLine xmlns="" xmlns:a16="http://schemas.microsoft.com/office/drawing/2014/main" xmlns:p14="http://schemas.microsoft.com/office/powerpoint/2010/main" xmlns:a14="http://schemas.microsoft.com/office/drawing/2010/main" w="9525">
+                <a14:hiddenLine xmlns:a14="http://schemas.microsoft.com/office/drawing/2010/main" xmlns:p14="http://schemas.microsoft.com/office/powerpoint/2010/main" xmlns:a16="http://schemas.microsoft.com/office/drawing/2014/main" xmlns="" w="9525">
                   <a:solidFill>
                     <a:srgbClr val="000000"/>
                   </a:solidFill>
@@ -37667,7 +37683,7 @@
             </a:ln>
             <a:extLst>
               <a:ext uri="{91240B29-F687-4f45-9708-019B960494DF}">
-                <a14:hiddenLine xmlns="" xmlns:a16="http://schemas.microsoft.com/office/drawing/2014/main" xmlns:p14="http://schemas.microsoft.com/office/powerpoint/2010/main" xmlns:a14="http://schemas.microsoft.com/office/drawing/2010/main" w="9525">
+                <a14:hiddenLine xmlns:a14="http://schemas.microsoft.com/office/drawing/2010/main" xmlns:p14="http://schemas.microsoft.com/office/powerpoint/2010/main" xmlns:a16="http://schemas.microsoft.com/office/drawing/2014/main" xmlns="" w="9525">
                   <a:solidFill>
                     <a:srgbClr val="000000"/>
                   </a:solidFill>
@@ -37738,7 +37754,7 @@
             </a:ln>
             <a:extLst>
               <a:ext uri="{91240B29-F687-4f45-9708-019B960494DF}">
-                <a14:hiddenLine xmlns="" xmlns:a16="http://schemas.microsoft.com/office/drawing/2014/main" xmlns:p14="http://schemas.microsoft.com/office/powerpoint/2010/main" xmlns:a14="http://schemas.microsoft.com/office/drawing/2010/main" w="9525">
+                <a14:hiddenLine xmlns:a14="http://schemas.microsoft.com/office/drawing/2010/main" xmlns:p14="http://schemas.microsoft.com/office/powerpoint/2010/main" xmlns:a16="http://schemas.microsoft.com/office/drawing/2014/main" xmlns="" w="9525">
                   <a:solidFill>
                     <a:srgbClr val="000000"/>
                   </a:solidFill>
@@ -37843,7 +37859,7 @@
             </a:ln>
             <a:extLst>
               <a:ext uri="{91240B29-F687-4f45-9708-019B960494DF}">
-                <a14:hiddenLine xmlns="" xmlns:a16="http://schemas.microsoft.com/office/drawing/2014/main" xmlns:p14="http://schemas.microsoft.com/office/powerpoint/2010/main" xmlns:a14="http://schemas.microsoft.com/office/drawing/2010/main" w="9525">
+                <a14:hiddenLine xmlns:a14="http://schemas.microsoft.com/office/drawing/2010/main" xmlns:p14="http://schemas.microsoft.com/office/powerpoint/2010/main" xmlns:a16="http://schemas.microsoft.com/office/drawing/2014/main" xmlns="" w="9525">
                   <a:solidFill>
                     <a:srgbClr val="000000"/>
                   </a:solidFill>
@@ -37926,7 +37942,7 @@
             </a:ln>
             <a:extLst>
               <a:ext uri="{91240B29-F687-4f45-9708-019B960494DF}">
-                <a14:hiddenLine xmlns="" xmlns:a16="http://schemas.microsoft.com/office/drawing/2014/main" xmlns:p14="http://schemas.microsoft.com/office/powerpoint/2010/main" xmlns:a14="http://schemas.microsoft.com/office/drawing/2010/main" w="9525">
+                <a14:hiddenLine xmlns:a14="http://schemas.microsoft.com/office/drawing/2010/main" xmlns:p14="http://schemas.microsoft.com/office/powerpoint/2010/main" xmlns:a16="http://schemas.microsoft.com/office/drawing/2014/main" xmlns="" w="9525">
                   <a:solidFill>
                     <a:srgbClr val="000000"/>
                   </a:solidFill>
@@ -38031,7 +38047,7 @@
             </a:ln>
             <a:extLst>
               <a:ext uri="{91240B29-F687-4f45-9708-019B960494DF}">
-                <a14:hiddenLine xmlns="" xmlns:a16="http://schemas.microsoft.com/office/drawing/2014/main" xmlns:p14="http://schemas.microsoft.com/office/powerpoint/2010/main" xmlns:a14="http://schemas.microsoft.com/office/drawing/2010/main" w="9525">
+                <a14:hiddenLine xmlns:a14="http://schemas.microsoft.com/office/drawing/2010/main" xmlns:p14="http://schemas.microsoft.com/office/powerpoint/2010/main" xmlns:a16="http://schemas.microsoft.com/office/drawing/2014/main" xmlns="" w="9525">
                   <a:solidFill>
                     <a:srgbClr val="000000"/>
                   </a:solidFill>
@@ -38114,7 +38130,7 @@
             </a:ln>
             <a:extLst>
               <a:ext uri="{91240B29-F687-4f45-9708-019B960494DF}">
-                <a14:hiddenLine xmlns="" xmlns:a16="http://schemas.microsoft.com/office/drawing/2014/main" xmlns:p14="http://schemas.microsoft.com/office/powerpoint/2010/main" xmlns:a14="http://schemas.microsoft.com/office/drawing/2010/main" w="9525">
+                <a14:hiddenLine xmlns:a14="http://schemas.microsoft.com/office/drawing/2010/main" xmlns:p14="http://schemas.microsoft.com/office/powerpoint/2010/main" xmlns:a16="http://schemas.microsoft.com/office/drawing/2014/main" xmlns="" w="9525">
                   <a:solidFill>
                     <a:srgbClr val="000000"/>
                   </a:solidFill>
@@ -38219,7 +38235,7 @@
             </a:ln>
             <a:extLst>
               <a:ext uri="{91240B29-F687-4f45-9708-019B960494DF}">
-                <a14:hiddenLine xmlns="" xmlns:a16="http://schemas.microsoft.com/office/drawing/2014/main" xmlns:p14="http://schemas.microsoft.com/office/powerpoint/2010/main" xmlns:a14="http://schemas.microsoft.com/office/drawing/2010/main" w="9525">
+                <a14:hiddenLine xmlns:a14="http://schemas.microsoft.com/office/drawing/2010/main" xmlns:p14="http://schemas.microsoft.com/office/powerpoint/2010/main" xmlns:a16="http://schemas.microsoft.com/office/drawing/2014/main" xmlns="" w="9525">
                   <a:solidFill>
                     <a:srgbClr val="000000"/>
                   </a:solidFill>
@@ -38268,7 +38284,7 @@
             </a:ln>
             <a:extLst>
               <a:ext uri="{91240B29-F687-4f45-9708-019B960494DF}">
-                <a14:hiddenLine xmlns="" xmlns:a16="http://schemas.microsoft.com/office/drawing/2014/main" xmlns:p14="http://schemas.microsoft.com/office/powerpoint/2010/main" xmlns:a14="http://schemas.microsoft.com/office/drawing/2010/main" w="9525">
+                <a14:hiddenLine xmlns:a14="http://schemas.microsoft.com/office/drawing/2010/main" xmlns:p14="http://schemas.microsoft.com/office/powerpoint/2010/main" xmlns:a16="http://schemas.microsoft.com/office/drawing/2014/main" xmlns="" w="9525">
                   <a:solidFill>
                     <a:srgbClr val="000000"/>
                   </a:solidFill>
@@ -38373,7 +38389,7 @@
             </a:ln>
             <a:extLst>
               <a:ext uri="{91240B29-F687-4f45-9708-019B960494DF}">
-                <a14:hiddenLine xmlns="" xmlns:a16="http://schemas.microsoft.com/office/drawing/2014/main" xmlns:p14="http://schemas.microsoft.com/office/powerpoint/2010/main" xmlns:a14="http://schemas.microsoft.com/office/drawing/2010/main" w="9525">
+                <a14:hiddenLine xmlns:a14="http://schemas.microsoft.com/office/drawing/2010/main" xmlns:p14="http://schemas.microsoft.com/office/powerpoint/2010/main" xmlns:a16="http://schemas.microsoft.com/office/drawing/2014/main" xmlns="" w="9525">
                   <a:solidFill>
                     <a:srgbClr val="000000"/>
                   </a:solidFill>
@@ -38450,7 +38466,7 @@
             </a:ln>
             <a:extLst>
               <a:ext uri="{91240B29-F687-4f45-9708-019B960494DF}">
-                <a14:hiddenLine xmlns="" xmlns:a16="http://schemas.microsoft.com/office/drawing/2014/main" xmlns:p14="http://schemas.microsoft.com/office/powerpoint/2010/main" xmlns:a14="http://schemas.microsoft.com/office/drawing/2010/main" w="9525">
+                <a14:hiddenLine xmlns:a14="http://schemas.microsoft.com/office/drawing/2010/main" xmlns:p14="http://schemas.microsoft.com/office/powerpoint/2010/main" xmlns:a16="http://schemas.microsoft.com/office/drawing/2014/main" xmlns="" w="9525">
                   <a:solidFill>
                     <a:srgbClr val="000000"/>
                   </a:solidFill>
@@ -38527,7 +38543,7 @@
             </a:ln>
             <a:extLst>
               <a:ext uri="{91240B29-F687-4f45-9708-019B960494DF}">
-                <a14:hiddenLine xmlns="" xmlns:a16="http://schemas.microsoft.com/office/drawing/2014/main" xmlns:p14="http://schemas.microsoft.com/office/powerpoint/2010/main" xmlns:a14="http://schemas.microsoft.com/office/drawing/2010/main" w="9525">
+                <a14:hiddenLine xmlns:a14="http://schemas.microsoft.com/office/drawing/2010/main" xmlns:p14="http://schemas.microsoft.com/office/powerpoint/2010/main" xmlns:a16="http://schemas.microsoft.com/office/drawing/2014/main" xmlns="" w="9525">
                   <a:solidFill>
                     <a:srgbClr val="000000"/>
                   </a:solidFill>
@@ -38632,7 +38648,7 @@
             </a:ln>
             <a:extLst>
               <a:ext uri="{91240B29-F687-4f45-9708-019B960494DF}">
-                <a14:hiddenLine xmlns="" xmlns:a16="http://schemas.microsoft.com/office/drawing/2014/main" xmlns:p14="http://schemas.microsoft.com/office/powerpoint/2010/main" xmlns:a14="http://schemas.microsoft.com/office/drawing/2010/main" w="9525">
+                <a14:hiddenLine xmlns:a14="http://schemas.microsoft.com/office/drawing/2010/main" xmlns:p14="http://schemas.microsoft.com/office/powerpoint/2010/main" xmlns:a16="http://schemas.microsoft.com/office/drawing/2014/main" xmlns="" w="9525">
                   <a:solidFill>
                     <a:srgbClr val="000000"/>
                   </a:solidFill>
@@ -38715,7 +38731,7 @@
             </a:ln>
             <a:extLst>
               <a:ext uri="{91240B29-F687-4f45-9708-019B960494DF}">
-                <a14:hiddenLine xmlns="" xmlns:a16="http://schemas.microsoft.com/office/drawing/2014/main" xmlns:p14="http://schemas.microsoft.com/office/powerpoint/2010/main" xmlns:a14="http://schemas.microsoft.com/office/drawing/2010/main" w="9525">
+                <a14:hiddenLine xmlns:a14="http://schemas.microsoft.com/office/drawing/2010/main" xmlns:p14="http://schemas.microsoft.com/office/powerpoint/2010/main" xmlns:a16="http://schemas.microsoft.com/office/drawing/2014/main" xmlns="" w="9525">
                   <a:solidFill>
                     <a:srgbClr val="000000"/>
                   </a:solidFill>
@@ -38792,7 +38808,7 @@
             </a:ln>
             <a:extLst>
               <a:ext uri="{91240B29-F687-4f45-9708-019B960494DF}">
-                <a14:hiddenLine xmlns="" xmlns:a16="http://schemas.microsoft.com/office/drawing/2014/main" xmlns:p14="http://schemas.microsoft.com/office/powerpoint/2010/main" xmlns:a14="http://schemas.microsoft.com/office/drawing/2010/main" w="9525">
+                <a14:hiddenLine xmlns:a14="http://schemas.microsoft.com/office/drawing/2010/main" xmlns:p14="http://schemas.microsoft.com/office/powerpoint/2010/main" xmlns:a16="http://schemas.microsoft.com/office/drawing/2014/main" xmlns="" w="9525">
                   <a:solidFill>
                     <a:srgbClr val="000000"/>
                   </a:solidFill>
@@ -38897,7 +38913,7 @@
             </a:ln>
             <a:extLst>
               <a:ext uri="{91240B29-F687-4f45-9708-019B960494DF}">
-                <a14:hiddenLine xmlns="" xmlns:a16="http://schemas.microsoft.com/office/drawing/2014/main" xmlns:p14="http://schemas.microsoft.com/office/powerpoint/2010/main" xmlns:a14="http://schemas.microsoft.com/office/drawing/2010/main" w="9525">
+                <a14:hiddenLine xmlns:a14="http://schemas.microsoft.com/office/drawing/2010/main" xmlns:p14="http://schemas.microsoft.com/office/powerpoint/2010/main" xmlns:a16="http://schemas.microsoft.com/office/drawing/2014/main" xmlns="" w="9525">
                   <a:solidFill>
                     <a:srgbClr val="000000"/>
                   </a:solidFill>
@@ -38974,7 +38990,7 @@
             </a:ln>
             <a:extLst>
               <a:ext uri="{91240B29-F687-4f45-9708-019B960494DF}">
-                <a14:hiddenLine xmlns="" xmlns:a16="http://schemas.microsoft.com/office/drawing/2014/main" xmlns:p14="http://schemas.microsoft.com/office/powerpoint/2010/main" xmlns:a14="http://schemas.microsoft.com/office/drawing/2010/main" w="9525">
+                <a14:hiddenLine xmlns:a14="http://schemas.microsoft.com/office/drawing/2010/main" xmlns:p14="http://schemas.microsoft.com/office/powerpoint/2010/main" xmlns:a16="http://schemas.microsoft.com/office/drawing/2014/main" xmlns="" w="9525">
                   <a:solidFill>
                     <a:srgbClr val="000000"/>
                   </a:solidFill>
@@ -39079,7 +39095,7 @@
             </a:ln>
             <a:extLst>
               <a:ext uri="{91240B29-F687-4f45-9708-019B960494DF}">
-                <a14:hiddenLine xmlns="" xmlns:a16="http://schemas.microsoft.com/office/drawing/2014/main" xmlns:p14="http://schemas.microsoft.com/office/powerpoint/2010/main" xmlns:a14="http://schemas.microsoft.com/office/drawing/2010/main" w="9525">
+                <a14:hiddenLine xmlns:a14="http://schemas.microsoft.com/office/drawing/2010/main" xmlns:p14="http://schemas.microsoft.com/office/powerpoint/2010/main" xmlns:a16="http://schemas.microsoft.com/office/drawing/2014/main" xmlns="" w="9525">
                   <a:solidFill>
                     <a:srgbClr val="000000"/>
                   </a:solidFill>
@@ -39156,7 +39172,7 @@
             </a:ln>
             <a:extLst>
               <a:ext uri="{91240B29-F687-4f45-9708-019B960494DF}">
-                <a14:hiddenLine xmlns="" xmlns:a16="http://schemas.microsoft.com/office/drawing/2014/main" xmlns:p14="http://schemas.microsoft.com/office/powerpoint/2010/main" xmlns:a14="http://schemas.microsoft.com/office/drawing/2010/main" w="9525">
+                <a14:hiddenLine xmlns:a14="http://schemas.microsoft.com/office/drawing/2010/main" xmlns:p14="http://schemas.microsoft.com/office/powerpoint/2010/main" xmlns:a16="http://schemas.microsoft.com/office/drawing/2014/main" xmlns="" w="9525">
                   <a:solidFill>
                     <a:srgbClr val="000000"/>
                   </a:solidFill>
@@ -39261,7 +39277,7 @@
             </a:ln>
             <a:extLst>
               <a:ext uri="{91240B29-F687-4f45-9708-019B960494DF}">
-                <a14:hiddenLine xmlns="" xmlns:a16="http://schemas.microsoft.com/office/drawing/2014/main" xmlns:p14="http://schemas.microsoft.com/office/powerpoint/2010/main" xmlns:a14="http://schemas.microsoft.com/office/drawing/2010/main" w="9525">
+                <a14:hiddenLine xmlns:a14="http://schemas.microsoft.com/office/drawing/2010/main" xmlns:p14="http://schemas.microsoft.com/office/powerpoint/2010/main" xmlns:a16="http://schemas.microsoft.com/office/drawing/2014/main" xmlns="" w="9525">
                   <a:solidFill>
                     <a:srgbClr val="000000"/>
                   </a:solidFill>
@@ -39310,7 +39326,7 @@
             </a:ln>
             <a:extLst>
               <a:ext uri="{91240B29-F687-4f45-9708-019B960494DF}">
-                <a14:hiddenLine xmlns="" xmlns:a16="http://schemas.microsoft.com/office/drawing/2014/main" xmlns:p14="http://schemas.microsoft.com/office/powerpoint/2010/main" xmlns:a14="http://schemas.microsoft.com/office/drawing/2010/main" w="9525">
+                <a14:hiddenLine xmlns:a14="http://schemas.microsoft.com/office/drawing/2010/main" xmlns:p14="http://schemas.microsoft.com/office/powerpoint/2010/main" xmlns:a16="http://schemas.microsoft.com/office/drawing/2014/main" xmlns="" w="9525">
                   <a:solidFill>
                     <a:srgbClr val="000000"/>
                   </a:solidFill>
@@ -39390,7 +39406,7 @@
             </a:ln>
             <a:extLst>
               <a:ext uri="{91240B29-F687-4f45-9708-019B960494DF}">
-                <a14:hiddenLine xmlns="" xmlns:a16="http://schemas.microsoft.com/office/drawing/2014/main" xmlns:p14="http://schemas.microsoft.com/office/powerpoint/2010/main" xmlns:a14="http://schemas.microsoft.com/office/drawing/2010/main" w="9525">
+                <a14:hiddenLine xmlns:a14="http://schemas.microsoft.com/office/drawing/2010/main" xmlns:p14="http://schemas.microsoft.com/office/powerpoint/2010/main" xmlns:a16="http://schemas.microsoft.com/office/drawing/2014/main" xmlns="" w="9525">
                   <a:solidFill>
                     <a:srgbClr val="000000"/>
                   </a:solidFill>
@@ -39495,7 +39511,7 @@
             </a:ln>
             <a:extLst>
               <a:ext uri="{91240B29-F687-4f45-9708-019B960494DF}">
-                <a14:hiddenLine xmlns="" xmlns:a16="http://schemas.microsoft.com/office/drawing/2014/main" xmlns:p14="http://schemas.microsoft.com/office/powerpoint/2010/main" xmlns:a14="http://schemas.microsoft.com/office/drawing/2010/main" w="9525">
+                <a14:hiddenLine xmlns:a14="http://schemas.microsoft.com/office/drawing/2010/main" xmlns:p14="http://schemas.microsoft.com/office/powerpoint/2010/main" xmlns:a16="http://schemas.microsoft.com/office/drawing/2014/main" xmlns="" w="9525">
                   <a:solidFill>
                     <a:srgbClr val="000000"/>
                   </a:solidFill>
@@ -39572,7 +39588,7 @@
             </a:ln>
             <a:extLst>
               <a:ext uri="{91240B29-F687-4f45-9708-019B960494DF}">
-                <a14:hiddenLine xmlns="" xmlns:a16="http://schemas.microsoft.com/office/drawing/2014/main" xmlns:p14="http://schemas.microsoft.com/office/powerpoint/2010/main" xmlns:a14="http://schemas.microsoft.com/office/drawing/2010/main" w="9525">
+                <a14:hiddenLine xmlns:a14="http://schemas.microsoft.com/office/drawing/2010/main" xmlns:p14="http://schemas.microsoft.com/office/powerpoint/2010/main" xmlns:a16="http://schemas.microsoft.com/office/drawing/2014/main" xmlns="" w="9525">
                   <a:solidFill>
                     <a:srgbClr val="000000"/>
                   </a:solidFill>
@@ -39677,7 +39693,7 @@
             </a:ln>
             <a:extLst>
               <a:ext uri="{91240B29-F687-4f45-9708-019B960494DF}">
-                <a14:hiddenLine xmlns="" xmlns:a16="http://schemas.microsoft.com/office/drawing/2014/main" xmlns:p14="http://schemas.microsoft.com/office/powerpoint/2010/main" xmlns:a14="http://schemas.microsoft.com/office/drawing/2010/main" w="9525">
+                <a14:hiddenLine xmlns:a14="http://schemas.microsoft.com/office/drawing/2010/main" xmlns:p14="http://schemas.microsoft.com/office/powerpoint/2010/main" xmlns:a16="http://schemas.microsoft.com/office/drawing/2014/main" xmlns="" w="9525">
                   <a:solidFill>
                     <a:srgbClr val="000000"/>
                   </a:solidFill>
@@ -39782,7 +39798,7 @@
             </a:ln>
             <a:extLst>
               <a:ext uri="{91240B29-F687-4f45-9708-019B960494DF}">
-                <a14:hiddenLine xmlns="" xmlns:a16="http://schemas.microsoft.com/office/drawing/2014/main" xmlns:p14="http://schemas.microsoft.com/office/powerpoint/2010/main" xmlns:a14="http://schemas.microsoft.com/office/drawing/2010/main" w="9525">
+                <a14:hiddenLine xmlns:a14="http://schemas.microsoft.com/office/drawing/2010/main" xmlns:p14="http://schemas.microsoft.com/office/powerpoint/2010/main" xmlns:a16="http://schemas.microsoft.com/office/drawing/2014/main" xmlns="" w="9525">
                   <a:solidFill>
                     <a:srgbClr val="000000"/>
                   </a:solidFill>
@@ -39862,7 +39878,7 @@
             </a:ln>
             <a:extLst>
               <a:ext uri="{91240B29-F687-4f45-9708-019B960494DF}">
-                <a14:hiddenLine xmlns="" xmlns:a16="http://schemas.microsoft.com/office/drawing/2014/main" xmlns:p14="http://schemas.microsoft.com/office/powerpoint/2010/main" xmlns:a14="http://schemas.microsoft.com/office/drawing/2010/main" w="9525">
+                <a14:hiddenLine xmlns:a14="http://schemas.microsoft.com/office/drawing/2010/main" xmlns:p14="http://schemas.microsoft.com/office/powerpoint/2010/main" xmlns:a16="http://schemas.microsoft.com/office/drawing/2014/main" xmlns="" w="9525">
                   <a:solidFill>
                     <a:srgbClr val="000000"/>
                   </a:solidFill>
@@ -39939,7 +39955,7 @@
             </a:ln>
             <a:extLst>
               <a:ext uri="{91240B29-F687-4f45-9708-019B960494DF}">
-                <a14:hiddenLine xmlns="" xmlns:a16="http://schemas.microsoft.com/office/drawing/2014/main" xmlns:p14="http://schemas.microsoft.com/office/powerpoint/2010/main" xmlns:a14="http://schemas.microsoft.com/office/drawing/2010/main" w="9525">
+                <a14:hiddenLine xmlns:a14="http://schemas.microsoft.com/office/drawing/2010/main" xmlns:p14="http://schemas.microsoft.com/office/powerpoint/2010/main" xmlns:a16="http://schemas.microsoft.com/office/drawing/2014/main" xmlns="" w="9525">
                   <a:solidFill>
                     <a:srgbClr val="000000"/>
                   </a:solidFill>
@@ -40044,7 +40060,7 @@
             </a:ln>
             <a:extLst>
               <a:ext uri="{91240B29-F687-4f45-9708-019B960494DF}">
-                <a14:hiddenLine xmlns="" xmlns:a16="http://schemas.microsoft.com/office/drawing/2014/main" xmlns:p14="http://schemas.microsoft.com/office/powerpoint/2010/main" xmlns:a14="http://schemas.microsoft.com/office/drawing/2010/main" w="9525">
+                <a14:hiddenLine xmlns:a14="http://schemas.microsoft.com/office/drawing/2010/main" xmlns:p14="http://schemas.microsoft.com/office/powerpoint/2010/main" xmlns:a16="http://schemas.microsoft.com/office/drawing/2014/main" xmlns="" w="9525">
                   <a:solidFill>
                     <a:srgbClr val="000000"/>
                   </a:solidFill>
@@ -40149,7 +40165,7 @@
             </a:ln>
             <a:extLst>
               <a:ext uri="{91240B29-F687-4f45-9708-019B960494DF}">
-                <a14:hiddenLine xmlns="" xmlns:a16="http://schemas.microsoft.com/office/drawing/2014/main" xmlns:p14="http://schemas.microsoft.com/office/powerpoint/2010/main" xmlns:a14="http://schemas.microsoft.com/office/drawing/2010/main" w="9525">
+                <a14:hiddenLine xmlns:a14="http://schemas.microsoft.com/office/drawing/2010/main" xmlns:p14="http://schemas.microsoft.com/office/powerpoint/2010/main" xmlns:a16="http://schemas.microsoft.com/office/drawing/2014/main" xmlns="" w="9525">
                   <a:solidFill>
                     <a:srgbClr val="000000"/>
                   </a:solidFill>
@@ -40226,7 +40242,7 @@
             </a:ln>
             <a:extLst>
               <a:ext uri="{91240B29-F687-4f45-9708-019B960494DF}">
-                <a14:hiddenLine xmlns="" xmlns:a16="http://schemas.microsoft.com/office/drawing/2014/main" xmlns:p14="http://schemas.microsoft.com/office/powerpoint/2010/main" xmlns:a14="http://schemas.microsoft.com/office/drawing/2010/main" w="9525">
+                <a14:hiddenLine xmlns:a14="http://schemas.microsoft.com/office/drawing/2010/main" xmlns:p14="http://schemas.microsoft.com/office/powerpoint/2010/main" xmlns:a16="http://schemas.microsoft.com/office/drawing/2014/main" xmlns="" w="9525">
                   <a:solidFill>
                     <a:srgbClr val="000000"/>
                   </a:solidFill>
@@ -40361,7 +40377,7 @@
             </a:ln>
             <a:extLst>
               <a:ext uri="{91240B29-F687-4f45-9708-019B960494DF}">
-                <a14:hiddenLine xmlns="" xmlns:a16="http://schemas.microsoft.com/office/drawing/2014/main" xmlns:p14="http://schemas.microsoft.com/office/powerpoint/2010/main" xmlns:a14="http://schemas.microsoft.com/office/drawing/2010/main" w="9525">
+                <a14:hiddenLine xmlns:a14="http://schemas.microsoft.com/office/drawing/2010/main" xmlns:p14="http://schemas.microsoft.com/office/powerpoint/2010/main" xmlns:a16="http://schemas.microsoft.com/office/drawing/2014/main" xmlns="" w="9525">
                   <a:solidFill>
                     <a:srgbClr val="000000"/>
                   </a:solidFill>
@@ -40444,7 +40460,7 @@
             </a:ln>
             <a:extLst>
               <a:ext uri="{91240B29-F687-4f45-9708-019B960494DF}">
-                <a14:hiddenLine xmlns="" xmlns:a16="http://schemas.microsoft.com/office/drawing/2014/main" xmlns:p14="http://schemas.microsoft.com/office/powerpoint/2010/main" xmlns:a14="http://schemas.microsoft.com/office/drawing/2010/main" w="9525">
+                <a14:hiddenLine xmlns:a14="http://schemas.microsoft.com/office/drawing/2010/main" xmlns:p14="http://schemas.microsoft.com/office/powerpoint/2010/main" xmlns:a16="http://schemas.microsoft.com/office/drawing/2014/main" xmlns="" w="9525">
                   <a:solidFill>
                     <a:srgbClr val="000000"/>
                   </a:solidFill>
@@ -40549,7 +40565,7 @@
             </a:ln>
             <a:extLst>
               <a:ext uri="{91240B29-F687-4f45-9708-019B960494DF}">
-                <a14:hiddenLine xmlns="" xmlns:a16="http://schemas.microsoft.com/office/drawing/2014/main" xmlns:p14="http://schemas.microsoft.com/office/powerpoint/2010/main" xmlns:a14="http://schemas.microsoft.com/office/drawing/2010/main" w="9525">
+                <a14:hiddenLine xmlns:a14="http://schemas.microsoft.com/office/drawing/2010/main" xmlns:p14="http://schemas.microsoft.com/office/powerpoint/2010/main" xmlns:a16="http://schemas.microsoft.com/office/drawing/2014/main" xmlns="" w="9525">
                   <a:solidFill>
                     <a:srgbClr val="000000"/>
                   </a:solidFill>
